--- a/Figure-4-5/Figure45/Figure45_fullslide.pptx
+++ b/Figure-4-5/Figure45/Figure45_fullslide.pptx
@@ -516,6 +516,126 @@
               <a:rPr/>
               <a:t>Title:</a:t>
             </a:r>
+            <a:r>
+              <a:rPr/>
+              <a:t> </a:t>
+            </a:r>
+            <a:r>
+              <a:rPr/>
+              <a:t>Voluntary</a:t>
+            </a:r>
+            <a:r>
+              <a:rPr/>
+              <a:t> </a:t>
+            </a:r>
+            <a:r>
+              <a:rPr/>
+              <a:t>pre-tax</a:t>
+            </a:r>
+            <a:r>
+              <a:rPr/>
+              <a:t> </a:t>
+            </a:r>
+            <a:r>
+              <a:rPr/>
+              <a:t>contributions</a:t>
+            </a:r>
+            <a:r>
+              <a:rPr/>
+              <a:t> </a:t>
+            </a:r>
+            <a:r>
+              <a:rPr/>
+              <a:t>are</a:t>
+            </a:r>
+            <a:r>
+              <a:rPr/>
+              <a:t> </a:t>
+            </a:r>
+            <a:r>
+              <a:rPr/>
+              <a:t>mostly</a:t>
+            </a:r>
+            <a:r>
+              <a:rPr/>
+              <a:t> </a:t>
+            </a:r>
+            <a:r>
+              <a:rPr/>
+              <a:t>made</a:t>
+            </a:r>
+            <a:r>
+              <a:rPr/>
+              <a:t> </a:t>
+            </a:r>
+            <a:r>
+              <a:rPr/>
+              <a:t>by</a:t>
+            </a:r>
+            <a:r>
+              <a:rPr/>
+              <a:t> </a:t>
+            </a:r>
+            <a:r>
+              <a:rPr/>
+              <a:t>those</a:t>
+            </a:r>
+            <a:r>
+              <a:rPr/>
+              <a:t> </a:t>
+            </a:r>
+            <a:r>
+              <a:rPr/>
+              <a:t>who</a:t>
+            </a:r>
+            <a:r>
+              <a:rPr/>
+              <a:t> </a:t>
+            </a:r>
+            <a:r>
+              <a:rPr/>
+              <a:t>are</a:t>
+            </a:r>
+            <a:r>
+              <a:rPr/>
+              <a:t> </a:t>
+            </a:r>
+            <a:r>
+              <a:rPr/>
+              <a:t>older</a:t>
+            </a:r>
+            <a:r>
+              <a:rPr/>
+              <a:t> </a:t>
+            </a:r>
+            <a:r>
+              <a:rPr/>
+              <a:t>and</a:t>
+            </a:r>
+            <a:r>
+              <a:rPr/>
+              <a:t> </a:t>
+            </a:r>
+            <a:r>
+              <a:rPr/>
+              <a:t>on</a:t>
+            </a:r>
+            <a:r>
+              <a:rPr/>
+              <a:t> </a:t>
+            </a:r>
+            <a:r>
+              <a:rPr/>
+              <a:t>high</a:t>
+            </a:r>
+            <a:r>
+              <a:rPr/>
+              <a:t> </a:t>
+            </a:r>
+            <a:r>
+              <a:rPr/>
+              <a:t>incomes</a:t>
+            </a:r>
           </a:p>
           <a:p>
             <a:pPr lvl="0" marL="0" indent="0">
@@ -529,6 +649,340 @@
             <a:r>
               <a:rPr/>
               <a:t>Subtitle:</a:t>
+            </a:r>
+            <a:r>
+              <a:rPr/>
+              <a:t> </a:t>
+            </a:r>
+            <a:r>
+              <a:rPr/>
+              <a:t>Percentage</a:t>
+            </a:r>
+            <a:r>
+              <a:rPr/>
+              <a:t> </a:t>
+            </a:r>
+            <a:r>
+              <a:rPr/>
+              <a:t>of</a:t>
+            </a:r>
+            <a:r>
+              <a:rPr/>
+              <a:t> </a:t>
+            </a:r>
+            <a:r>
+              <a:rPr/>
+              <a:t>voluntary</a:t>
+            </a:r>
+            <a:r>
+              <a:rPr/>
+              <a:t> </a:t>
+            </a:r>
+            <a:r>
+              <a:rPr/>
+              <a:t>pre-tax</a:t>
+            </a:r>
+            <a:r>
+              <a:rPr/>
+              <a:t> </a:t>
+            </a:r>
+            <a:r>
+              <a:rPr/>
+              <a:t>contributions,</a:t>
+            </a:r>
+            <a:r>
+              <a:rPr/>
+              <a:t> </a:t>
+            </a:r>
+            <a:r>
+              <a:rPr/>
+              <a:t>(2020-21)</a:t>
+            </a:r>
+          </a:p>
+          <a:p>
+            <a:pPr lvl="0" marL="0" indent="0">
+              <a:buNone/>
+            </a:pPr>
+          </a:p>
+          <a:p>
+            <a:pPr lvl="0" marL="0" indent="0">
+              <a:buNone/>
+            </a:pPr>
+            <a:r>
+              <a:rPr/>
+              <a:t>Notes:</a:t>
+            </a:r>
+            <a:r>
+              <a:rPr/>
+              <a:t> </a:t>
+            </a:r>
+            <a:r>
+              <a:rPr/>
+              <a:t>Projections</a:t>
+            </a:r>
+            <a:r>
+              <a:rPr/>
+              <a:t> </a:t>
+            </a:r>
+            <a:r>
+              <a:rPr/>
+              <a:t>to</a:t>
+            </a:r>
+            <a:r>
+              <a:rPr/>
+              <a:t> </a:t>
+            </a:r>
+            <a:r>
+              <a:rPr/>
+              <a:t>2020-21</a:t>
+            </a:r>
+            <a:r>
+              <a:rPr/>
+              <a:t> </a:t>
+            </a:r>
+            <a:r>
+              <a:rPr/>
+              <a:t>assume</a:t>
+            </a:r>
+            <a:r>
+              <a:rPr/>
+              <a:t> </a:t>
+            </a:r>
+            <a:r>
+              <a:rPr/>
+              <a:t>2%</a:t>
+            </a:r>
+            <a:r>
+              <a:rPr/>
+              <a:t> </a:t>
+            </a:r>
+            <a:r>
+              <a:rPr/>
+              <a:t>wage</a:t>
+            </a:r>
+            <a:r>
+              <a:rPr/>
+              <a:t> </a:t>
+            </a:r>
+            <a:r>
+              <a:rPr/>
+              <a:t>growth</a:t>
+            </a:r>
+            <a:r>
+              <a:rPr/>
+              <a:t> </a:t>
+            </a:r>
+            <a:r>
+              <a:rPr/>
+              <a:t>and</a:t>
+            </a:r>
+            <a:r>
+              <a:rPr/>
+              <a:t> </a:t>
+            </a:r>
+            <a:r>
+              <a:rPr/>
+              <a:t>0%</a:t>
+            </a:r>
+            <a:r>
+              <a:rPr/>
+              <a:t> </a:t>
+            </a:r>
+            <a:r>
+              <a:rPr/>
+              <a:t>growth</a:t>
+            </a:r>
+            <a:r>
+              <a:rPr/>
+              <a:t> </a:t>
+            </a:r>
+            <a:r>
+              <a:rPr/>
+              <a:t>in</a:t>
+            </a:r>
+            <a:r>
+              <a:rPr/>
+              <a:t> </a:t>
+            </a:r>
+            <a:r>
+              <a:rPr/>
+              <a:t>the</a:t>
+            </a:r>
+            <a:r>
+              <a:rPr/>
+              <a:t> </a:t>
+            </a:r>
+            <a:r>
+              <a:rPr/>
+              <a:t>number</a:t>
+            </a:r>
+            <a:r>
+              <a:rPr/>
+              <a:t> </a:t>
+            </a:r>
+            <a:r>
+              <a:rPr/>
+              <a:t>of</a:t>
+            </a:r>
+            <a:r>
+              <a:rPr/>
+              <a:t> </a:t>
+            </a:r>
+            <a:r>
+              <a:rPr/>
+              <a:t>taxfilers</a:t>
+            </a:r>
+            <a:r>
+              <a:rPr/>
+              <a:t> </a:t>
+            </a:r>
+            <a:r>
+              <a:rPr/>
+              <a:t>from</a:t>
+            </a:r>
+            <a:r>
+              <a:rPr/>
+              <a:t> </a:t>
+            </a:r>
+            <a:r>
+              <a:rPr/>
+              <a:t>2019-20</a:t>
+            </a:r>
+            <a:r>
+              <a:rPr/>
+              <a:t> </a:t>
+            </a:r>
+            <a:r>
+              <a:rPr/>
+              <a:t>to</a:t>
+            </a:r>
+            <a:r>
+              <a:rPr/>
+              <a:t> </a:t>
+            </a:r>
+            <a:r>
+              <a:rPr/>
+              <a:t>2020-21.</a:t>
+            </a:r>
+            <a:r>
+              <a:rPr/>
+              <a:t> </a:t>
+            </a:r>
+            <a:r>
+              <a:rPr/>
+              <a:t>Voluntary</a:t>
+            </a:r>
+            <a:r>
+              <a:rPr/>
+              <a:t> </a:t>
+            </a:r>
+            <a:r>
+              <a:rPr/>
+              <a:t>pre-tax</a:t>
+            </a:r>
+            <a:r>
+              <a:rPr/>
+              <a:t> </a:t>
+            </a:r>
+            <a:r>
+              <a:rPr/>
+              <a:t>contributions</a:t>
+            </a:r>
+            <a:r>
+              <a:rPr/>
+              <a:t> </a:t>
+            </a:r>
+            <a:r>
+              <a:rPr/>
+              <a:t>means</a:t>
+            </a:r>
+            <a:r>
+              <a:rPr/>
+              <a:t> </a:t>
+            </a:r>
+            <a:r>
+              <a:rPr/>
+              <a:t>concessional</a:t>
+            </a:r>
+            <a:r>
+              <a:rPr/>
+              <a:t> </a:t>
+            </a:r>
+            <a:r>
+              <a:rPr/>
+              <a:t>contributions</a:t>
+            </a:r>
+            <a:r>
+              <a:rPr/>
+              <a:t> </a:t>
+            </a:r>
+            <a:r>
+              <a:rPr/>
+              <a:t>less</a:t>
+            </a:r>
+            <a:r>
+              <a:rPr/>
+              <a:t> </a:t>
+            </a:r>
+            <a:r>
+              <a:rPr/>
+              <a:t>SG</a:t>
+            </a:r>
+            <a:r>
+              <a:rPr/>
+              <a:t> </a:t>
+            </a:r>
+            <a:r>
+              <a:rPr/>
+              <a:t>contributions.</a:t>
+            </a:r>
+            <a:r>
+              <a:rPr/>
+              <a:t> </a:t>
+            </a:r>
+            <a:r>
+              <a:rPr/>
+              <a:t>Source:</a:t>
+            </a:r>
+            <a:r>
+              <a:rPr/>
+              <a:t> </a:t>
+            </a:r>
+            <a:r>
+              <a:rPr/>
+              <a:t>ATO</a:t>
+            </a:r>
+            <a:r>
+              <a:rPr/>
+              <a:t> </a:t>
+            </a:r>
+            <a:r>
+              <a:rPr/>
+              <a:t>2017-18</a:t>
+            </a:r>
+            <a:r>
+              <a:rPr/>
+              <a:t> </a:t>
+            </a:r>
+            <a:r>
+              <a:rPr/>
+              <a:t>2%</a:t>
+            </a:r>
+            <a:r>
+              <a:rPr/>
+              <a:t> </a:t>
+            </a:r>
+            <a:r>
+              <a:rPr/>
+              <a:t>sample</a:t>
+            </a:r>
+            <a:r>
+              <a:rPr/>
+              <a:t> </a:t>
+            </a:r>
+            <a:r>
+              <a:rPr/>
+              <a:t>file</a:t>
             </a:r>
           </a:p>
           <a:p>
@@ -3937,7 +4391,7 @@
           <a:p>
             <a:r>
               <a:rPr/>
-              <a:t> </a:t>
+              <a:t>Voluntary pre-tax contributions are mostly made by those who are older and on high incomes</a:t>
             </a:r>
           </a:p>
         </p:txBody>
@@ -3964,7 +4418,7 @@
           <a:p>
             <a:r>
               <a:rPr/>
-              <a:t> </a:t>
+              <a:t>Percentage of voluntary pre-tax contributions, (2020-21)</a:t>
             </a:r>
           </a:p>
         </p:txBody>
@@ -4026,8 +4480,8 @@
           </p:nvSpPr>
           <p:spPr>
             <a:xfrm>
-              <a:off x="1952547" y="1371747"/>
-              <a:ext cx="5364085" cy="5455914"/>
+              <a:off x="2243223" y="1371747"/>
+              <a:ext cx="4782733" cy="5455914"/>
             </a:xfrm>
             <a:prstGeom prst="rect">
               <a:avLst/>
@@ -4052,8 +4506,8 @@
           </p:nvSpPr>
           <p:spPr>
             <a:xfrm>
-              <a:off x="2011312" y="1463187"/>
-              <a:ext cx="5195592" cy="5195592"/>
+              <a:off x="2301988" y="1463188"/>
+              <a:ext cx="4614240" cy="4614240"/>
             </a:xfrm>
             <a:prstGeom prst="rect">
               <a:avLst/>
@@ -4078,189 +4532,189 @@
           </p:nvSpPr>
           <p:spPr>
             <a:xfrm>
-              <a:off x="4609108" y="1982747"/>
-              <a:ext cx="93015" cy="2078237"/>
+              <a:off x="4609108" y="1924612"/>
+              <a:ext cx="82607" cy="1845696"/>
             </a:xfrm>
             <a:custGeom>
               <a:avLst/>
               <a:pathLst>
-                <a:path w="93015" h="2078237">
+                <a:path w="82607" h="1845696">
                   <a:moveTo>
-                    <a:pt x="0" y="2078237"/>
+                    <a:pt x="0" y="1845696"/>
                   </a:moveTo>
                   <a:lnTo>
-                    <a:pt x="3207" y="2006645"/>
-                  </a:lnTo>
-                  <a:lnTo>
-                    <a:pt x="6414" y="1935053"/>
-                  </a:lnTo>
-                  <a:lnTo>
-                    <a:pt x="9622" y="1863462"/>
-                  </a:lnTo>
-                  <a:lnTo>
-                    <a:pt x="12829" y="1791870"/>
-                  </a:lnTo>
-                  <a:lnTo>
-                    <a:pt x="16037" y="1720279"/>
-                  </a:lnTo>
-                  <a:lnTo>
-                    <a:pt x="19244" y="1648687"/>
-                  </a:lnTo>
-                  <a:lnTo>
-                    <a:pt x="22452" y="1577096"/>
-                  </a:lnTo>
-                  <a:lnTo>
-                    <a:pt x="25659" y="1505504"/>
-                  </a:lnTo>
-                  <a:lnTo>
-                    <a:pt x="28866" y="1433913"/>
-                  </a:lnTo>
-                  <a:lnTo>
-                    <a:pt x="32074" y="1362321"/>
-                  </a:lnTo>
-                  <a:lnTo>
-                    <a:pt x="35281" y="1290730"/>
-                  </a:lnTo>
-                  <a:lnTo>
-                    <a:pt x="38489" y="1219138"/>
-                  </a:lnTo>
-                  <a:lnTo>
-                    <a:pt x="41696" y="1147547"/>
-                  </a:lnTo>
-                  <a:lnTo>
-                    <a:pt x="44904" y="1075955"/>
-                  </a:lnTo>
-                  <a:lnTo>
-                    <a:pt x="48111" y="1004364"/>
-                  </a:lnTo>
-                  <a:lnTo>
-                    <a:pt x="51318" y="932772"/>
-                  </a:lnTo>
-                  <a:lnTo>
-                    <a:pt x="54526" y="861180"/>
-                  </a:lnTo>
-                  <a:lnTo>
-                    <a:pt x="57733" y="789589"/>
-                  </a:lnTo>
-                  <a:lnTo>
-                    <a:pt x="60941" y="717997"/>
-                  </a:lnTo>
-                  <a:lnTo>
-                    <a:pt x="64148" y="646406"/>
-                  </a:lnTo>
-                  <a:lnTo>
-                    <a:pt x="67356" y="574814"/>
-                  </a:lnTo>
-                  <a:lnTo>
-                    <a:pt x="70563" y="503223"/>
-                  </a:lnTo>
-                  <a:lnTo>
-                    <a:pt x="73770" y="431631"/>
-                  </a:lnTo>
-                  <a:lnTo>
-                    <a:pt x="76978" y="360040"/>
-                  </a:lnTo>
-                  <a:lnTo>
-                    <a:pt x="80185" y="288448"/>
-                  </a:lnTo>
-                  <a:lnTo>
-                    <a:pt x="83393" y="216857"/>
-                  </a:lnTo>
-                  <a:lnTo>
-                    <a:pt x="86600" y="145265"/>
-                  </a:lnTo>
-                  <a:lnTo>
-                    <a:pt x="89808" y="73674"/>
-                  </a:lnTo>
-                  <a:lnTo>
-                    <a:pt x="93015" y="2082"/>
+                    <a:pt x="2848" y="1782115"/>
+                  </a:lnTo>
+                  <a:lnTo>
+                    <a:pt x="5697" y="1718534"/>
+                  </a:lnTo>
+                  <a:lnTo>
+                    <a:pt x="8545" y="1654953"/>
+                  </a:lnTo>
+                  <a:lnTo>
+                    <a:pt x="11394" y="1591372"/>
+                  </a:lnTo>
+                  <a:lnTo>
+                    <a:pt x="14242" y="1527791"/>
+                  </a:lnTo>
+                  <a:lnTo>
+                    <a:pt x="17091" y="1464210"/>
+                  </a:lnTo>
+                  <a:lnTo>
+                    <a:pt x="19939" y="1400629"/>
+                  </a:lnTo>
+                  <a:lnTo>
+                    <a:pt x="22788" y="1337048"/>
+                  </a:lnTo>
+                  <a:lnTo>
+                    <a:pt x="25636" y="1273467"/>
+                  </a:lnTo>
+                  <a:lnTo>
+                    <a:pt x="28485" y="1209886"/>
+                  </a:lnTo>
+                  <a:lnTo>
+                    <a:pt x="31333" y="1146305"/>
+                  </a:lnTo>
+                  <a:lnTo>
+                    <a:pt x="34182" y="1082725"/>
+                  </a:lnTo>
+                  <a:lnTo>
+                    <a:pt x="37031" y="1019144"/>
+                  </a:lnTo>
+                  <a:lnTo>
+                    <a:pt x="39879" y="955563"/>
+                  </a:lnTo>
+                  <a:lnTo>
+                    <a:pt x="42728" y="891982"/>
+                  </a:lnTo>
+                  <a:lnTo>
+                    <a:pt x="45576" y="828401"/>
+                  </a:lnTo>
+                  <a:lnTo>
+                    <a:pt x="48425" y="764820"/>
+                  </a:lnTo>
+                  <a:lnTo>
+                    <a:pt x="51273" y="701239"/>
+                  </a:lnTo>
+                  <a:lnTo>
+                    <a:pt x="54122" y="637658"/>
+                  </a:lnTo>
+                  <a:lnTo>
+                    <a:pt x="56970" y="574077"/>
+                  </a:lnTo>
+                  <a:lnTo>
+                    <a:pt x="59819" y="510496"/>
+                  </a:lnTo>
+                  <a:lnTo>
+                    <a:pt x="62667" y="446915"/>
+                  </a:lnTo>
+                  <a:lnTo>
+                    <a:pt x="65516" y="383335"/>
+                  </a:lnTo>
+                  <a:lnTo>
+                    <a:pt x="68365" y="319754"/>
+                  </a:lnTo>
+                  <a:lnTo>
+                    <a:pt x="71213" y="256173"/>
+                  </a:lnTo>
+                  <a:lnTo>
+                    <a:pt x="74062" y="192592"/>
+                  </a:lnTo>
+                  <a:lnTo>
+                    <a:pt x="76910" y="129011"/>
+                  </a:lnTo>
+                  <a:lnTo>
+                    <a:pt x="79759" y="65430"/>
+                  </a:lnTo>
+                  <a:lnTo>
+                    <a:pt x="82607" y="1849"/>
                   </a:lnTo>
                   <a:lnTo>
                     <a:pt x="0" y="0"/>
                   </a:lnTo>
                   <a:lnTo>
-                    <a:pt x="0" y="71663"/>
-                  </a:lnTo>
-                  <a:lnTo>
-                    <a:pt x="0" y="143326"/>
-                  </a:lnTo>
-                  <a:lnTo>
-                    <a:pt x="0" y="214990"/>
-                  </a:lnTo>
-                  <a:lnTo>
-                    <a:pt x="0" y="286653"/>
-                  </a:lnTo>
-                  <a:lnTo>
-                    <a:pt x="0" y="358316"/>
-                  </a:lnTo>
-                  <a:lnTo>
-                    <a:pt x="0" y="429980"/>
-                  </a:lnTo>
-                  <a:lnTo>
-                    <a:pt x="0" y="501643"/>
-                  </a:lnTo>
-                  <a:lnTo>
-                    <a:pt x="0" y="573306"/>
-                  </a:lnTo>
-                  <a:lnTo>
-                    <a:pt x="0" y="644970"/>
-                  </a:lnTo>
-                  <a:lnTo>
-                    <a:pt x="0" y="716633"/>
-                  </a:lnTo>
-                  <a:lnTo>
-                    <a:pt x="0" y="788296"/>
-                  </a:lnTo>
-                  <a:lnTo>
-                    <a:pt x="0" y="859960"/>
-                  </a:lnTo>
-                  <a:lnTo>
-                    <a:pt x="0" y="931623"/>
-                  </a:lnTo>
-                  <a:lnTo>
-                    <a:pt x="0" y="1003286"/>
-                  </a:lnTo>
-                  <a:lnTo>
-                    <a:pt x="0" y="1074950"/>
-                  </a:lnTo>
-                  <a:lnTo>
-                    <a:pt x="0" y="1146613"/>
-                  </a:lnTo>
-                  <a:lnTo>
-                    <a:pt x="0" y="1218276"/>
-                  </a:lnTo>
-                  <a:lnTo>
-                    <a:pt x="0" y="1289940"/>
-                  </a:lnTo>
-                  <a:lnTo>
-                    <a:pt x="0" y="1361603"/>
-                  </a:lnTo>
-                  <a:lnTo>
-                    <a:pt x="0" y="1433266"/>
-                  </a:lnTo>
-                  <a:lnTo>
-                    <a:pt x="0" y="1504930"/>
-                  </a:lnTo>
-                  <a:lnTo>
-                    <a:pt x="0" y="1576593"/>
-                  </a:lnTo>
-                  <a:lnTo>
-                    <a:pt x="0" y="1648256"/>
-                  </a:lnTo>
-                  <a:lnTo>
-                    <a:pt x="0" y="1719920"/>
-                  </a:lnTo>
-                  <a:lnTo>
-                    <a:pt x="0" y="1791583"/>
-                  </a:lnTo>
-                  <a:lnTo>
-                    <a:pt x="0" y="1863247"/>
-                  </a:lnTo>
-                  <a:lnTo>
-                    <a:pt x="0" y="1934910"/>
-                  </a:lnTo>
-                  <a:lnTo>
-                    <a:pt x="0" y="2006573"/>
+                    <a:pt x="0" y="63644"/>
+                  </a:lnTo>
+                  <a:lnTo>
+                    <a:pt x="0" y="127289"/>
+                  </a:lnTo>
+                  <a:lnTo>
+                    <a:pt x="0" y="190934"/>
+                  </a:lnTo>
+                  <a:lnTo>
+                    <a:pt x="0" y="254578"/>
+                  </a:lnTo>
+                  <a:lnTo>
+                    <a:pt x="0" y="318223"/>
+                  </a:lnTo>
+                  <a:lnTo>
+                    <a:pt x="0" y="381868"/>
+                  </a:lnTo>
+                  <a:lnTo>
+                    <a:pt x="0" y="445512"/>
+                  </a:lnTo>
+                  <a:lnTo>
+                    <a:pt x="0" y="509157"/>
+                  </a:lnTo>
+                  <a:lnTo>
+                    <a:pt x="0" y="572802"/>
+                  </a:lnTo>
+                  <a:lnTo>
+                    <a:pt x="0" y="636446"/>
+                  </a:lnTo>
+                  <a:lnTo>
+                    <a:pt x="0" y="700091"/>
+                  </a:lnTo>
+                  <a:lnTo>
+                    <a:pt x="0" y="763736"/>
+                  </a:lnTo>
+                  <a:lnTo>
+                    <a:pt x="0" y="827380"/>
+                  </a:lnTo>
+                  <a:lnTo>
+                    <a:pt x="0" y="891025"/>
+                  </a:lnTo>
+                  <a:lnTo>
+                    <a:pt x="0" y="954670"/>
+                  </a:lnTo>
+                  <a:lnTo>
+                    <a:pt x="0" y="1018315"/>
+                  </a:lnTo>
+                  <a:lnTo>
+                    <a:pt x="0" y="1081959"/>
+                  </a:lnTo>
+                  <a:lnTo>
+                    <a:pt x="0" y="1145604"/>
+                  </a:lnTo>
+                  <a:lnTo>
+                    <a:pt x="0" y="1209249"/>
+                  </a:lnTo>
+                  <a:lnTo>
+                    <a:pt x="0" y="1272893"/>
+                  </a:lnTo>
+                  <a:lnTo>
+                    <a:pt x="0" y="1336538"/>
+                  </a:lnTo>
+                  <a:lnTo>
+                    <a:pt x="0" y="1400183"/>
+                  </a:lnTo>
+                  <a:lnTo>
+                    <a:pt x="0" y="1463827"/>
+                  </a:lnTo>
+                  <a:lnTo>
+                    <a:pt x="0" y="1527472"/>
+                  </a:lnTo>
+                  <a:lnTo>
+                    <a:pt x="0" y="1591117"/>
+                  </a:lnTo>
+                  <a:lnTo>
+                    <a:pt x="0" y="1654761"/>
+                  </a:lnTo>
+                  <a:lnTo>
+                    <a:pt x="0" y="1718406"/>
+                  </a:lnTo>
+                  <a:lnTo>
+                    <a:pt x="0" y="1782051"/>
                   </a:lnTo>
                   <a:close/>
                 </a:path>
@@ -4295,195 +4749,195 @@
           </p:nvSpPr>
           <p:spPr>
             <a:xfrm>
-              <a:off x="4609108" y="1984829"/>
-              <a:ext cx="315882" cy="2076154"/>
+              <a:off x="4609108" y="1926461"/>
+              <a:ext cx="280537" cy="1843846"/>
             </a:xfrm>
             <a:custGeom>
               <a:avLst/>
               <a:pathLst>
-                <a:path w="315882" h="2076154">
+                <a:path w="280537" h="1843846">
                   <a:moveTo>
-                    <a:pt x="0" y="2076154"/>
+                    <a:pt x="0" y="1843846"/>
                   </a:moveTo>
                   <a:lnTo>
-                    <a:pt x="10892" y="2005323"/>
-                  </a:lnTo>
-                  <a:lnTo>
-                    <a:pt x="21784" y="1934493"/>
-                  </a:lnTo>
-                  <a:lnTo>
-                    <a:pt x="32677" y="1863662"/>
-                  </a:lnTo>
-                  <a:lnTo>
-                    <a:pt x="43569" y="1792831"/>
-                  </a:lnTo>
-                  <a:lnTo>
-                    <a:pt x="54462" y="1722000"/>
-                  </a:lnTo>
-                  <a:lnTo>
-                    <a:pt x="65354" y="1651170"/>
-                  </a:lnTo>
-                  <a:lnTo>
-                    <a:pt x="76247" y="1580339"/>
-                  </a:lnTo>
-                  <a:lnTo>
-                    <a:pt x="87139" y="1509508"/>
-                  </a:lnTo>
-                  <a:lnTo>
-                    <a:pt x="98032" y="1438678"/>
-                  </a:lnTo>
-                  <a:lnTo>
-                    <a:pt x="108924" y="1367847"/>
-                  </a:lnTo>
-                  <a:lnTo>
-                    <a:pt x="119817" y="1297016"/>
-                  </a:lnTo>
-                  <a:lnTo>
-                    <a:pt x="130709" y="1226185"/>
-                  </a:lnTo>
-                  <a:lnTo>
-                    <a:pt x="141602" y="1155355"/>
-                  </a:lnTo>
-                  <a:lnTo>
-                    <a:pt x="152494" y="1084524"/>
-                  </a:lnTo>
-                  <a:lnTo>
-                    <a:pt x="163387" y="1013693"/>
-                  </a:lnTo>
-                  <a:lnTo>
-                    <a:pt x="174279" y="942863"/>
-                  </a:lnTo>
-                  <a:lnTo>
-                    <a:pt x="185172" y="872032"/>
-                  </a:lnTo>
-                  <a:lnTo>
-                    <a:pt x="196064" y="801201"/>
-                  </a:lnTo>
-                  <a:lnTo>
-                    <a:pt x="206957" y="730371"/>
-                  </a:lnTo>
-                  <a:lnTo>
-                    <a:pt x="217849" y="659540"/>
-                  </a:lnTo>
-                  <a:lnTo>
-                    <a:pt x="228742" y="588709"/>
-                  </a:lnTo>
-                  <a:lnTo>
-                    <a:pt x="239634" y="517878"/>
-                  </a:lnTo>
-                  <a:lnTo>
-                    <a:pt x="250527" y="447048"/>
-                  </a:lnTo>
-                  <a:lnTo>
-                    <a:pt x="261419" y="376217"/>
-                  </a:lnTo>
-                  <a:lnTo>
-                    <a:pt x="272312" y="305386"/>
-                  </a:lnTo>
-                  <a:lnTo>
-                    <a:pt x="283204" y="234556"/>
-                  </a:lnTo>
-                  <a:lnTo>
-                    <a:pt x="294097" y="163725"/>
-                  </a:lnTo>
-                  <a:lnTo>
-                    <a:pt x="304989" y="92894"/>
-                  </a:lnTo>
-                  <a:lnTo>
-                    <a:pt x="315882" y="22064"/>
-                  </a:lnTo>
-                  <a:lnTo>
-                    <a:pt x="241873" y="12040"/>
-                  </a:lnTo>
-                  <a:lnTo>
-                    <a:pt x="167552" y="4682"/>
-                  </a:lnTo>
-                  <a:lnTo>
-                    <a:pt x="93015" y="0"/>
-                  </a:lnTo>
-                  <a:lnTo>
-                    <a:pt x="89808" y="71591"/>
-                  </a:lnTo>
-                  <a:lnTo>
-                    <a:pt x="86600" y="143183"/>
-                  </a:lnTo>
-                  <a:lnTo>
-                    <a:pt x="83393" y="214774"/>
-                  </a:lnTo>
-                  <a:lnTo>
-                    <a:pt x="80185" y="286366"/>
-                  </a:lnTo>
-                  <a:lnTo>
-                    <a:pt x="76978" y="357957"/>
-                  </a:lnTo>
-                  <a:lnTo>
-                    <a:pt x="73770" y="429549"/>
-                  </a:lnTo>
-                  <a:lnTo>
-                    <a:pt x="70563" y="501140"/>
-                  </a:lnTo>
-                  <a:lnTo>
-                    <a:pt x="67356" y="572732"/>
-                  </a:lnTo>
-                  <a:lnTo>
-                    <a:pt x="64148" y="644323"/>
-                  </a:lnTo>
-                  <a:lnTo>
-                    <a:pt x="60941" y="715915"/>
-                  </a:lnTo>
-                  <a:lnTo>
-                    <a:pt x="57733" y="787506"/>
-                  </a:lnTo>
-                  <a:lnTo>
-                    <a:pt x="54526" y="859098"/>
-                  </a:lnTo>
-                  <a:lnTo>
-                    <a:pt x="51318" y="930689"/>
-                  </a:lnTo>
-                  <a:lnTo>
-                    <a:pt x="48111" y="1002281"/>
-                  </a:lnTo>
-                  <a:lnTo>
-                    <a:pt x="44904" y="1073872"/>
-                  </a:lnTo>
-                  <a:lnTo>
-                    <a:pt x="41696" y="1145464"/>
-                  </a:lnTo>
-                  <a:lnTo>
-                    <a:pt x="38489" y="1217056"/>
-                  </a:lnTo>
-                  <a:lnTo>
-                    <a:pt x="35281" y="1288647"/>
-                  </a:lnTo>
-                  <a:lnTo>
-                    <a:pt x="32074" y="1360239"/>
-                  </a:lnTo>
-                  <a:lnTo>
-                    <a:pt x="28866" y="1431830"/>
-                  </a:lnTo>
-                  <a:lnTo>
-                    <a:pt x="25659" y="1503422"/>
-                  </a:lnTo>
-                  <a:lnTo>
-                    <a:pt x="22452" y="1575013"/>
-                  </a:lnTo>
-                  <a:lnTo>
-                    <a:pt x="19244" y="1646605"/>
-                  </a:lnTo>
-                  <a:lnTo>
-                    <a:pt x="16037" y="1718196"/>
-                  </a:lnTo>
-                  <a:lnTo>
-                    <a:pt x="12829" y="1789788"/>
-                  </a:lnTo>
-                  <a:lnTo>
-                    <a:pt x="9622" y="1861379"/>
-                  </a:lnTo>
-                  <a:lnTo>
-                    <a:pt x="6414" y="1932971"/>
-                  </a:lnTo>
-                  <a:lnTo>
-                    <a:pt x="3207" y="2004562"/>
+                    <a:pt x="9673" y="1780941"/>
+                  </a:lnTo>
+                  <a:lnTo>
+                    <a:pt x="19347" y="1718036"/>
+                  </a:lnTo>
+                  <a:lnTo>
+                    <a:pt x="29021" y="1655130"/>
+                  </a:lnTo>
+                  <a:lnTo>
+                    <a:pt x="38694" y="1592225"/>
+                  </a:lnTo>
+                  <a:lnTo>
+                    <a:pt x="48368" y="1529320"/>
+                  </a:lnTo>
+                  <a:lnTo>
+                    <a:pt x="58042" y="1466415"/>
+                  </a:lnTo>
+                  <a:lnTo>
+                    <a:pt x="67715" y="1403509"/>
+                  </a:lnTo>
+                  <a:lnTo>
+                    <a:pt x="77389" y="1340604"/>
+                  </a:lnTo>
+                  <a:lnTo>
+                    <a:pt x="87063" y="1277699"/>
+                  </a:lnTo>
+                  <a:lnTo>
+                    <a:pt x="96736" y="1214794"/>
+                  </a:lnTo>
+                  <a:lnTo>
+                    <a:pt x="106410" y="1151889"/>
+                  </a:lnTo>
+                  <a:lnTo>
+                    <a:pt x="116084" y="1088983"/>
+                  </a:lnTo>
+                  <a:lnTo>
+                    <a:pt x="125758" y="1026078"/>
+                  </a:lnTo>
+                  <a:lnTo>
+                    <a:pt x="135431" y="963173"/>
+                  </a:lnTo>
+                  <a:lnTo>
+                    <a:pt x="145105" y="900268"/>
+                  </a:lnTo>
+                  <a:lnTo>
+                    <a:pt x="154779" y="837363"/>
+                  </a:lnTo>
+                  <a:lnTo>
+                    <a:pt x="164452" y="774457"/>
+                  </a:lnTo>
+                  <a:lnTo>
+                    <a:pt x="174126" y="711552"/>
+                  </a:lnTo>
+                  <a:lnTo>
+                    <a:pt x="183800" y="648647"/>
+                  </a:lnTo>
+                  <a:lnTo>
+                    <a:pt x="193473" y="585742"/>
+                  </a:lnTo>
+                  <a:lnTo>
+                    <a:pt x="203147" y="522836"/>
+                  </a:lnTo>
+                  <a:lnTo>
+                    <a:pt x="212821" y="459931"/>
+                  </a:lnTo>
+                  <a:lnTo>
+                    <a:pt x="222494" y="397026"/>
+                  </a:lnTo>
+                  <a:lnTo>
+                    <a:pt x="232168" y="334121"/>
+                  </a:lnTo>
+                  <a:lnTo>
+                    <a:pt x="241842" y="271216"/>
+                  </a:lnTo>
+                  <a:lnTo>
+                    <a:pt x="251516" y="208310"/>
+                  </a:lnTo>
+                  <a:lnTo>
+                    <a:pt x="261189" y="145405"/>
+                  </a:lnTo>
+                  <a:lnTo>
+                    <a:pt x="270863" y="82500"/>
+                  </a:lnTo>
+                  <a:lnTo>
+                    <a:pt x="280537" y="19595"/>
+                  </a:lnTo>
+                  <a:lnTo>
+                    <a:pt x="214809" y="10693"/>
+                  </a:lnTo>
+                  <a:lnTo>
+                    <a:pt x="148804" y="4158"/>
+                  </a:lnTo>
+                  <a:lnTo>
+                    <a:pt x="82607" y="0"/>
+                  </a:lnTo>
+                  <a:lnTo>
+                    <a:pt x="79759" y="63580"/>
+                  </a:lnTo>
+                  <a:lnTo>
+                    <a:pt x="76910" y="127161"/>
+                  </a:lnTo>
+                  <a:lnTo>
+                    <a:pt x="74062" y="190742"/>
+                  </a:lnTo>
+                  <a:lnTo>
+                    <a:pt x="71213" y="254323"/>
+                  </a:lnTo>
+                  <a:lnTo>
+                    <a:pt x="68365" y="317904"/>
+                  </a:lnTo>
+                  <a:lnTo>
+                    <a:pt x="65516" y="381485"/>
+                  </a:lnTo>
+                  <a:lnTo>
+                    <a:pt x="62667" y="445066"/>
+                  </a:lnTo>
+                  <a:lnTo>
+                    <a:pt x="59819" y="508647"/>
+                  </a:lnTo>
+                  <a:lnTo>
+                    <a:pt x="56970" y="572228"/>
+                  </a:lnTo>
+                  <a:lnTo>
+                    <a:pt x="54122" y="635809"/>
+                  </a:lnTo>
+                  <a:lnTo>
+                    <a:pt x="51273" y="699390"/>
+                  </a:lnTo>
+                  <a:lnTo>
+                    <a:pt x="48425" y="762970"/>
+                  </a:lnTo>
+                  <a:lnTo>
+                    <a:pt x="45576" y="826551"/>
+                  </a:lnTo>
+                  <a:lnTo>
+                    <a:pt x="42728" y="890132"/>
+                  </a:lnTo>
+                  <a:lnTo>
+                    <a:pt x="39879" y="953713"/>
+                  </a:lnTo>
+                  <a:lnTo>
+                    <a:pt x="37031" y="1017294"/>
+                  </a:lnTo>
+                  <a:lnTo>
+                    <a:pt x="34182" y="1080875"/>
+                  </a:lnTo>
+                  <a:lnTo>
+                    <a:pt x="31333" y="1144456"/>
+                  </a:lnTo>
+                  <a:lnTo>
+                    <a:pt x="28485" y="1208037"/>
+                  </a:lnTo>
+                  <a:lnTo>
+                    <a:pt x="25636" y="1271618"/>
+                  </a:lnTo>
+                  <a:lnTo>
+                    <a:pt x="22788" y="1335199"/>
+                  </a:lnTo>
+                  <a:lnTo>
+                    <a:pt x="19939" y="1398780"/>
+                  </a:lnTo>
+                  <a:lnTo>
+                    <a:pt x="17091" y="1462360"/>
+                  </a:lnTo>
+                  <a:lnTo>
+                    <a:pt x="14242" y="1525941"/>
+                  </a:lnTo>
+                  <a:lnTo>
+                    <a:pt x="11394" y="1589522"/>
+                  </a:lnTo>
+                  <a:lnTo>
+                    <a:pt x="8545" y="1653103"/>
+                  </a:lnTo>
+                  <a:lnTo>
+                    <a:pt x="5697" y="1716684"/>
+                  </a:lnTo>
+                  <a:lnTo>
+                    <a:pt x="2848" y="1780265"/>
                   </a:lnTo>
                   <a:close/>
                 </a:path>
@@ -4518,201 +4972,201 @@
           </p:nvSpPr>
           <p:spPr>
             <a:xfrm>
-              <a:off x="4609108" y="2006893"/>
-              <a:ext cx="719044" cy="2054090"/>
+              <a:off x="4609108" y="1946056"/>
+              <a:ext cx="638587" cy="1824251"/>
             </a:xfrm>
             <a:custGeom>
               <a:avLst/>
               <a:pathLst>
-                <a:path w="719044" h="2054090">
+                <a:path w="638587" h="1824251">
                   <a:moveTo>
-                    <a:pt x="0" y="2054090"/>
+                    <a:pt x="0" y="1824251"/>
                   </a:moveTo>
                   <a:lnTo>
-                    <a:pt x="24794" y="1986853"/>
-                  </a:lnTo>
-                  <a:lnTo>
-                    <a:pt x="49589" y="1919615"/>
-                  </a:lnTo>
-                  <a:lnTo>
-                    <a:pt x="74383" y="1852378"/>
-                  </a:lnTo>
-                  <a:lnTo>
-                    <a:pt x="99178" y="1785141"/>
-                  </a:lnTo>
-                  <a:lnTo>
-                    <a:pt x="123973" y="1717903"/>
-                  </a:lnTo>
-                  <a:lnTo>
-                    <a:pt x="148767" y="1650666"/>
-                  </a:lnTo>
-                  <a:lnTo>
-                    <a:pt x="173562" y="1583428"/>
-                  </a:lnTo>
-                  <a:lnTo>
-                    <a:pt x="198357" y="1516191"/>
-                  </a:lnTo>
-                  <a:lnTo>
-                    <a:pt x="223151" y="1448954"/>
-                  </a:lnTo>
-                  <a:lnTo>
-                    <a:pt x="247946" y="1381716"/>
-                  </a:lnTo>
-                  <a:lnTo>
-                    <a:pt x="272740" y="1314479"/>
-                  </a:lnTo>
-                  <a:lnTo>
-                    <a:pt x="297535" y="1247242"/>
-                  </a:lnTo>
-                  <a:lnTo>
-                    <a:pt x="322330" y="1180004"/>
-                  </a:lnTo>
-                  <a:lnTo>
-                    <a:pt x="347124" y="1112767"/>
-                  </a:lnTo>
-                  <a:lnTo>
-                    <a:pt x="371919" y="1045530"/>
-                  </a:lnTo>
-                  <a:lnTo>
-                    <a:pt x="396714" y="978292"/>
-                  </a:lnTo>
-                  <a:lnTo>
-                    <a:pt x="421508" y="911055"/>
-                  </a:lnTo>
-                  <a:lnTo>
-                    <a:pt x="446303" y="843818"/>
-                  </a:lnTo>
-                  <a:lnTo>
-                    <a:pt x="471097" y="776580"/>
-                  </a:lnTo>
-                  <a:lnTo>
-                    <a:pt x="495892" y="709343"/>
-                  </a:lnTo>
-                  <a:lnTo>
-                    <a:pt x="520687" y="642106"/>
-                  </a:lnTo>
-                  <a:lnTo>
-                    <a:pt x="545481" y="574868"/>
-                  </a:lnTo>
-                  <a:lnTo>
-                    <a:pt x="570276" y="507631"/>
-                  </a:lnTo>
-                  <a:lnTo>
-                    <a:pt x="595071" y="440393"/>
-                  </a:lnTo>
-                  <a:lnTo>
-                    <a:pt x="619865" y="373156"/>
-                  </a:lnTo>
-                  <a:lnTo>
-                    <a:pt x="644660" y="305919"/>
-                  </a:lnTo>
-                  <a:lnTo>
-                    <a:pt x="669454" y="238681"/>
-                  </a:lnTo>
-                  <a:lnTo>
-                    <a:pt x="694249" y="171444"/>
-                  </a:lnTo>
-                  <a:lnTo>
-                    <a:pt x="719044" y="104207"/>
-                  </a:lnTo>
-                  <a:lnTo>
-                    <a:pt x="640216" y="76922"/>
-                  </a:lnTo>
-                  <a:lnTo>
-                    <a:pt x="560356" y="52823"/>
-                  </a:lnTo>
-                  <a:lnTo>
-                    <a:pt x="479593" y="31948"/>
-                  </a:lnTo>
-                  <a:lnTo>
-                    <a:pt x="398058" y="14331"/>
-                  </a:lnTo>
-                  <a:lnTo>
-                    <a:pt x="315882" y="0"/>
-                  </a:lnTo>
-                  <a:lnTo>
-                    <a:pt x="304989" y="70830"/>
-                  </a:lnTo>
-                  <a:lnTo>
-                    <a:pt x="294097" y="141661"/>
-                  </a:lnTo>
-                  <a:lnTo>
-                    <a:pt x="283204" y="212492"/>
-                  </a:lnTo>
-                  <a:lnTo>
-                    <a:pt x="272312" y="283322"/>
-                  </a:lnTo>
-                  <a:lnTo>
-                    <a:pt x="261419" y="354153"/>
-                  </a:lnTo>
-                  <a:lnTo>
-                    <a:pt x="250527" y="424984"/>
-                  </a:lnTo>
-                  <a:lnTo>
-                    <a:pt x="239634" y="495814"/>
-                  </a:lnTo>
-                  <a:lnTo>
-                    <a:pt x="228742" y="566645"/>
-                  </a:lnTo>
-                  <a:lnTo>
-                    <a:pt x="217849" y="637476"/>
-                  </a:lnTo>
-                  <a:lnTo>
-                    <a:pt x="206957" y="708307"/>
-                  </a:lnTo>
-                  <a:lnTo>
-                    <a:pt x="196064" y="779137"/>
-                  </a:lnTo>
-                  <a:lnTo>
-                    <a:pt x="185172" y="849968"/>
-                  </a:lnTo>
-                  <a:lnTo>
-                    <a:pt x="174279" y="920799"/>
-                  </a:lnTo>
-                  <a:lnTo>
-                    <a:pt x="163387" y="991629"/>
-                  </a:lnTo>
-                  <a:lnTo>
-                    <a:pt x="152494" y="1062460"/>
-                  </a:lnTo>
-                  <a:lnTo>
-                    <a:pt x="141602" y="1133291"/>
-                  </a:lnTo>
-                  <a:lnTo>
-                    <a:pt x="130709" y="1204121"/>
-                  </a:lnTo>
-                  <a:lnTo>
-                    <a:pt x="119817" y="1274952"/>
-                  </a:lnTo>
-                  <a:lnTo>
-                    <a:pt x="108924" y="1345783"/>
-                  </a:lnTo>
-                  <a:lnTo>
-                    <a:pt x="98032" y="1416614"/>
-                  </a:lnTo>
-                  <a:lnTo>
-                    <a:pt x="87139" y="1487444"/>
-                  </a:lnTo>
-                  <a:lnTo>
-                    <a:pt x="76247" y="1558275"/>
-                  </a:lnTo>
-                  <a:lnTo>
-                    <a:pt x="65354" y="1629106"/>
-                  </a:lnTo>
-                  <a:lnTo>
-                    <a:pt x="54462" y="1699936"/>
-                  </a:lnTo>
-                  <a:lnTo>
-                    <a:pt x="43569" y="1770767"/>
-                  </a:lnTo>
-                  <a:lnTo>
-                    <a:pt x="32677" y="1841598"/>
-                  </a:lnTo>
-                  <a:lnTo>
-                    <a:pt x="21784" y="1912429"/>
-                  </a:lnTo>
-                  <a:lnTo>
-                    <a:pt x="10892" y="1983259"/>
+                    <a:pt x="22020" y="1764537"/>
+                  </a:lnTo>
+                  <a:lnTo>
+                    <a:pt x="44040" y="1704823"/>
+                  </a:lnTo>
+                  <a:lnTo>
+                    <a:pt x="66060" y="1645109"/>
+                  </a:lnTo>
+                  <a:lnTo>
+                    <a:pt x="88081" y="1585395"/>
+                  </a:lnTo>
+                  <a:lnTo>
+                    <a:pt x="110101" y="1525681"/>
+                  </a:lnTo>
+                  <a:lnTo>
+                    <a:pt x="132121" y="1465967"/>
+                  </a:lnTo>
+                  <a:lnTo>
+                    <a:pt x="154141" y="1406253"/>
+                  </a:lnTo>
+                  <a:lnTo>
+                    <a:pt x="176162" y="1346539"/>
+                  </a:lnTo>
+                  <a:lnTo>
+                    <a:pt x="198182" y="1286825"/>
+                  </a:lnTo>
+                  <a:lnTo>
+                    <a:pt x="220202" y="1227111"/>
+                  </a:lnTo>
+                  <a:lnTo>
+                    <a:pt x="242223" y="1167397"/>
+                  </a:lnTo>
+                  <a:lnTo>
+                    <a:pt x="264243" y="1107684"/>
+                  </a:lnTo>
+                  <a:lnTo>
+                    <a:pt x="286263" y="1047970"/>
+                  </a:lnTo>
+                  <a:lnTo>
+                    <a:pt x="308283" y="988256"/>
+                  </a:lnTo>
+                  <a:lnTo>
+                    <a:pt x="330304" y="928542"/>
+                  </a:lnTo>
+                  <a:lnTo>
+                    <a:pt x="352324" y="868828"/>
+                  </a:lnTo>
+                  <a:lnTo>
+                    <a:pt x="374344" y="809114"/>
+                  </a:lnTo>
+                  <a:lnTo>
+                    <a:pt x="396364" y="749400"/>
+                  </a:lnTo>
+                  <a:lnTo>
+                    <a:pt x="418385" y="689686"/>
+                  </a:lnTo>
+                  <a:lnTo>
+                    <a:pt x="440405" y="629972"/>
+                  </a:lnTo>
+                  <a:lnTo>
+                    <a:pt x="462425" y="570258"/>
+                  </a:lnTo>
+                  <a:lnTo>
+                    <a:pt x="484446" y="510544"/>
+                  </a:lnTo>
+                  <a:lnTo>
+                    <a:pt x="506466" y="450830"/>
+                  </a:lnTo>
+                  <a:lnTo>
+                    <a:pt x="528486" y="391116"/>
+                  </a:lnTo>
+                  <a:lnTo>
+                    <a:pt x="550506" y="331402"/>
+                  </a:lnTo>
+                  <a:lnTo>
+                    <a:pt x="572527" y="271688"/>
+                  </a:lnTo>
+                  <a:lnTo>
+                    <a:pt x="594547" y="211974"/>
+                  </a:lnTo>
+                  <a:lnTo>
+                    <a:pt x="616567" y="152261"/>
+                  </a:lnTo>
+                  <a:lnTo>
+                    <a:pt x="638587" y="92547"/>
+                  </a:lnTo>
+                  <a:lnTo>
+                    <a:pt x="568580" y="68315"/>
+                  </a:lnTo>
+                  <a:lnTo>
+                    <a:pt x="497656" y="46912"/>
+                  </a:lnTo>
+                  <a:lnTo>
+                    <a:pt x="425930" y="28373"/>
+                  </a:lnTo>
+                  <a:lnTo>
+                    <a:pt x="353518" y="12727"/>
+                  </a:lnTo>
+                  <a:lnTo>
+                    <a:pt x="280537" y="0"/>
+                  </a:lnTo>
+                  <a:lnTo>
+                    <a:pt x="270863" y="62905"/>
+                  </a:lnTo>
+                  <a:lnTo>
+                    <a:pt x="261189" y="125810"/>
+                  </a:lnTo>
+                  <a:lnTo>
+                    <a:pt x="251516" y="188715"/>
+                  </a:lnTo>
+                  <a:lnTo>
+                    <a:pt x="241842" y="251620"/>
+                  </a:lnTo>
+                  <a:lnTo>
+                    <a:pt x="232168" y="314526"/>
+                  </a:lnTo>
+                  <a:lnTo>
+                    <a:pt x="222494" y="377431"/>
+                  </a:lnTo>
+                  <a:lnTo>
+                    <a:pt x="212821" y="440336"/>
+                  </a:lnTo>
+                  <a:lnTo>
+                    <a:pt x="203147" y="503241"/>
+                  </a:lnTo>
+                  <a:lnTo>
+                    <a:pt x="193473" y="566146"/>
+                  </a:lnTo>
+                  <a:lnTo>
+                    <a:pt x="183800" y="629052"/>
+                  </a:lnTo>
+                  <a:lnTo>
+                    <a:pt x="174126" y="691957"/>
+                  </a:lnTo>
+                  <a:lnTo>
+                    <a:pt x="164452" y="754862"/>
+                  </a:lnTo>
+                  <a:lnTo>
+                    <a:pt x="154779" y="817767"/>
+                  </a:lnTo>
+                  <a:lnTo>
+                    <a:pt x="145105" y="880673"/>
+                  </a:lnTo>
+                  <a:lnTo>
+                    <a:pt x="135431" y="943578"/>
+                  </a:lnTo>
+                  <a:lnTo>
+                    <a:pt x="125758" y="1006483"/>
+                  </a:lnTo>
+                  <a:lnTo>
+                    <a:pt x="116084" y="1069388"/>
+                  </a:lnTo>
+                  <a:lnTo>
+                    <a:pt x="106410" y="1132293"/>
+                  </a:lnTo>
+                  <a:lnTo>
+                    <a:pt x="96736" y="1195199"/>
+                  </a:lnTo>
+                  <a:lnTo>
+                    <a:pt x="87063" y="1258104"/>
+                  </a:lnTo>
+                  <a:lnTo>
+                    <a:pt x="77389" y="1321009"/>
+                  </a:lnTo>
+                  <a:lnTo>
+                    <a:pt x="67715" y="1383914"/>
+                  </a:lnTo>
+                  <a:lnTo>
+                    <a:pt x="58042" y="1446819"/>
+                  </a:lnTo>
+                  <a:lnTo>
+                    <a:pt x="48368" y="1509725"/>
+                  </a:lnTo>
+                  <a:lnTo>
+                    <a:pt x="38694" y="1572630"/>
+                  </a:lnTo>
+                  <a:lnTo>
+                    <a:pt x="29021" y="1635535"/>
+                  </a:lnTo>
+                  <a:lnTo>
+                    <a:pt x="19347" y="1698440"/>
+                  </a:lnTo>
+                  <a:lnTo>
+                    <a:pt x="9673" y="1761346"/>
                   </a:lnTo>
                   <a:close/>
                 </a:path>
@@ -4747,213 +5201,213 @@
           </p:nvSpPr>
           <p:spPr>
             <a:xfrm>
-              <a:off x="4609108" y="2111101"/>
-              <a:ext cx="1271271" cy="1949883"/>
+              <a:off x="4609108" y="2038603"/>
+              <a:ext cx="1129024" cy="1731704"/>
             </a:xfrm>
             <a:custGeom>
               <a:avLst/>
               <a:pathLst>
-                <a:path w="1271271" h="1949883">
+                <a:path w="1129024" h="1731704">
                   <a:moveTo>
-                    <a:pt x="0" y="1949883"/>
+                    <a:pt x="0" y="1731704"/>
                   </a:moveTo>
                   <a:lnTo>
-                    <a:pt x="43836" y="1893191"/>
-                  </a:lnTo>
-                  <a:lnTo>
-                    <a:pt x="87673" y="1836499"/>
-                  </a:lnTo>
-                  <a:lnTo>
-                    <a:pt x="131510" y="1779807"/>
-                  </a:lnTo>
-                  <a:lnTo>
-                    <a:pt x="175347" y="1723116"/>
-                  </a:lnTo>
-                  <a:lnTo>
-                    <a:pt x="219184" y="1666424"/>
-                  </a:lnTo>
-                  <a:lnTo>
-                    <a:pt x="263021" y="1609732"/>
-                  </a:lnTo>
-                  <a:lnTo>
-                    <a:pt x="306858" y="1553040"/>
-                  </a:lnTo>
-                  <a:lnTo>
-                    <a:pt x="350695" y="1496349"/>
-                  </a:lnTo>
-                  <a:lnTo>
-                    <a:pt x="394532" y="1439657"/>
-                  </a:lnTo>
-                  <a:lnTo>
-                    <a:pt x="438369" y="1382965"/>
-                  </a:lnTo>
-                  <a:lnTo>
-                    <a:pt x="482206" y="1326273"/>
-                  </a:lnTo>
-                  <a:lnTo>
-                    <a:pt x="526043" y="1269581"/>
-                  </a:lnTo>
-                  <a:lnTo>
-                    <a:pt x="569880" y="1212890"/>
-                  </a:lnTo>
-                  <a:lnTo>
-                    <a:pt x="613717" y="1156198"/>
-                  </a:lnTo>
-                  <a:lnTo>
-                    <a:pt x="657554" y="1099506"/>
-                  </a:lnTo>
-                  <a:lnTo>
-                    <a:pt x="701391" y="1042814"/>
-                  </a:lnTo>
-                  <a:lnTo>
-                    <a:pt x="745228" y="986123"/>
-                  </a:lnTo>
-                  <a:lnTo>
-                    <a:pt x="789065" y="929431"/>
-                  </a:lnTo>
-                  <a:lnTo>
-                    <a:pt x="832902" y="872739"/>
-                  </a:lnTo>
-                  <a:lnTo>
-                    <a:pt x="876738" y="816047"/>
-                  </a:lnTo>
-                  <a:lnTo>
-                    <a:pt x="920575" y="759356"/>
-                  </a:lnTo>
-                  <a:lnTo>
-                    <a:pt x="964412" y="702664"/>
-                  </a:lnTo>
-                  <a:lnTo>
-                    <a:pt x="1008249" y="645972"/>
-                  </a:lnTo>
-                  <a:lnTo>
-                    <a:pt x="1052086" y="589280"/>
-                  </a:lnTo>
-                  <a:lnTo>
-                    <a:pt x="1095923" y="532588"/>
-                  </a:lnTo>
-                  <a:lnTo>
-                    <a:pt x="1139760" y="475897"/>
-                  </a:lnTo>
-                  <a:lnTo>
-                    <a:pt x="1183597" y="419205"/>
-                  </a:lnTo>
-                  <a:lnTo>
-                    <a:pt x="1227434" y="362513"/>
-                  </a:lnTo>
-                  <a:lnTo>
-                    <a:pt x="1271271" y="305821"/>
-                  </a:lnTo>
-                  <a:lnTo>
-                    <a:pt x="1214850" y="263702"/>
-                  </a:lnTo>
-                  <a:lnTo>
-                    <a:pt x="1157035" y="223517"/>
-                  </a:lnTo>
-                  <a:lnTo>
-                    <a:pt x="1097892" y="185315"/>
-                  </a:lnTo>
-                  <a:lnTo>
-                    <a:pt x="1037489" y="149137"/>
-                  </a:lnTo>
-                  <a:lnTo>
-                    <a:pt x="975895" y="115027"/>
-                  </a:lnTo>
-                  <a:lnTo>
-                    <a:pt x="913181" y="83022"/>
-                  </a:lnTo>
-                  <a:lnTo>
-                    <a:pt x="849419" y="53160"/>
-                  </a:lnTo>
-                  <a:lnTo>
-                    <a:pt x="784682" y="25475"/>
-                  </a:lnTo>
-                  <a:lnTo>
-                    <a:pt x="719044" y="0"/>
-                  </a:lnTo>
-                  <a:lnTo>
-                    <a:pt x="694249" y="67237"/>
-                  </a:lnTo>
-                  <a:lnTo>
-                    <a:pt x="669454" y="134474"/>
-                  </a:lnTo>
-                  <a:lnTo>
-                    <a:pt x="644660" y="201712"/>
-                  </a:lnTo>
-                  <a:lnTo>
-                    <a:pt x="619865" y="268949"/>
-                  </a:lnTo>
-                  <a:lnTo>
-                    <a:pt x="595071" y="336186"/>
-                  </a:lnTo>
-                  <a:lnTo>
-                    <a:pt x="570276" y="403424"/>
-                  </a:lnTo>
-                  <a:lnTo>
-                    <a:pt x="545481" y="470661"/>
-                  </a:lnTo>
-                  <a:lnTo>
-                    <a:pt x="520687" y="537898"/>
-                  </a:lnTo>
-                  <a:lnTo>
-                    <a:pt x="495892" y="605136"/>
-                  </a:lnTo>
-                  <a:lnTo>
-                    <a:pt x="471097" y="672373"/>
-                  </a:lnTo>
-                  <a:lnTo>
-                    <a:pt x="446303" y="739610"/>
-                  </a:lnTo>
-                  <a:lnTo>
-                    <a:pt x="421508" y="806848"/>
-                  </a:lnTo>
-                  <a:lnTo>
-                    <a:pt x="396714" y="874085"/>
-                  </a:lnTo>
-                  <a:lnTo>
-                    <a:pt x="371919" y="941322"/>
-                  </a:lnTo>
-                  <a:lnTo>
-                    <a:pt x="347124" y="1008560"/>
-                  </a:lnTo>
-                  <a:lnTo>
-                    <a:pt x="322330" y="1075797"/>
-                  </a:lnTo>
-                  <a:lnTo>
-                    <a:pt x="297535" y="1143034"/>
-                  </a:lnTo>
-                  <a:lnTo>
-                    <a:pt x="272740" y="1210272"/>
-                  </a:lnTo>
-                  <a:lnTo>
-                    <a:pt x="247946" y="1277509"/>
-                  </a:lnTo>
-                  <a:lnTo>
-                    <a:pt x="223151" y="1344747"/>
-                  </a:lnTo>
-                  <a:lnTo>
-                    <a:pt x="198357" y="1411984"/>
-                  </a:lnTo>
-                  <a:lnTo>
-                    <a:pt x="173562" y="1479221"/>
-                  </a:lnTo>
-                  <a:lnTo>
-                    <a:pt x="148767" y="1546459"/>
-                  </a:lnTo>
-                  <a:lnTo>
-                    <a:pt x="123973" y="1613696"/>
-                  </a:lnTo>
-                  <a:lnTo>
-                    <a:pt x="99178" y="1680933"/>
-                  </a:lnTo>
-                  <a:lnTo>
-                    <a:pt x="74383" y="1748171"/>
-                  </a:lnTo>
-                  <a:lnTo>
-                    <a:pt x="49589" y="1815408"/>
-                  </a:lnTo>
-                  <a:lnTo>
-                    <a:pt x="24794" y="1882645"/>
+                    <a:pt x="38931" y="1681355"/>
+                  </a:lnTo>
+                  <a:lnTo>
+                    <a:pt x="77863" y="1631007"/>
+                  </a:lnTo>
+                  <a:lnTo>
+                    <a:pt x="116795" y="1580659"/>
+                  </a:lnTo>
+                  <a:lnTo>
+                    <a:pt x="155727" y="1530310"/>
+                  </a:lnTo>
+                  <a:lnTo>
+                    <a:pt x="194659" y="1479962"/>
+                  </a:lnTo>
+                  <a:lnTo>
+                    <a:pt x="233591" y="1429614"/>
+                  </a:lnTo>
+                  <a:lnTo>
+                    <a:pt x="272523" y="1379265"/>
+                  </a:lnTo>
+                  <a:lnTo>
+                    <a:pt x="311455" y="1328917"/>
+                  </a:lnTo>
+                  <a:lnTo>
+                    <a:pt x="350386" y="1278569"/>
+                  </a:lnTo>
+                  <a:lnTo>
+                    <a:pt x="389318" y="1228220"/>
+                  </a:lnTo>
+                  <a:lnTo>
+                    <a:pt x="428250" y="1177872"/>
+                  </a:lnTo>
+                  <a:lnTo>
+                    <a:pt x="467182" y="1127524"/>
+                  </a:lnTo>
+                  <a:lnTo>
+                    <a:pt x="506114" y="1077175"/>
+                  </a:lnTo>
+                  <a:lnTo>
+                    <a:pt x="545046" y="1026827"/>
+                  </a:lnTo>
+                  <a:lnTo>
+                    <a:pt x="583978" y="976479"/>
+                  </a:lnTo>
+                  <a:lnTo>
+                    <a:pt x="622910" y="926130"/>
+                  </a:lnTo>
+                  <a:lnTo>
+                    <a:pt x="661842" y="875782"/>
+                  </a:lnTo>
+                  <a:lnTo>
+                    <a:pt x="700773" y="825434"/>
+                  </a:lnTo>
+                  <a:lnTo>
+                    <a:pt x="739705" y="775085"/>
+                  </a:lnTo>
+                  <a:lnTo>
+                    <a:pt x="778637" y="724737"/>
+                  </a:lnTo>
+                  <a:lnTo>
+                    <a:pt x="817569" y="674389"/>
+                  </a:lnTo>
+                  <a:lnTo>
+                    <a:pt x="856501" y="624040"/>
+                  </a:lnTo>
+                  <a:lnTo>
+                    <a:pt x="895433" y="573692"/>
+                  </a:lnTo>
+                  <a:lnTo>
+                    <a:pt x="934365" y="523344"/>
+                  </a:lnTo>
+                  <a:lnTo>
+                    <a:pt x="973297" y="472995"/>
+                  </a:lnTo>
+                  <a:lnTo>
+                    <a:pt x="1012228" y="422647"/>
+                  </a:lnTo>
+                  <a:lnTo>
+                    <a:pt x="1051160" y="372299"/>
+                  </a:lnTo>
+                  <a:lnTo>
+                    <a:pt x="1090092" y="321950"/>
+                  </a:lnTo>
+                  <a:lnTo>
+                    <a:pt x="1129024" y="271602"/>
+                  </a:lnTo>
+                  <a:lnTo>
+                    <a:pt x="1078917" y="234195"/>
+                  </a:lnTo>
+                  <a:lnTo>
+                    <a:pt x="1027571" y="198507"/>
+                  </a:lnTo>
+                  <a:lnTo>
+                    <a:pt x="975045" y="164579"/>
+                  </a:lnTo>
+                  <a:lnTo>
+                    <a:pt x="921401" y="132450"/>
+                  </a:lnTo>
+                  <a:lnTo>
+                    <a:pt x="866699" y="102156"/>
+                  </a:lnTo>
+                  <a:lnTo>
+                    <a:pt x="811002" y="73732"/>
+                  </a:lnTo>
+                  <a:lnTo>
+                    <a:pt x="754374" y="47212"/>
+                  </a:lnTo>
+                  <a:lnTo>
+                    <a:pt x="696881" y="22625"/>
+                  </a:lnTo>
+                  <a:lnTo>
+                    <a:pt x="638587" y="0"/>
+                  </a:lnTo>
+                  <a:lnTo>
+                    <a:pt x="616567" y="59713"/>
+                  </a:lnTo>
+                  <a:lnTo>
+                    <a:pt x="594547" y="119427"/>
+                  </a:lnTo>
+                  <a:lnTo>
+                    <a:pt x="572527" y="179141"/>
+                  </a:lnTo>
+                  <a:lnTo>
+                    <a:pt x="550506" y="238855"/>
+                  </a:lnTo>
+                  <a:lnTo>
+                    <a:pt x="528486" y="298569"/>
+                  </a:lnTo>
+                  <a:lnTo>
+                    <a:pt x="506466" y="358283"/>
+                  </a:lnTo>
+                  <a:lnTo>
+                    <a:pt x="484446" y="417997"/>
+                  </a:lnTo>
+                  <a:lnTo>
+                    <a:pt x="462425" y="477711"/>
+                  </a:lnTo>
+                  <a:lnTo>
+                    <a:pt x="440405" y="537425"/>
+                  </a:lnTo>
+                  <a:lnTo>
+                    <a:pt x="418385" y="597139"/>
+                  </a:lnTo>
+                  <a:lnTo>
+                    <a:pt x="396364" y="656853"/>
+                  </a:lnTo>
+                  <a:lnTo>
+                    <a:pt x="374344" y="716567"/>
+                  </a:lnTo>
+                  <a:lnTo>
+                    <a:pt x="352324" y="776281"/>
+                  </a:lnTo>
+                  <a:lnTo>
+                    <a:pt x="330304" y="835995"/>
+                  </a:lnTo>
+                  <a:lnTo>
+                    <a:pt x="308283" y="895709"/>
+                  </a:lnTo>
+                  <a:lnTo>
+                    <a:pt x="286263" y="955422"/>
+                  </a:lnTo>
+                  <a:lnTo>
+                    <a:pt x="264243" y="1015136"/>
+                  </a:lnTo>
+                  <a:lnTo>
+                    <a:pt x="242223" y="1074850"/>
+                  </a:lnTo>
+                  <a:lnTo>
+                    <a:pt x="220202" y="1134564"/>
+                  </a:lnTo>
+                  <a:lnTo>
+                    <a:pt x="198182" y="1194278"/>
+                  </a:lnTo>
+                  <a:lnTo>
+                    <a:pt x="176162" y="1253992"/>
+                  </a:lnTo>
+                  <a:lnTo>
+                    <a:pt x="154141" y="1313706"/>
+                  </a:lnTo>
+                  <a:lnTo>
+                    <a:pt x="132121" y="1373420"/>
+                  </a:lnTo>
+                  <a:lnTo>
+                    <a:pt x="110101" y="1433134"/>
+                  </a:lnTo>
+                  <a:lnTo>
+                    <a:pt x="88081" y="1492848"/>
+                  </a:lnTo>
+                  <a:lnTo>
+                    <a:pt x="66060" y="1552562"/>
+                  </a:lnTo>
+                  <a:lnTo>
+                    <a:pt x="44040" y="1612276"/>
+                  </a:lnTo>
+                  <a:lnTo>
+                    <a:pt x="22020" y="1671990"/>
                   </a:lnTo>
                   <a:close/>
                 </a:path>
@@ -4988,216 +5442,216 @@
           </p:nvSpPr>
           <p:spPr>
             <a:xfrm>
-              <a:off x="4609108" y="2416922"/>
-              <a:ext cx="1771198" cy="1644061"/>
+              <a:off x="4609108" y="2310206"/>
+              <a:ext cx="1573013" cy="1460101"/>
             </a:xfrm>
             <a:custGeom>
               <a:avLst/>
               <a:pathLst>
-                <a:path w="1771198" h="1644061">
+                <a:path w="1573013" h="1460101">
                   <a:moveTo>
-                    <a:pt x="0" y="1644061"/>
+                    <a:pt x="0" y="1460101"/>
                   </a:moveTo>
                   <a:lnTo>
-                    <a:pt x="61075" y="1606573"/>
-                  </a:lnTo>
-                  <a:lnTo>
-                    <a:pt x="122151" y="1569084"/>
-                  </a:lnTo>
-                  <a:lnTo>
-                    <a:pt x="183227" y="1531596"/>
-                  </a:lnTo>
-                  <a:lnTo>
-                    <a:pt x="244303" y="1494107"/>
-                  </a:lnTo>
-                  <a:lnTo>
-                    <a:pt x="305379" y="1456619"/>
-                  </a:lnTo>
-                  <a:lnTo>
-                    <a:pt x="366454" y="1419131"/>
-                  </a:lnTo>
-                  <a:lnTo>
-                    <a:pt x="427530" y="1381642"/>
-                  </a:lnTo>
-                  <a:lnTo>
-                    <a:pt x="488606" y="1344154"/>
-                  </a:lnTo>
-                  <a:lnTo>
-                    <a:pt x="549682" y="1306665"/>
-                  </a:lnTo>
-                  <a:lnTo>
-                    <a:pt x="610758" y="1269177"/>
-                  </a:lnTo>
-                  <a:lnTo>
-                    <a:pt x="671834" y="1231689"/>
-                  </a:lnTo>
-                  <a:lnTo>
-                    <a:pt x="732909" y="1194200"/>
-                  </a:lnTo>
-                  <a:lnTo>
-                    <a:pt x="793985" y="1156712"/>
-                  </a:lnTo>
-                  <a:lnTo>
-                    <a:pt x="855061" y="1119224"/>
-                  </a:lnTo>
-                  <a:lnTo>
-                    <a:pt x="916137" y="1081735"/>
-                  </a:lnTo>
-                  <a:lnTo>
-                    <a:pt x="977213" y="1044247"/>
-                  </a:lnTo>
-                  <a:lnTo>
-                    <a:pt x="1038289" y="1006758"/>
-                  </a:lnTo>
-                  <a:lnTo>
-                    <a:pt x="1099364" y="969270"/>
-                  </a:lnTo>
-                  <a:lnTo>
-                    <a:pt x="1160440" y="931782"/>
-                  </a:lnTo>
-                  <a:lnTo>
-                    <a:pt x="1221516" y="894293"/>
-                  </a:lnTo>
-                  <a:lnTo>
-                    <a:pt x="1282592" y="856805"/>
-                  </a:lnTo>
-                  <a:lnTo>
-                    <a:pt x="1343668" y="819317"/>
-                  </a:lnTo>
-                  <a:lnTo>
-                    <a:pt x="1404744" y="781828"/>
-                  </a:lnTo>
-                  <a:lnTo>
-                    <a:pt x="1465819" y="744340"/>
-                  </a:lnTo>
-                  <a:lnTo>
-                    <a:pt x="1526895" y="706851"/>
-                  </a:lnTo>
-                  <a:lnTo>
-                    <a:pt x="1587971" y="669363"/>
-                  </a:lnTo>
-                  <a:lnTo>
-                    <a:pt x="1649047" y="631875"/>
-                  </a:lnTo>
-                  <a:lnTo>
-                    <a:pt x="1710123" y="594386"/>
-                  </a:lnTo>
-                  <a:lnTo>
-                    <a:pt x="1771198" y="556898"/>
-                  </a:lnTo>
-                  <a:lnTo>
-                    <a:pt x="1730683" y="493494"/>
-                  </a:lnTo>
-                  <a:lnTo>
-                    <a:pt x="1687898" y="431598"/>
-                  </a:lnTo>
-                  <a:lnTo>
-                    <a:pt x="1642901" y="371291"/>
-                  </a:lnTo>
-                  <a:lnTo>
-                    <a:pt x="1595751" y="312653"/>
-                  </a:lnTo>
-                  <a:lnTo>
-                    <a:pt x="1546509" y="255760"/>
-                  </a:lnTo>
-                  <a:lnTo>
-                    <a:pt x="1495239" y="200687"/>
-                  </a:lnTo>
-                  <a:lnTo>
-                    <a:pt x="1442010" y="147506"/>
-                  </a:lnTo>
-                  <a:lnTo>
-                    <a:pt x="1386890" y="96287"/>
-                  </a:lnTo>
-                  <a:lnTo>
-                    <a:pt x="1329952" y="47097"/>
-                  </a:lnTo>
-                  <a:lnTo>
-                    <a:pt x="1271271" y="0"/>
-                  </a:lnTo>
-                  <a:lnTo>
-                    <a:pt x="1227434" y="56691"/>
-                  </a:lnTo>
-                  <a:lnTo>
-                    <a:pt x="1183597" y="113383"/>
-                  </a:lnTo>
-                  <a:lnTo>
-                    <a:pt x="1139760" y="170075"/>
-                  </a:lnTo>
-                  <a:lnTo>
-                    <a:pt x="1095923" y="226767"/>
-                  </a:lnTo>
-                  <a:lnTo>
-                    <a:pt x="1052086" y="283458"/>
-                  </a:lnTo>
-                  <a:lnTo>
-                    <a:pt x="1008249" y="340150"/>
-                  </a:lnTo>
-                  <a:lnTo>
-                    <a:pt x="964412" y="396842"/>
-                  </a:lnTo>
-                  <a:lnTo>
-                    <a:pt x="920575" y="453534"/>
-                  </a:lnTo>
-                  <a:lnTo>
-                    <a:pt x="876738" y="510225"/>
-                  </a:lnTo>
-                  <a:lnTo>
-                    <a:pt x="832902" y="566917"/>
-                  </a:lnTo>
-                  <a:lnTo>
-                    <a:pt x="789065" y="623609"/>
-                  </a:lnTo>
-                  <a:lnTo>
-                    <a:pt x="745228" y="680301"/>
-                  </a:lnTo>
-                  <a:lnTo>
-                    <a:pt x="701391" y="736993"/>
-                  </a:lnTo>
-                  <a:lnTo>
-                    <a:pt x="657554" y="793684"/>
-                  </a:lnTo>
-                  <a:lnTo>
-                    <a:pt x="613717" y="850376"/>
-                  </a:lnTo>
-                  <a:lnTo>
-                    <a:pt x="569880" y="907068"/>
-                  </a:lnTo>
-                  <a:lnTo>
-                    <a:pt x="526043" y="963760"/>
-                  </a:lnTo>
-                  <a:lnTo>
-                    <a:pt x="482206" y="1020451"/>
-                  </a:lnTo>
-                  <a:lnTo>
-                    <a:pt x="438369" y="1077143"/>
-                  </a:lnTo>
-                  <a:lnTo>
-                    <a:pt x="394532" y="1133835"/>
-                  </a:lnTo>
-                  <a:lnTo>
-                    <a:pt x="350695" y="1190527"/>
-                  </a:lnTo>
-                  <a:lnTo>
-                    <a:pt x="306858" y="1247218"/>
-                  </a:lnTo>
-                  <a:lnTo>
-                    <a:pt x="263021" y="1303910"/>
-                  </a:lnTo>
-                  <a:lnTo>
-                    <a:pt x="219184" y="1360602"/>
-                  </a:lnTo>
-                  <a:lnTo>
-                    <a:pt x="175347" y="1417294"/>
-                  </a:lnTo>
-                  <a:lnTo>
-                    <a:pt x="131510" y="1473986"/>
-                  </a:lnTo>
-                  <a:lnTo>
-                    <a:pt x="87673" y="1530677"/>
-                  </a:lnTo>
-                  <a:lnTo>
-                    <a:pt x="43836" y="1587369"/>
+                    <a:pt x="54241" y="1426808"/>
+                  </a:lnTo>
+                  <a:lnTo>
+                    <a:pt x="108483" y="1393514"/>
+                  </a:lnTo>
+                  <a:lnTo>
+                    <a:pt x="162725" y="1360220"/>
+                  </a:lnTo>
+                  <a:lnTo>
+                    <a:pt x="216967" y="1326927"/>
+                  </a:lnTo>
+                  <a:lnTo>
+                    <a:pt x="271209" y="1293633"/>
+                  </a:lnTo>
+                  <a:lnTo>
+                    <a:pt x="325451" y="1260339"/>
+                  </a:lnTo>
+                  <a:lnTo>
+                    <a:pt x="379692" y="1227046"/>
+                  </a:lnTo>
+                  <a:lnTo>
+                    <a:pt x="433934" y="1193752"/>
+                  </a:lnTo>
+                  <a:lnTo>
+                    <a:pt x="488176" y="1160458"/>
+                  </a:lnTo>
+                  <a:lnTo>
+                    <a:pt x="542418" y="1127165"/>
+                  </a:lnTo>
+                  <a:lnTo>
+                    <a:pt x="596660" y="1093871"/>
+                  </a:lnTo>
+                  <a:lnTo>
+                    <a:pt x="650902" y="1060577"/>
+                  </a:lnTo>
+                  <a:lnTo>
+                    <a:pt x="705143" y="1027283"/>
+                  </a:lnTo>
+                  <a:lnTo>
+                    <a:pt x="759385" y="993990"/>
+                  </a:lnTo>
+                  <a:lnTo>
+                    <a:pt x="813627" y="960696"/>
+                  </a:lnTo>
+                  <a:lnTo>
+                    <a:pt x="867869" y="927402"/>
+                  </a:lnTo>
+                  <a:lnTo>
+                    <a:pt x="922111" y="894109"/>
+                  </a:lnTo>
+                  <a:lnTo>
+                    <a:pt x="976353" y="860815"/>
+                  </a:lnTo>
+                  <a:lnTo>
+                    <a:pt x="1030595" y="827521"/>
+                  </a:lnTo>
+                  <a:lnTo>
+                    <a:pt x="1084836" y="794228"/>
+                  </a:lnTo>
+                  <a:lnTo>
+                    <a:pt x="1139078" y="760934"/>
+                  </a:lnTo>
+                  <a:lnTo>
+                    <a:pt x="1193320" y="727640"/>
+                  </a:lnTo>
+                  <a:lnTo>
+                    <a:pt x="1247562" y="694347"/>
+                  </a:lnTo>
+                  <a:lnTo>
+                    <a:pt x="1301804" y="661053"/>
+                  </a:lnTo>
+                  <a:lnTo>
+                    <a:pt x="1356046" y="627759"/>
+                  </a:lnTo>
+                  <a:lnTo>
+                    <a:pt x="1410287" y="594466"/>
+                  </a:lnTo>
+                  <a:lnTo>
+                    <a:pt x="1464529" y="561172"/>
+                  </a:lnTo>
+                  <a:lnTo>
+                    <a:pt x="1518771" y="527878"/>
+                  </a:lnTo>
+                  <a:lnTo>
+                    <a:pt x="1573013" y="494585"/>
+                  </a:lnTo>
+                  <a:lnTo>
+                    <a:pt x="1537031" y="438275"/>
+                  </a:lnTo>
+                  <a:lnTo>
+                    <a:pt x="1499034" y="383305"/>
+                  </a:lnTo>
+                  <a:lnTo>
+                    <a:pt x="1459072" y="329746"/>
+                  </a:lnTo>
+                  <a:lnTo>
+                    <a:pt x="1417197" y="277669"/>
+                  </a:lnTo>
+                  <a:lnTo>
+                    <a:pt x="1373465" y="227142"/>
+                  </a:lnTo>
+                  <a:lnTo>
+                    <a:pt x="1327932" y="178232"/>
+                  </a:lnTo>
+                  <a:lnTo>
+                    <a:pt x="1280658" y="131001"/>
+                  </a:lnTo>
+                  <a:lnTo>
+                    <a:pt x="1231706" y="85513"/>
+                  </a:lnTo>
+                  <a:lnTo>
+                    <a:pt x="1181139" y="41827"/>
+                  </a:lnTo>
+                  <a:lnTo>
+                    <a:pt x="1129024" y="0"/>
+                  </a:lnTo>
+                  <a:lnTo>
+                    <a:pt x="1090092" y="50348"/>
+                  </a:lnTo>
+                  <a:lnTo>
+                    <a:pt x="1051160" y="100696"/>
+                  </a:lnTo>
+                  <a:lnTo>
+                    <a:pt x="1012228" y="151045"/>
+                  </a:lnTo>
+                  <a:lnTo>
+                    <a:pt x="973297" y="201393"/>
+                  </a:lnTo>
+                  <a:lnTo>
+                    <a:pt x="934365" y="251741"/>
+                  </a:lnTo>
+                  <a:lnTo>
+                    <a:pt x="895433" y="302090"/>
+                  </a:lnTo>
+                  <a:lnTo>
+                    <a:pt x="856501" y="352438"/>
+                  </a:lnTo>
+                  <a:lnTo>
+                    <a:pt x="817569" y="402786"/>
+                  </a:lnTo>
+                  <a:lnTo>
+                    <a:pt x="778637" y="453135"/>
+                  </a:lnTo>
+                  <a:lnTo>
+                    <a:pt x="739705" y="503483"/>
+                  </a:lnTo>
+                  <a:lnTo>
+                    <a:pt x="700773" y="553831"/>
+                  </a:lnTo>
+                  <a:lnTo>
+                    <a:pt x="661842" y="604180"/>
+                  </a:lnTo>
+                  <a:lnTo>
+                    <a:pt x="622910" y="654528"/>
+                  </a:lnTo>
+                  <a:lnTo>
+                    <a:pt x="583978" y="704876"/>
+                  </a:lnTo>
+                  <a:lnTo>
+                    <a:pt x="545046" y="755225"/>
+                  </a:lnTo>
+                  <a:lnTo>
+                    <a:pt x="506114" y="805573"/>
+                  </a:lnTo>
+                  <a:lnTo>
+                    <a:pt x="467182" y="855921"/>
+                  </a:lnTo>
+                  <a:lnTo>
+                    <a:pt x="428250" y="906270"/>
+                  </a:lnTo>
+                  <a:lnTo>
+                    <a:pt x="389318" y="956618"/>
+                  </a:lnTo>
+                  <a:lnTo>
+                    <a:pt x="350386" y="1006966"/>
+                  </a:lnTo>
+                  <a:lnTo>
+                    <a:pt x="311455" y="1057315"/>
+                  </a:lnTo>
+                  <a:lnTo>
+                    <a:pt x="272523" y="1107663"/>
+                  </a:lnTo>
+                  <a:lnTo>
+                    <a:pt x="233591" y="1158011"/>
+                  </a:lnTo>
+                  <a:lnTo>
+                    <a:pt x="194659" y="1208360"/>
+                  </a:lnTo>
+                  <a:lnTo>
+                    <a:pt x="155727" y="1258708"/>
+                  </a:lnTo>
+                  <a:lnTo>
+                    <a:pt x="116795" y="1309056"/>
+                  </a:lnTo>
+                  <a:lnTo>
+                    <a:pt x="77863" y="1359405"/>
+                  </a:lnTo>
+                  <a:lnTo>
+                    <a:pt x="38931" y="1409753"/>
                   </a:lnTo>
                   <a:close/>
                 </a:path>
@@ -5232,216 +5686,216 @@
           </p:nvSpPr>
           <p:spPr>
             <a:xfrm>
-              <a:off x="4609108" y="2973821"/>
-              <a:ext cx="2038266" cy="1087162"/>
+              <a:off x="4609108" y="2804791"/>
+              <a:ext cx="1810197" cy="965516"/>
             </a:xfrm>
             <a:custGeom>
               <a:avLst/>
               <a:pathLst>
-                <a:path w="2038266" h="1087162">
+                <a:path w="1810197" h="965516">
                   <a:moveTo>
-                    <a:pt x="0" y="1087162"/>
+                    <a:pt x="0" y="965516"/>
                   </a:moveTo>
                   <a:lnTo>
-                    <a:pt x="70285" y="1073175"/>
-                  </a:lnTo>
-                  <a:lnTo>
-                    <a:pt x="140570" y="1059188"/>
-                  </a:lnTo>
-                  <a:lnTo>
-                    <a:pt x="210855" y="1045200"/>
-                  </a:lnTo>
-                  <a:lnTo>
-                    <a:pt x="281140" y="1031213"/>
-                  </a:lnTo>
-                  <a:lnTo>
-                    <a:pt x="351425" y="1017225"/>
-                  </a:lnTo>
-                  <a:lnTo>
-                    <a:pt x="421710" y="1003238"/>
-                  </a:lnTo>
-                  <a:lnTo>
-                    <a:pt x="491995" y="989250"/>
-                  </a:lnTo>
-                  <a:lnTo>
-                    <a:pt x="562280" y="975263"/>
-                  </a:lnTo>
-                  <a:lnTo>
-                    <a:pt x="632565" y="961275"/>
-                  </a:lnTo>
-                  <a:lnTo>
-                    <a:pt x="702850" y="947288"/>
-                  </a:lnTo>
-                  <a:lnTo>
-                    <a:pt x="773135" y="933300"/>
-                  </a:lnTo>
-                  <a:lnTo>
-                    <a:pt x="843420" y="919313"/>
-                  </a:lnTo>
-                  <a:lnTo>
-                    <a:pt x="913705" y="905325"/>
-                  </a:lnTo>
-                  <a:lnTo>
-                    <a:pt x="983990" y="891338"/>
-                  </a:lnTo>
-                  <a:lnTo>
-                    <a:pt x="1054275" y="877351"/>
-                  </a:lnTo>
-                  <a:lnTo>
-                    <a:pt x="1124560" y="863363"/>
-                  </a:lnTo>
-                  <a:lnTo>
-                    <a:pt x="1194845" y="849376"/>
-                  </a:lnTo>
-                  <a:lnTo>
-                    <a:pt x="1265130" y="835388"/>
-                  </a:lnTo>
-                  <a:lnTo>
-                    <a:pt x="1335415" y="821401"/>
-                  </a:lnTo>
-                  <a:lnTo>
-                    <a:pt x="1405700" y="807413"/>
-                  </a:lnTo>
-                  <a:lnTo>
-                    <a:pt x="1475985" y="793426"/>
-                  </a:lnTo>
-                  <a:lnTo>
-                    <a:pt x="1546270" y="779438"/>
-                  </a:lnTo>
-                  <a:lnTo>
-                    <a:pt x="1616555" y="765451"/>
-                  </a:lnTo>
-                  <a:lnTo>
-                    <a:pt x="1686840" y="751463"/>
-                  </a:lnTo>
-                  <a:lnTo>
-                    <a:pt x="1757125" y="737476"/>
-                  </a:lnTo>
-                  <a:lnTo>
-                    <a:pt x="1827410" y="723488"/>
-                  </a:lnTo>
-                  <a:lnTo>
-                    <a:pt x="1897695" y="709501"/>
-                  </a:lnTo>
-                  <a:lnTo>
-                    <a:pt x="1967980" y="695514"/>
-                  </a:lnTo>
-                  <a:lnTo>
-                    <a:pt x="2038266" y="681526"/>
-                  </a:lnTo>
-                  <a:lnTo>
-                    <a:pt x="2022629" y="609628"/>
-                  </a:lnTo>
-                  <a:lnTo>
-                    <a:pt x="2004457" y="538329"/>
-                  </a:lnTo>
-                  <a:lnTo>
-                    <a:pt x="1983773" y="467718"/>
-                  </a:lnTo>
-                  <a:lnTo>
-                    <a:pt x="1960602" y="397883"/>
-                  </a:lnTo>
-                  <a:lnTo>
-                    <a:pt x="1934974" y="328912"/>
-                  </a:lnTo>
-                  <a:lnTo>
-                    <a:pt x="1906920" y="260892"/>
-                  </a:lnTo>
-                  <a:lnTo>
-                    <a:pt x="1876476" y="193907"/>
-                  </a:lnTo>
-                  <a:lnTo>
-                    <a:pt x="1843680" y="128042"/>
-                  </a:lnTo>
-                  <a:lnTo>
-                    <a:pt x="1808573" y="63379"/>
-                  </a:lnTo>
-                  <a:lnTo>
-                    <a:pt x="1771198" y="0"/>
-                  </a:lnTo>
-                  <a:lnTo>
-                    <a:pt x="1710123" y="37488"/>
-                  </a:lnTo>
-                  <a:lnTo>
-                    <a:pt x="1649047" y="74976"/>
-                  </a:lnTo>
-                  <a:lnTo>
-                    <a:pt x="1587971" y="112465"/>
-                  </a:lnTo>
-                  <a:lnTo>
-                    <a:pt x="1526895" y="149953"/>
-                  </a:lnTo>
-                  <a:lnTo>
-                    <a:pt x="1465819" y="187441"/>
-                  </a:lnTo>
-                  <a:lnTo>
-                    <a:pt x="1404744" y="224930"/>
-                  </a:lnTo>
-                  <a:lnTo>
-                    <a:pt x="1343668" y="262418"/>
-                  </a:lnTo>
-                  <a:lnTo>
-                    <a:pt x="1282592" y="299907"/>
-                  </a:lnTo>
-                  <a:lnTo>
-                    <a:pt x="1221516" y="337395"/>
-                  </a:lnTo>
-                  <a:lnTo>
-                    <a:pt x="1160440" y="374883"/>
-                  </a:lnTo>
-                  <a:lnTo>
-                    <a:pt x="1099364" y="412372"/>
-                  </a:lnTo>
-                  <a:lnTo>
-                    <a:pt x="1038289" y="449860"/>
-                  </a:lnTo>
-                  <a:lnTo>
-                    <a:pt x="977213" y="487348"/>
-                  </a:lnTo>
-                  <a:lnTo>
-                    <a:pt x="916137" y="524837"/>
-                  </a:lnTo>
-                  <a:lnTo>
-                    <a:pt x="855061" y="562325"/>
-                  </a:lnTo>
-                  <a:lnTo>
-                    <a:pt x="793985" y="599814"/>
-                  </a:lnTo>
-                  <a:lnTo>
-                    <a:pt x="732909" y="637302"/>
-                  </a:lnTo>
-                  <a:lnTo>
-                    <a:pt x="671834" y="674790"/>
-                  </a:lnTo>
-                  <a:lnTo>
-                    <a:pt x="610758" y="712279"/>
-                  </a:lnTo>
-                  <a:lnTo>
-                    <a:pt x="549682" y="749767"/>
-                  </a:lnTo>
-                  <a:lnTo>
-                    <a:pt x="488606" y="787255"/>
-                  </a:lnTo>
-                  <a:lnTo>
-                    <a:pt x="427530" y="824744"/>
-                  </a:lnTo>
-                  <a:lnTo>
-                    <a:pt x="366454" y="862232"/>
-                  </a:lnTo>
-                  <a:lnTo>
-                    <a:pt x="305379" y="899721"/>
-                  </a:lnTo>
-                  <a:lnTo>
-                    <a:pt x="244303" y="937209"/>
-                  </a:lnTo>
-                  <a:lnTo>
-                    <a:pt x="183227" y="974697"/>
-                  </a:lnTo>
-                  <a:lnTo>
-                    <a:pt x="122151" y="1012186"/>
-                  </a:lnTo>
-                  <a:lnTo>
-                    <a:pt x="61075" y="1049674"/>
+                    <a:pt x="62420" y="953094"/>
+                  </a:lnTo>
+                  <a:lnTo>
+                    <a:pt x="124841" y="940671"/>
+                  </a:lnTo>
+                  <a:lnTo>
+                    <a:pt x="187261" y="928249"/>
+                  </a:lnTo>
+                  <a:lnTo>
+                    <a:pt x="249682" y="915827"/>
+                  </a:lnTo>
+                  <a:lnTo>
+                    <a:pt x="312103" y="903404"/>
+                  </a:lnTo>
+                  <a:lnTo>
+                    <a:pt x="374523" y="890982"/>
+                  </a:lnTo>
+                  <a:lnTo>
+                    <a:pt x="436944" y="878560"/>
+                  </a:lnTo>
+                  <a:lnTo>
+                    <a:pt x="499364" y="866137"/>
+                  </a:lnTo>
+                  <a:lnTo>
+                    <a:pt x="561785" y="853715"/>
+                  </a:lnTo>
+                  <a:lnTo>
+                    <a:pt x="624206" y="841293"/>
+                  </a:lnTo>
+                  <a:lnTo>
+                    <a:pt x="686626" y="828870"/>
+                  </a:lnTo>
+                  <a:lnTo>
+                    <a:pt x="749047" y="816448"/>
+                  </a:lnTo>
+                  <a:lnTo>
+                    <a:pt x="811467" y="804025"/>
+                  </a:lnTo>
+                  <a:lnTo>
+                    <a:pt x="873888" y="791603"/>
+                  </a:lnTo>
+                  <a:lnTo>
+                    <a:pt x="936309" y="779181"/>
+                  </a:lnTo>
+                  <a:lnTo>
+                    <a:pt x="998729" y="766758"/>
+                  </a:lnTo>
+                  <a:lnTo>
+                    <a:pt x="1061150" y="754336"/>
+                  </a:lnTo>
+                  <a:lnTo>
+                    <a:pt x="1123570" y="741914"/>
+                  </a:lnTo>
+                  <a:lnTo>
+                    <a:pt x="1185991" y="729491"/>
+                  </a:lnTo>
+                  <a:lnTo>
+                    <a:pt x="1248412" y="717069"/>
+                  </a:lnTo>
+                  <a:lnTo>
+                    <a:pt x="1310832" y="704647"/>
+                  </a:lnTo>
+                  <a:lnTo>
+                    <a:pt x="1373253" y="692224"/>
+                  </a:lnTo>
+                  <a:lnTo>
+                    <a:pt x="1435673" y="679802"/>
+                  </a:lnTo>
+                  <a:lnTo>
+                    <a:pt x="1498094" y="667380"/>
+                  </a:lnTo>
+                  <a:lnTo>
+                    <a:pt x="1560515" y="654957"/>
+                  </a:lnTo>
+                  <a:lnTo>
+                    <a:pt x="1622935" y="642535"/>
+                  </a:lnTo>
+                  <a:lnTo>
+                    <a:pt x="1685356" y="630112"/>
+                  </a:lnTo>
+                  <a:lnTo>
+                    <a:pt x="1747776" y="617690"/>
+                  </a:lnTo>
+                  <a:lnTo>
+                    <a:pt x="1810197" y="605268"/>
+                  </a:lnTo>
+                  <a:lnTo>
+                    <a:pt x="1796310" y="541415"/>
+                  </a:lnTo>
+                  <a:lnTo>
+                    <a:pt x="1780172" y="478094"/>
+                  </a:lnTo>
+                  <a:lnTo>
+                    <a:pt x="1761802" y="415383"/>
+                  </a:lnTo>
+                  <a:lnTo>
+                    <a:pt x="1741224" y="353362"/>
+                  </a:lnTo>
+                  <a:lnTo>
+                    <a:pt x="1718463" y="292109"/>
+                  </a:lnTo>
+                  <a:lnTo>
+                    <a:pt x="1693548" y="231700"/>
+                  </a:lnTo>
+                  <a:lnTo>
+                    <a:pt x="1666511" y="172210"/>
+                  </a:lnTo>
+                  <a:lnTo>
+                    <a:pt x="1637384" y="113715"/>
+                  </a:lnTo>
+                  <a:lnTo>
+                    <a:pt x="1606205" y="56287"/>
+                  </a:lnTo>
+                  <a:lnTo>
+                    <a:pt x="1573013" y="0"/>
+                  </a:lnTo>
+                  <a:lnTo>
+                    <a:pt x="1518771" y="33293"/>
+                  </a:lnTo>
+                  <a:lnTo>
+                    <a:pt x="1464529" y="66587"/>
+                  </a:lnTo>
+                  <a:lnTo>
+                    <a:pt x="1410287" y="99881"/>
+                  </a:lnTo>
+                  <a:lnTo>
+                    <a:pt x="1356046" y="133174"/>
+                  </a:lnTo>
+                  <a:lnTo>
+                    <a:pt x="1301804" y="166468"/>
+                  </a:lnTo>
+                  <a:lnTo>
+                    <a:pt x="1247562" y="199762"/>
+                  </a:lnTo>
+                  <a:lnTo>
+                    <a:pt x="1193320" y="233055"/>
+                  </a:lnTo>
+                  <a:lnTo>
+                    <a:pt x="1139078" y="266349"/>
+                  </a:lnTo>
+                  <a:lnTo>
+                    <a:pt x="1084836" y="299643"/>
+                  </a:lnTo>
+                  <a:lnTo>
+                    <a:pt x="1030595" y="332936"/>
+                  </a:lnTo>
+                  <a:lnTo>
+                    <a:pt x="976353" y="366230"/>
+                  </a:lnTo>
+                  <a:lnTo>
+                    <a:pt x="922111" y="399524"/>
+                  </a:lnTo>
+                  <a:lnTo>
+                    <a:pt x="867869" y="432817"/>
+                  </a:lnTo>
+                  <a:lnTo>
+                    <a:pt x="813627" y="466111"/>
+                  </a:lnTo>
+                  <a:lnTo>
+                    <a:pt x="759385" y="499405"/>
+                  </a:lnTo>
+                  <a:lnTo>
+                    <a:pt x="705143" y="532698"/>
+                  </a:lnTo>
+                  <a:lnTo>
+                    <a:pt x="650902" y="565992"/>
+                  </a:lnTo>
+                  <a:lnTo>
+                    <a:pt x="596660" y="599286"/>
+                  </a:lnTo>
+                  <a:lnTo>
+                    <a:pt x="542418" y="632579"/>
+                  </a:lnTo>
+                  <a:lnTo>
+                    <a:pt x="488176" y="665873"/>
+                  </a:lnTo>
+                  <a:lnTo>
+                    <a:pt x="433934" y="699167"/>
+                  </a:lnTo>
+                  <a:lnTo>
+                    <a:pt x="379692" y="732460"/>
+                  </a:lnTo>
+                  <a:lnTo>
+                    <a:pt x="325451" y="765754"/>
+                  </a:lnTo>
+                  <a:lnTo>
+                    <a:pt x="271209" y="799048"/>
+                  </a:lnTo>
+                  <a:lnTo>
+                    <a:pt x="216967" y="832341"/>
+                  </a:lnTo>
+                  <a:lnTo>
+                    <a:pt x="162725" y="865635"/>
+                  </a:lnTo>
+                  <a:lnTo>
+                    <a:pt x="108483" y="898929"/>
+                  </a:lnTo>
+                  <a:lnTo>
+                    <a:pt x="54241" y="932222"/>
                   </a:lnTo>
                   <a:close/>
                 </a:path>
@@ -5476,225 +5930,225 @@
           </p:nvSpPr>
           <p:spPr>
             <a:xfrm>
-              <a:off x="4609108" y="3655347"/>
-              <a:ext cx="2078110" cy="925951"/>
+              <a:off x="4609108" y="3410059"/>
+              <a:ext cx="1845584" cy="822343"/>
             </a:xfrm>
             <a:custGeom>
               <a:avLst/>
               <a:pathLst>
-                <a:path w="2078110" h="925951">
+                <a:path w="1845584" h="822343">
                   <a:moveTo>
-                    <a:pt x="0" y="405636"/>
+                    <a:pt x="0" y="360248"/>
                   </a:moveTo>
                   <a:lnTo>
-                    <a:pt x="69381" y="423578"/>
-                  </a:lnTo>
-                  <a:lnTo>
-                    <a:pt x="138762" y="441520"/>
-                  </a:lnTo>
-                  <a:lnTo>
-                    <a:pt x="208143" y="459462"/>
-                  </a:lnTo>
-                  <a:lnTo>
-                    <a:pt x="277524" y="477404"/>
-                  </a:lnTo>
-                  <a:lnTo>
-                    <a:pt x="346905" y="495345"/>
-                  </a:lnTo>
-                  <a:lnTo>
-                    <a:pt x="416286" y="513287"/>
-                  </a:lnTo>
-                  <a:lnTo>
-                    <a:pt x="485667" y="531229"/>
-                  </a:lnTo>
-                  <a:lnTo>
-                    <a:pt x="555048" y="549171"/>
-                  </a:lnTo>
-                  <a:lnTo>
-                    <a:pt x="624429" y="567113"/>
-                  </a:lnTo>
-                  <a:lnTo>
-                    <a:pt x="693810" y="585055"/>
-                  </a:lnTo>
-                  <a:lnTo>
-                    <a:pt x="763191" y="602997"/>
-                  </a:lnTo>
-                  <a:lnTo>
-                    <a:pt x="832572" y="620939"/>
-                  </a:lnTo>
-                  <a:lnTo>
-                    <a:pt x="901953" y="638881"/>
-                  </a:lnTo>
-                  <a:lnTo>
-                    <a:pt x="971334" y="656823"/>
-                  </a:lnTo>
-                  <a:lnTo>
-                    <a:pt x="1040715" y="674764"/>
-                  </a:lnTo>
-                  <a:lnTo>
-                    <a:pt x="1110096" y="692706"/>
-                  </a:lnTo>
-                  <a:lnTo>
-                    <a:pt x="1179477" y="710648"/>
-                  </a:lnTo>
-                  <a:lnTo>
-                    <a:pt x="1248858" y="728590"/>
-                  </a:lnTo>
-                  <a:lnTo>
-                    <a:pt x="1318239" y="746532"/>
-                  </a:lnTo>
-                  <a:lnTo>
-                    <a:pt x="1387620" y="764474"/>
-                  </a:lnTo>
-                  <a:lnTo>
-                    <a:pt x="1457001" y="782416"/>
-                  </a:lnTo>
-                  <a:lnTo>
-                    <a:pt x="1526382" y="800358"/>
-                  </a:lnTo>
-                  <a:lnTo>
-                    <a:pt x="1595763" y="818300"/>
-                  </a:lnTo>
-                  <a:lnTo>
-                    <a:pt x="1665144" y="836242"/>
-                  </a:lnTo>
-                  <a:lnTo>
-                    <a:pt x="1734525" y="854183"/>
-                  </a:lnTo>
-                  <a:lnTo>
-                    <a:pt x="1803906" y="872125"/>
-                  </a:lnTo>
-                  <a:lnTo>
-                    <a:pt x="1873287" y="890067"/>
-                  </a:lnTo>
-                  <a:lnTo>
-                    <a:pt x="1942668" y="908009"/>
-                  </a:lnTo>
-                  <a:lnTo>
-                    <a:pt x="2012049" y="925951"/>
-                  </a:lnTo>
-                  <a:lnTo>
-                    <a:pt x="2028833" y="856083"/>
-                  </a:lnTo>
-                  <a:lnTo>
-                    <a:pt x="2043193" y="785677"/>
-                  </a:lnTo>
-                  <a:lnTo>
-                    <a:pt x="2055109" y="714817"/>
-                  </a:lnTo>
-                  <a:lnTo>
-                    <a:pt x="2064569" y="643587"/>
-                  </a:lnTo>
-                  <a:lnTo>
-                    <a:pt x="2071561" y="572073"/>
-                  </a:lnTo>
-                  <a:lnTo>
-                    <a:pt x="2076077" y="500359"/>
-                  </a:lnTo>
-                  <a:lnTo>
-                    <a:pt x="2078110" y="428532"/>
-                  </a:lnTo>
-                  <a:lnTo>
-                    <a:pt x="2077660" y="356678"/>
-                  </a:lnTo>
-                  <a:lnTo>
-                    <a:pt x="2074725" y="284883"/>
-                  </a:lnTo>
-                  <a:lnTo>
-                    <a:pt x="2069311" y="213232"/>
-                  </a:lnTo>
-                  <a:lnTo>
-                    <a:pt x="2061423" y="141811"/>
-                  </a:lnTo>
-                  <a:lnTo>
-                    <a:pt x="2051070" y="70705"/>
-                  </a:lnTo>
-                  <a:lnTo>
-                    <a:pt x="2038266" y="0"/>
-                  </a:lnTo>
-                  <a:lnTo>
-                    <a:pt x="1967980" y="13987"/>
-                  </a:lnTo>
-                  <a:lnTo>
-                    <a:pt x="1897695" y="27974"/>
-                  </a:lnTo>
-                  <a:lnTo>
-                    <a:pt x="1827410" y="41962"/>
-                  </a:lnTo>
-                  <a:lnTo>
-                    <a:pt x="1757125" y="55949"/>
-                  </a:lnTo>
-                  <a:lnTo>
-                    <a:pt x="1686840" y="69937"/>
-                  </a:lnTo>
-                  <a:lnTo>
-                    <a:pt x="1616555" y="83924"/>
-                  </a:lnTo>
-                  <a:lnTo>
-                    <a:pt x="1546270" y="97912"/>
-                  </a:lnTo>
-                  <a:lnTo>
-                    <a:pt x="1475985" y="111899"/>
-                  </a:lnTo>
-                  <a:lnTo>
-                    <a:pt x="1405700" y="125887"/>
-                  </a:lnTo>
-                  <a:lnTo>
-                    <a:pt x="1335415" y="139874"/>
-                  </a:lnTo>
-                  <a:lnTo>
-                    <a:pt x="1265130" y="153862"/>
-                  </a:lnTo>
-                  <a:lnTo>
-                    <a:pt x="1194845" y="167849"/>
-                  </a:lnTo>
-                  <a:lnTo>
-                    <a:pt x="1124560" y="181837"/>
-                  </a:lnTo>
-                  <a:lnTo>
-                    <a:pt x="1054275" y="195824"/>
-                  </a:lnTo>
-                  <a:lnTo>
-                    <a:pt x="983990" y="209811"/>
-                  </a:lnTo>
-                  <a:lnTo>
-                    <a:pt x="913705" y="223799"/>
-                  </a:lnTo>
-                  <a:lnTo>
-                    <a:pt x="843420" y="237786"/>
-                  </a:lnTo>
-                  <a:lnTo>
-                    <a:pt x="773135" y="251774"/>
-                  </a:lnTo>
-                  <a:lnTo>
-                    <a:pt x="702850" y="265761"/>
-                  </a:lnTo>
-                  <a:lnTo>
-                    <a:pt x="632565" y="279749"/>
-                  </a:lnTo>
-                  <a:lnTo>
-                    <a:pt x="562280" y="293736"/>
-                  </a:lnTo>
-                  <a:lnTo>
-                    <a:pt x="491995" y="307724"/>
-                  </a:lnTo>
-                  <a:lnTo>
-                    <a:pt x="421710" y="321711"/>
-                  </a:lnTo>
-                  <a:lnTo>
-                    <a:pt x="351425" y="335699"/>
-                  </a:lnTo>
-                  <a:lnTo>
-                    <a:pt x="281140" y="349686"/>
-                  </a:lnTo>
-                  <a:lnTo>
-                    <a:pt x="210855" y="363674"/>
-                  </a:lnTo>
-                  <a:lnTo>
-                    <a:pt x="140570" y="377661"/>
-                  </a:lnTo>
-                  <a:lnTo>
-                    <a:pt x="70285" y="391648"/>
+                    <a:pt x="61617" y="376182"/>
+                  </a:lnTo>
+                  <a:lnTo>
+                    <a:pt x="123235" y="392116"/>
+                  </a:lnTo>
+                  <a:lnTo>
+                    <a:pt x="184853" y="408051"/>
+                  </a:lnTo>
+                  <a:lnTo>
+                    <a:pt x="246470" y="423985"/>
+                  </a:lnTo>
+                  <a:lnTo>
+                    <a:pt x="308088" y="439919"/>
+                  </a:lnTo>
+                  <a:lnTo>
+                    <a:pt x="369706" y="455854"/>
+                  </a:lnTo>
+                  <a:lnTo>
+                    <a:pt x="431324" y="471788"/>
+                  </a:lnTo>
+                  <a:lnTo>
+                    <a:pt x="492941" y="487722"/>
+                  </a:lnTo>
+                  <a:lnTo>
+                    <a:pt x="554559" y="503657"/>
+                  </a:lnTo>
+                  <a:lnTo>
+                    <a:pt x="616177" y="519591"/>
+                  </a:lnTo>
+                  <a:lnTo>
+                    <a:pt x="677794" y="535525"/>
+                  </a:lnTo>
+                  <a:lnTo>
+                    <a:pt x="739412" y="551460"/>
+                  </a:lnTo>
+                  <a:lnTo>
+                    <a:pt x="801030" y="567394"/>
+                  </a:lnTo>
+                  <a:lnTo>
+                    <a:pt x="862648" y="583328"/>
+                  </a:lnTo>
+                  <a:lnTo>
+                    <a:pt x="924265" y="599263"/>
+                  </a:lnTo>
+                  <a:lnTo>
+                    <a:pt x="985883" y="615197"/>
+                  </a:lnTo>
+                  <a:lnTo>
+                    <a:pt x="1047501" y="631131"/>
+                  </a:lnTo>
+                  <a:lnTo>
+                    <a:pt x="1109119" y="647066"/>
+                  </a:lnTo>
+                  <a:lnTo>
+                    <a:pt x="1170736" y="663000"/>
+                  </a:lnTo>
+                  <a:lnTo>
+                    <a:pt x="1232354" y="678934"/>
+                  </a:lnTo>
+                  <a:lnTo>
+                    <a:pt x="1293972" y="694869"/>
+                  </a:lnTo>
+                  <a:lnTo>
+                    <a:pt x="1355589" y="710803"/>
+                  </a:lnTo>
+                  <a:lnTo>
+                    <a:pt x="1417207" y="726737"/>
+                  </a:lnTo>
+                  <a:lnTo>
+                    <a:pt x="1478825" y="742672"/>
+                  </a:lnTo>
+                  <a:lnTo>
+                    <a:pt x="1540443" y="758606"/>
+                  </a:lnTo>
+                  <a:lnTo>
+                    <a:pt x="1602060" y="774540"/>
+                  </a:lnTo>
+                  <a:lnTo>
+                    <a:pt x="1663678" y="790475"/>
+                  </a:lnTo>
+                  <a:lnTo>
+                    <a:pt x="1725296" y="806409"/>
+                  </a:lnTo>
+                  <a:lnTo>
+                    <a:pt x="1786914" y="822343"/>
+                  </a:lnTo>
+                  <a:lnTo>
+                    <a:pt x="1801820" y="760293"/>
+                  </a:lnTo>
+                  <a:lnTo>
+                    <a:pt x="1814573" y="697765"/>
+                  </a:lnTo>
+                  <a:lnTo>
+                    <a:pt x="1825156" y="634834"/>
+                  </a:lnTo>
+                  <a:lnTo>
+                    <a:pt x="1833558" y="571574"/>
+                  </a:lnTo>
+                  <a:lnTo>
+                    <a:pt x="1839767" y="508061"/>
+                  </a:lnTo>
+                  <a:lnTo>
+                    <a:pt x="1843777" y="444372"/>
+                  </a:lnTo>
+                  <a:lnTo>
+                    <a:pt x="1845584" y="380582"/>
+                  </a:lnTo>
+                  <a:lnTo>
+                    <a:pt x="1845183" y="316768"/>
+                  </a:lnTo>
+                  <a:lnTo>
+                    <a:pt x="1842577" y="253006"/>
+                  </a:lnTo>
+                  <a:lnTo>
+                    <a:pt x="1837769" y="189372"/>
+                  </a:lnTo>
+                  <a:lnTo>
+                    <a:pt x="1830763" y="125943"/>
+                  </a:lnTo>
+                  <a:lnTo>
+                    <a:pt x="1821569" y="62793"/>
+                  </a:lnTo>
+                  <a:lnTo>
+                    <a:pt x="1810197" y="0"/>
+                  </a:lnTo>
+                  <a:lnTo>
+                    <a:pt x="1747776" y="12422"/>
+                  </a:lnTo>
+                  <a:lnTo>
+                    <a:pt x="1685356" y="24844"/>
+                  </a:lnTo>
+                  <a:lnTo>
+                    <a:pt x="1622935" y="37267"/>
+                  </a:lnTo>
+                  <a:lnTo>
+                    <a:pt x="1560515" y="49689"/>
+                  </a:lnTo>
+                  <a:lnTo>
+                    <a:pt x="1498094" y="62111"/>
+                  </a:lnTo>
+                  <a:lnTo>
+                    <a:pt x="1435673" y="74534"/>
+                  </a:lnTo>
+                  <a:lnTo>
+                    <a:pt x="1373253" y="86956"/>
+                  </a:lnTo>
+                  <a:lnTo>
+                    <a:pt x="1310832" y="99378"/>
+                  </a:lnTo>
+                  <a:lnTo>
+                    <a:pt x="1248412" y="111801"/>
+                  </a:lnTo>
+                  <a:lnTo>
+                    <a:pt x="1185991" y="124223"/>
+                  </a:lnTo>
+                  <a:lnTo>
+                    <a:pt x="1123570" y="136645"/>
+                  </a:lnTo>
+                  <a:lnTo>
+                    <a:pt x="1061150" y="149068"/>
+                  </a:lnTo>
+                  <a:lnTo>
+                    <a:pt x="998729" y="161490"/>
+                  </a:lnTo>
+                  <a:lnTo>
+                    <a:pt x="936309" y="173913"/>
+                  </a:lnTo>
+                  <a:lnTo>
+                    <a:pt x="873888" y="186335"/>
+                  </a:lnTo>
+                  <a:lnTo>
+                    <a:pt x="811467" y="198757"/>
+                  </a:lnTo>
+                  <a:lnTo>
+                    <a:pt x="749047" y="211180"/>
+                  </a:lnTo>
+                  <a:lnTo>
+                    <a:pt x="686626" y="223602"/>
+                  </a:lnTo>
+                  <a:lnTo>
+                    <a:pt x="624206" y="236024"/>
+                  </a:lnTo>
+                  <a:lnTo>
+                    <a:pt x="561785" y="248447"/>
+                  </a:lnTo>
+                  <a:lnTo>
+                    <a:pt x="499364" y="260869"/>
+                  </a:lnTo>
+                  <a:lnTo>
+                    <a:pt x="436944" y="273291"/>
+                  </a:lnTo>
+                  <a:lnTo>
+                    <a:pt x="374523" y="285714"/>
+                  </a:lnTo>
+                  <a:lnTo>
+                    <a:pt x="312103" y="298136"/>
+                  </a:lnTo>
+                  <a:lnTo>
+                    <a:pt x="249682" y="310558"/>
+                  </a:lnTo>
+                  <a:lnTo>
+                    <a:pt x="187261" y="322981"/>
+                  </a:lnTo>
+                  <a:lnTo>
+                    <a:pt x="124841" y="335403"/>
+                  </a:lnTo>
+                  <a:lnTo>
+                    <a:pt x="62420" y="347826"/>
                   </a:lnTo>
                   <a:close/>
                 </a:path>
@@ -5729,234 +6183,234 @@
           </p:nvSpPr>
           <p:spPr>
             <a:xfrm>
-              <a:off x="4609108" y="4060984"/>
-              <a:ext cx="2012049" cy="1509864"/>
+              <a:off x="4609108" y="3770308"/>
+              <a:ext cx="1786914" cy="1340921"/>
             </a:xfrm>
             <a:custGeom>
               <a:avLst/>
               <a:pathLst>
-                <a:path w="2012049" h="1509864">
+                <a:path w="1786914" h="1340921">
                   <a:moveTo>
                     <a:pt x="0" y="0"/>
                   </a:moveTo>
                   <a:lnTo>
-                    <a:pt x="49243" y="52064"/>
-                  </a:lnTo>
-                  <a:lnTo>
-                    <a:pt x="98487" y="104128"/>
-                  </a:lnTo>
-                  <a:lnTo>
-                    <a:pt x="147731" y="156192"/>
-                  </a:lnTo>
-                  <a:lnTo>
-                    <a:pt x="196974" y="208257"/>
-                  </a:lnTo>
-                  <a:lnTo>
-                    <a:pt x="246218" y="260321"/>
-                  </a:lnTo>
-                  <a:lnTo>
-                    <a:pt x="295462" y="312385"/>
-                  </a:lnTo>
-                  <a:lnTo>
-                    <a:pt x="344705" y="364450"/>
-                  </a:lnTo>
-                  <a:lnTo>
-                    <a:pt x="393949" y="416514"/>
-                  </a:lnTo>
-                  <a:lnTo>
-                    <a:pt x="443193" y="468578"/>
-                  </a:lnTo>
-                  <a:lnTo>
-                    <a:pt x="492437" y="520643"/>
-                  </a:lnTo>
-                  <a:lnTo>
-                    <a:pt x="541680" y="572707"/>
-                  </a:lnTo>
-                  <a:lnTo>
-                    <a:pt x="590924" y="624771"/>
-                  </a:lnTo>
-                  <a:lnTo>
-                    <a:pt x="640168" y="676836"/>
-                  </a:lnTo>
-                  <a:lnTo>
-                    <a:pt x="689411" y="728900"/>
-                  </a:lnTo>
-                  <a:lnTo>
-                    <a:pt x="738655" y="780964"/>
-                  </a:lnTo>
-                  <a:lnTo>
-                    <a:pt x="787899" y="833028"/>
-                  </a:lnTo>
-                  <a:lnTo>
-                    <a:pt x="837143" y="885093"/>
-                  </a:lnTo>
-                  <a:lnTo>
-                    <a:pt x="886386" y="937157"/>
-                  </a:lnTo>
-                  <a:lnTo>
-                    <a:pt x="935630" y="989221"/>
-                  </a:lnTo>
-                  <a:lnTo>
-                    <a:pt x="984874" y="1041286"/>
-                  </a:lnTo>
-                  <a:lnTo>
-                    <a:pt x="1034117" y="1093350"/>
-                  </a:lnTo>
-                  <a:lnTo>
-                    <a:pt x="1083361" y="1145414"/>
-                  </a:lnTo>
-                  <a:lnTo>
-                    <a:pt x="1132605" y="1197479"/>
-                  </a:lnTo>
-                  <a:lnTo>
-                    <a:pt x="1181849" y="1249543"/>
-                  </a:lnTo>
-                  <a:lnTo>
-                    <a:pt x="1231092" y="1301607"/>
-                  </a:lnTo>
-                  <a:lnTo>
-                    <a:pt x="1280336" y="1353672"/>
-                  </a:lnTo>
-                  <a:lnTo>
-                    <a:pt x="1329580" y="1405736"/>
-                  </a:lnTo>
-                  <a:lnTo>
-                    <a:pt x="1378823" y="1457800"/>
-                  </a:lnTo>
-                  <a:lnTo>
-                    <a:pt x="1428067" y="1509864"/>
-                  </a:lnTo>
-                  <a:lnTo>
-                    <a:pt x="1480043" y="1458951"/>
-                  </a:lnTo>
-                  <a:lnTo>
-                    <a:pt x="1530205" y="1406250"/>
-                  </a:lnTo>
-                  <a:lnTo>
-                    <a:pt x="1578492" y="1351825"/>
-                  </a:lnTo>
-                  <a:lnTo>
-                    <a:pt x="1624843" y="1295743"/>
-                  </a:lnTo>
-                  <a:lnTo>
-                    <a:pt x="1669204" y="1238073"/>
-                  </a:lnTo>
-                  <a:lnTo>
-                    <a:pt x="1711518" y="1178886"/>
-                  </a:lnTo>
-                  <a:lnTo>
-                    <a:pt x="1751735" y="1118253"/>
-                  </a:lnTo>
-                  <a:lnTo>
-                    <a:pt x="1789805" y="1056251"/>
-                  </a:lnTo>
-                  <a:lnTo>
-                    <a:pt x="1825681" y="992953"/>
-                  </a:lnTo>
-                  <a:lnTo>
-                    <a:pt x="1859319" y="928439"/>
-                  </a:lnTo>
-                  <a:lnTo>
-                    <a:pt x="1890679" y="862786"/>
-                  </a:lnTo>
-                  <a:lnTo>
-                    <a:pt x="1919721" y="796076"/>
-                  </a:lnTo>
-                  <a:lnTo>
-                    <a:pt x="1946410" y="728391"/>
-                  </a:lnTo>
-                  <a:lnTo>
-                    <a:pt x="1970714" y="659812"/>
-                  </a:lnTo>
-                  <a:lnTo>
-                    <a:pt x="1992602" y="590425"/>
-                  </a:lnTo>
-                  <a:lnTo>
-                    <a:pt x="2012049" y="520315"/>
-                  </a:lnTo>
-                  <a:lnTo>
-                    <a:pt x="1942668" y="502373"/>
-                  </a:lnTo>
-                  <a:lnTo>
-                    <a:pt x="1873287" y="484431"/>
-                  </a:lnTo>
-                  <a:lnTo>
-                    <a:pt x="1803906" y="466489"/>
-                  </a:lnTo>
-                  <a:lnTo>
-                    <a:pt x="1734525" y="448547"/>
-                  </a:lnTo>
-                  <a:lnTo>
-                    <a:pt x="1665144" y="430605"/>
-                  </a:lnTo>
-                  <a:lnTo>
-                    <a:pt x="1595763" y="412663"/>
-                  </a:lnTo>
-                  <a:lnTo>
-                    <a:pt x="1526382" y="394721"/>
-                  </a:lnTo>
-                  <a:lnTo>
-                    <a:pt x="1457001" y="376779"/>
-                  </a:lnTo>
-                  <a:lnTo>
-                    <a:pt x="1387620" y="358838"/>
-                  </a:lnTo>
-                  <a:lnTo>
-                    <a:pt x="1318239" y="340896"/>
-                  </a:lnTo>
-                  <a:lnTo>
-                    <a:pt x="1248858" y="322954"/>
-                  </a:lnTo>
-                  <a:lnTo>
-                    <a:pt x="1179477" y="305012"/>
-                  </a:lnTo>
-                  <a:lnTo>
-                    <a:pt x="1110096" y="287070"/>
-                  </a:lnTo>
-                  <a:lnTo>
-                    <a:pt x="1040715" y="269128"/>
-                  </a:lnTo>
-                  <a:lnTo>
-                    <a:pt x="971334" y="251186"/>
-                  </a:lnTo>
-                  <a:lnTo>
-                    <a:pt x="901953" y="233244"/>
-                  </a:lnTo>
-                  <a:lnTo>
-                    <a:pt x="832572" y="215302"/>
-                  </a:lnTo>
-                  <a:lnTo>
-                    <a:pt x="763191" y="197360"/>
-                  </a:lnTo>
-                  <a:lnTo>
-                    <a:pt x="693810" y="179419"/>
-                  </a:lnTo>
-                  <a:lnTo>
-                    <a:pt x="624429" y="161477"/>
-                  </a:lnTo>
-                  <a:lnTo>
-                    <a:pt x="555048" y="143535"/>
-                  </a:lnTo>
-                  <a:lnTo>
-                    <a:pt x="485667" y="125593"/>
-                  </a:lnTo>
-                  <a:lnTo>
-                    <a:pt x="416286" y="107651"/>
-                  </a:lnTo>
-                  <a:lnTo>
-                    <a:pt x="346905" y="89709"/>
-                  </a:lnTo>
-                  <a:lnTo>
-                    <a:pt x="277524" y="71767"/>
-                  </a:lnTo>
-                  <a:lnTo>
-                    <a:pt x="208143" y="53825"/>
-                  </a:lnTo>
-                  <a:lnTo>
-                    <a:pt x="138762" y="35883"/>
-                  </a:lnTo>
-                  <a:lnTo>
-                    <a:pt x="69381" y="17941"/>
+                    <a:pt x="43733" y="46238"/>
+                  </a:lnTo>
+                  <a:lnTo>
+                    <a:pt x="87467" y="92477"/>
+                  </a:lnTo>
+                  <a:lnTo>
+                    <a:pt x="131200" y="138715"/>
+                  </a:lnTo>
+                  <a:lnTo>
+                    <a:pt x="174934" y="184954"/>
+                  </a:lnTo>
+                  <a:lnTo>
+                    <a:pt x="218668" y="231193"/>
+                  </a:lnTo>
+                  <a:lnTo>
+                    <a:pt x="262401" y="277431"/>
+                  </a:lnTo>
+                  <a:lnTo>
+                    <a:pt x="306135" y="323670"/>
+                  </a:lnTo>
+                  <a:lnTo>
+                    <a:pt x="349869" y="369909"/>
+                  </a:lnTo>
+                  <a:lnTo>
+                    <a:pt x="393602" y="416147"/>
+                  </a:lnTo>
+                  <a:lnTo>
+                    <a:pt x="437336" y="462386"/>
+                  </a:lnTo>
+                  <a:lnTo>
+                    <a:pt x="481070" y="508625"/>
+                  </a:lnTo>
+                  <a:lnTo>
+                    <a:pt x="524803" y="554863"/>
+                  </a:lnTo>
+                  <a:lnTo>
+                    <a:pt x="568537" y="601102"/>
+                  </a:lnTo>
+                  <a:lnTo>
+                    <a:pt x="612271" y="647341"/>
+                  </a:lnTo>
+                  <a:lnTo>
+                    <a:pt x="656004" y="693579"/>
+                  </a:lnTo>
+                  <a:lnTo>
+                    <a:pt x="699738" y="739818"/>
+                  </a:lnTo>
+                  <a:lnTo>
+                    <a:pt x="743472" y="786057"/>
+                  </a:lnTo>
+                  <a:lnTo>
+                    <a:pt x="787205" y="832295"/>
+                  </a:lnTo>
+                  <a:lnTo>
+                    <a:pt x="830939" y="878534"/>
+                  </a:lnTo>
+                  <a:lnTo>
+                    <a:pt x="874673" y="924773"/>
+                  </a:lnTo>
+                  <a:lnTo>
+                    <a:pt x="918406" y="971011"/>
+                  </a:lnTo>
+                  <a:lnTo>
+                    <a:pt x="962140" y="1017250"/>
+                  </a:lnTo>
+                  <a:lnTo>
+                    <a:pt x="1005874" y="1063489"/>
+                  </a:lnTo>
+                  <a:lnTo>
+                    <a:pt x="1049607" y="1109727"/>
+                  </a:lnTo>
+                  <a:lnTo>
+                    <a:pt x="1093341" y="1155966"/>
+                  </a:lnTo>
+                  <a:lnTo>
+                    <a:pt x="1137075" y="1202205"/>
+                  </a:lnTo>
+                  <a:lnTo>
+                    <a:pt x="1180808" y="1248443"/>
+                  </a:lnTo>
+                  <a:lnTo>
+                    <a:pt x="1224542" y="1294682"/>
+                  </a:lnTo>
+                  <a:lnTo>
+                    <a:pt x="1268276" y="1340921"/>
+                  </a:lnTo>
+                  <a:lnTo>
+                    <a:pt x="1314436" y="1295704"/>
+                  </a:lnTo>
+                  <a:lnTo>
+                    <a:pt x="1358985" y="1248900"/>
+                  </a:lnTo>
+                  <a:lnTo>
+                    <a:pt x="1401869" y="1200565"/>
+                  </a:lnTo>
+                  <a:lnTo>
+                    <a:pt x="1443034" y="1150758"/>
+                  </a:lnTo>
+                  <a:lnTo>
+                    <a:pt x="1482431" y="1099541"/>
+                  </a:lnTo>
+                  <a:lnTo>
+                    <a:pt x="1520011" y="1046976"/>
+                  </a:lnTo>
+                  <a:lnTo>
+                    <a:pt x="1555727" y="993128"/>
+                  </a:lnTo>
+                  <a:lnTo>
+                    <a:pt x="1589537" y="938063"/>
+                  </a:lnTo>
+                  <a:lnTo>
+                    <a:pt x="1621399" y="881848"/>
+                  </a:lnTo>
+                  <a:lnTo>
+                    <a:pt x="1651274" y="824552"/>
+                  </a:lnTo>
+                  <a:lnTo>
+                    <a:pt x="1679124" y="766246"/>
+                  </a:lnTo>
+                  <a:lnTo>
+                    <a:pt x="1704917" y="707001"/>
+                  </a:lnTo>
+                  <a:lnTo>
+                    <a:pt x="1728620" y="646889"/>
+                  </a:lnTo>
+                  <a:lnTo>
+                    <a:pt x="1750204" y="585984"/>
+                  </a:lnTo>
+                  <a:lnTo>
+                    <a:pt x="1769643" y="524361"/>
+                  </a:lnTo>
+                  <a:lnTo>
+                    <a:pt x="1786914" y="462095"/>
+                  </a:lnTo>
+                  <a:lnTo>
+                    <a:pt x="1725296" y="446160"/>
+                  </a:lnTo>
+                  <a:lnTo>
+                    <a:pt x="1663678" y="430226"/>
+                  </a:lnTo>
+                  <a:lnTo>
+                    <a:pt x="1602060" y="414292"/>
+                  </a:lnTo>
+                  <a:lnTo>
+                    <a:pt x="1540443" y="398358"/>
+                  </a:lnTo>
+                  <a:lnTo>
+                    <a:pt x="1478825" y="382423"/>
+                  </a:lnTo>
+                  <a:lnTo>
+                    <a:pt x="1417207" y="366489"/>
+                  </a:lnTo>
+                  <a:lnTo>
+                    <a:pt x="1355589" y="350555"/>
+                  </a:lnTo>
+                  <a:lnTo>
+                    <a:pt x="1293972" y="334620"/>
+                  </a:lnTo>
+                  <a:lnTo>
+                    <a:pt x="1232354" y="318686"/>
+                  </a:lnTo>
+                  <a:lnTo>
+                    <a:pt x="1170736" y="302752"/>
+                  </a:lnTo>
+                  <a:lnTo>
+                    <a:pt x="1109119" y="286817"/>
+                  </a:lnTo>
+                  <a:lnTo>
+                    <a:pt x="1047501" y="270883"/>
+                  </a:lnTo>
+                  <a:lnTo>
+                    <a:pt x="985883" y="254949"/>
+                  </a:lnTo>
+                  <a:lnTo>
+                    <a:pt x="924265" y="239014"/>
+                  </a:lnTo>
+                  <a:lnTo>
+                    <a:pt x="862648" y="223080"/>
+                  </a:lnTo>
+                  <a:lnTo>
+                    <a:pt x="801030" y="207146"/>
+                  </a:lnTo>
+                  <a:lnTo>
+                    <a:pt x="739412" y="191211"/>
+                  </a:lnTo>
+                  <a:lnTo>
+                    <a:pt x="677794" y="175277"/>
+                  </a:lnTo>
+                  <a:lnTo>
+                    <a:pt x="616177" y="159343"/>
+                  </a:lnTo>
+                  <a:lnTo>
+                    <a:pt x="554559" y="143408"/>
+                  </a:lnTo>
+                  <a:lnTo>
+                    <a:pt x="492941" y="127474"/>
+                  </a:lnTo>
+                  <a:lnTo>
+                    <a:pt x="431324" y="111540"/>
+                  </a:lnTo>
+                  <a:lnTo>
+                    <a:pt x="369706" y="95605"/>
+                  </a:lnTo>
+                  <a:lnTo>
+                    <a:pt x="308088" y="79671"/>
+                  </a:lnTo>
+                  <a:lnTo>
+                    <a:pt x="246470" y="63737"/>
+                  </a:lnTo>
+                  <a:lnTo>
+                    <a:pt x="184853" y="47802"/>
+                  </a:lnTo>
+                  <a:lnTo>
+                    <a:pt x="123235" y="31868"/>
+                  </a:lnTo>
+                  <a:lnTo>
+                    <a:pt x="61617" y="15934"/>
                   </a:lnTo>
                   <a:close/>
                 </a:path>
@@ -5991,240 +6445,240 @@
           </p:nvSpPr>
           <p:spPr>
             <a:xfrm>
-              <a:off x="4609108" y="4060984"/>
-              <a:ext cx="1428067" cy="2060979"/>
+              <a:off x="4609108" y="3770308"/>
+              <a:ext cx="1268276" cy="1830369"/>
             </a:xfrm>
             <a:custGeom>
               <a:avLst/>
               <a:pathLst>
-                <a:path w="1428067" h="2060979">
+                <a:path w="1268276" h="1830369">
                   <a:moveTo>
                     <a:pt x="0" y="0"/>
                   </a:moveTo>
                   <a:lnTo>
-                    <a:pt x="9216" y="71068"/>
-                  </a:lnTo>
-                  <a:lnTo>
-                    <a:pt x="18432" y="142136"/>
-                  </a:lnTo>
-                  <a:lnTo>
-                    <a:pt x="27648" y="213204"/>
-                  </a:lnTo>
-                  <a:lnTo>
-                    <a:pt x="36864" y="284273"/>
-                  </a:lnTo>
-                  <a:lnTo>
-                    <a:pt x="46080" y="355341"/>
-                  </a:lnTo>
-                  <a:lnTo>
-                    <a:pt x="55297" y="426409"/>
-                  </a:lnTo>
-                  <a:lnTo>
-                    <a:pt x="64513" y="497477"/>
-                  </a:lnTo>
-                  <a:lnTo>
-                    <a:pt x="73729" y="568546"/>
-                  </a:lnTo>
-                  <a:lnTo>
-                    <a:pt x="82945" y="639614"/>
-                  </a:lnTo>
-                  <a:lnTo>
-                    <a:pt x="92161" y="710682"/>
-                  </a:lnTo>
-                  <a:lnTo>
-                    <a:pt x="101377" y="781750"/>
-                  </a:lnTo>
-                  <a:lnTo>
-                    <a:pt x="110594" y="852819"/>
-                  </a:lnTo>
-                  <a:lnTo>
-                    <a:pt x="119810" y="923887"/>
-                  </a:lnTo>
-                  <a:lnTo>
-                    <a:pt x="129026" y="994955"/>
-                  </a:lnTo>
-                  <a:lnTo>
-                    <a:pt x="138242" y="1066023"/>
-                  </a:lnTo>
-                  <a:lnTo>
-                    <a:pt x="147458" y="1137092"/>
-                  </a:lnTo>
-                  <a:lnTo>
-                    <a:pt x="156674" y="1208160"/>
-                  </a:lnTo>
-                  <a:lnTo>
-                    <a:pt x="165891" y="1279228"/>
-                  </a:lnTo>
-                  <a:lnTo>
-                    <a:pt x="175107" y="1350296"/>
-                  </a:lnTo>
-                  <a:lnTo>
-                    <a:pt x="184323" y="1421365"/>
-                  </a:lnTo>
-                  <a:lnTo>
-                    <a:pt x="193539" y="1492433"/>
-                  </a:lnTo>
-                  <a:lnTo>
-                    <a:pt x="202755" y="1563501"/>
-                  </a:lnTo>
-                  <a:lnTo>
-                    <a:pt x="211971" y="1634569"/>
-                  </a:lnTo>
-                  <a:lnTo>
-                    <a:pt x="221188" y="1705638"/>
-                  </a:lnTo>
-                  <a:lnTo>
-                    <a:pt x="230404" y="1776706"/>
-                  </a:lnTo>
-                  <a:lnTo>
-                    <a:pt x="239620" y="1847774"/>
-                  </a:lnTo>
-                  <a:lnTo>
-                    <a:pt x="248836" y="1918843"/>
-                  </a:lnTo>
-                  <a:lnTo>
-                    <a:pt x="258052" y="1989911"/>
-                  </a:lnTo>
-                  <a:lnTo>
-                    <a:pt x="267268" y="2060979"/>
-                  </a:lnTo>
-                  <a:lnTo>
-                    <a:pt x="339065" y="2050391"/>
-                  </a:lnTo>
-                  <a:lnTo>
-                    <a:pt x="410448" y="2037302"/>
-                  </a:lnTo>
-                  <a:lnTo>
-                    <a:pt x="481331" y="2021729"/>
-                  </a:lnTo>
-                  <a:lnTo>
-                    <a:pt x="551627" y="2003690"/>
-                  </a:lnTo>
-                  <a:lnTo>
-                    <a:pt x="621250" y="1983208"/>
-                  </a:lnTo>
-                  <a:lnTo>
-                    <a:pt x="690115" y="1960308"/>
-                  </a:lnTo>
-                  <a:lnTo>
-                    <a:pt x="758139" y="1935017"/>
-                  </a:lnTo>
-                  <a:lnTo>
-                    <a:pt x="825239" y="1907367"/>
-                  </a:lnTo>
-                  <a:lnTo>
-                    <a:pt x="891332" y="1877390"/>
-                  </a:lnTo>
-                  <a:lnTo>
-                    <a:pt x="956338" y="1845124"/>
-                  </a:lnTo>
-                  <a:lnTo>
-                    <a:pt x="1020178" y="1810609"/>
-                  </a:lnTo>
-                  <a:lnTo>
-                    <a:pt x="1082774" y="1773885"/>
-                  </a:lnTo>
-                  <a:lnTo>
-                    <a:pt x="1144049" y="1734998"/>
-                  </a:lnTo>
-                  <a:lnTo>
-                    <a:pt x="1203930" y="1693995"/>
-                  </a:lnTo>
-                  <a:lnTo>
-                    <a:pt x="1262342" y="1650927"/>
-                  </a:lnTo>
-                  <a:lnTo>
-                    <a:pt x="1319215" y="1605845"/>
-                  </a:lnTo>
-                  <a:lnTo>
-                    <a:pt x="1374479" y="1558805"/>
-                  </a:lnTo>
-                  <a:lnTo>
-                    <a:pt x="1428067" y="1509864"/>
-                  </a:lnTo>
-                  <a:lnTo>
-                    <a:pt x="1378823" y="1457800"/>
-                  </a:lnTo>
-                  <a:lnTo>
-                    <a:pt x="1329580" y="1405736"/>
-                  </a:lnTo>
-                  <a:lnTo>
-                    <a:pt x="1280336" y="1353672"/>
-                  </a:lnTo>
-                  <a:lnTo>
-                    <a:pt x="1231092" y="1301607"/>
-                  </a:lnTo>
-                  <a:lnTo>
-                    <a:pt x="1181849" y="1249543"/>
-                  </a:lnTo>
-                  <a:lnTo>
-                    <a:pt x="1132605" y="1197479"/>
-                  </a:lnTo>
-                  <a:lnTo>
-                    <a:pt x="1083361" y="1145414"/>
-                  </a:lnTo>
-                  <a:lnTo>
-                    <a:pt x="1034117" y="1093350"/>
-                  </a:lnTo>
-                  <a:lnTo>
-                    <a:pt x="984874" y="1041286"/>
-                  </a:lnTo>
-                  <a:lnTo>
-                    <a:pt x="935630" y="989221"/>
-                  </a:lnTo>
-                  <a:lnTo>
-                    <a:pt x="886386" y="937157"/>
-                  </a:lnTo>
-                  <a:lnTo>
-                    <a:pt x="837143" y="885093"/>
-                  </a:lnTo>
-                  <a:lnTo>
-                    <a:pt x="787899" y="833028"/>
-                  </a:lnTo>
-                  <a:lnTo>
-                    <a:pt x="738655" y="780964"/>
-                  </a:lnTo>
-                  <a:lnTo>
-                    <a:pt x="689411" y="728900"/>
-                  </a:lnTo>
-                  <a:lnTo>
-                    <a:pt x="640168" y="676836"/>
-                  </a:lnTo>
-                  <a:lnTo>
-                    <a:pt x="590924" y="624771"/>
-                  </a:lnTo>
-                  <a:lnTo>
-                    <a:pt x="541680" y="572707"/>
-                  </a:lnTo>
-                  <a:lnTo>
-                    <a:pt x="492437" y="520643"/>
-                  </a:lnTo>
-                  <a:lnTo>
-                    <a:pt x="443193" y="468578"/>
-                  </a:lnTo>
-                  <a:lnTo>
-                    <a:pt x="393949" y="416514"/>
-                  </a:lnTo>
-                  <a:lnTo>
-                    <a:pt x="344705" y="364450"/>
-                  </a:lnTo>
-                  <a:lnTo>
-                    <a:pt x="295462" y="312385"/>
-                  </a:lnTo>
-                  <a:lnTo>
-                    <a:pt x="246218" y="260321"/>
-                  </a:lnTo>
-                  <a:lnTo>
-                    <a:pt x="196974" y="208257"/>
-                  </a:lnTo>
-                  <a:lnTo>
-                    <a:pt x="147731" y="156192"/>
-                  </a:lnTo>
-                  <a:lnTo>
-                    <a:pt x="98487" y="104128"/>
-                  </a:lnTo>
-                  <a:lnTo>
-                    <a:pt x="49243" y="52064"/>
+                    <a:pt x="8184" y="63116"/>
+                  </a:lnTo>
+                  <a:lnTo>
+                    <a:pt x="16369" y="126232"/>
+                  </a:lnTo>
+                  <a:lnTo>
+                    <a:pt x="24554" y="189348"/>
+                  </a:lnTo>
+                  <a:lnTo>
+                    <a:pt x="32739" y="252464"/>
+                  </a:lnTo>
+                  <a:lnTo>
+                    <a:pt x="40924" y="315580"/>
+                  </a:lnTo>
+                  <a:lnTo>
+                    <a:pt x="49109" y="378697"/>
+                  </a:lnTo>
+                  <a:lnTo>
+                    <a:pt x="57294" y="441813"/>
+                  </a:lnTo>
+                  <a:lnTo>
+                    <a:pt x="65479" y="504929"/>
+                  </a:lnTo>
+                  <a:lnTo>
+                    <a:pt x="73664" y="568045"/>
+                  </a:lnTo>
+                  <a:lnTo>
+                    <a:pt x="81849" y="631161"/>
+                  </a:lnTo>
+                  <a:lnTo>
+                    <a:pt x="90034" y="694278"/>
+                  </a:lnTo>
+                  <a:lnTo>
+                    <a:pt x="98219" y="757394"/>
+                  </a:lnTo>
+                  <a:lnTo>
+                    <a:pt x="106404" y="820510"/>
+                  </a:lnTo>
+                  <a:lnTo>
+                    <a:pt x="114589" y="883626"/>
+                  </a:lnTo>
+                  <a:lnTo>
+                    <a:pt x="122774" y="946742"/>
+                  </a:lnTo>
+                  <a:lnTo>
+                    <a:pt x="130959" y="1009859"/>
+                  </a:lnTo>
+                  <a:lnTo>
+                    <a:pt x="139143" y="1072975"/>
+                  </a:lnTo>
+                  <a:lnTo>
+                    <a:pt x="147328" y="1136091"/>
+                  </a:lnTo>
+                  <a:lnTo>
+                    <a:pt x="155513" y="1199207"/>
+                  </a:lnTo>
+                  <a:lnTo>
+                    <a:pt x="163698" y="1262323"/>
+                  </a:lnTo>
+                  <a:lnTo>
+                    <a:pt x="171883" y="1325439"/>
+                  </a:lnTo>
+                  <a:lnTo>
+                    <a:pt x="180068" y="1388556"/>
+                  </a:lnTo>
+                  <a:lnTo>
+                    <a:pt x="188253" y="1451672"/>
+                  </a:lnTo>
+                  <a:lnTo>
+                    <a:pt x="196438" y="1514788"/>
+                  </a:lnTo>
+                  <a:lnTo>
+                    <a:pt x="204623" y="1577904"/>
+                  </a:lnTo>
+                  <a:lnTo>
+                    <a:pt x="212808" y="1641020"/>
+                  </a:lnTo>
+                  <a:lnTo>
+                    <a:pt x="220993" y="1704137"/>
+                  </a:lnTo>
+                  <a:lnTo>
+                    <a:pt x="229178" y="1767253"/>
+                  </a:lnTo>
+                  <a:lnTo>
+                    <a:pt x="237363" y="1830369"/>
+                  </a:lnTo>
+                  <a:lnTo>
+                    <a:pt x="301126" y="1820965"/>
+                  </a:lnTo>
+                  <a:lnTo>
+                    <a:pt x="364522" y="1809341"/>
+                  </a:lnTo>
+                  <a:lnTo>
+                    <a:pt x="427473" y="1795511"/>
+                  </a:lnTo>
+                  <a:lnTo>
+                    <a:pt x="489903" y="1779490"/>
+                  </a:lnTo>
+                  <a:lnTo>
+                    <a:pt x="551736" y="1761300"/>
+                  </a:lnTo>
+                  <a:lnTo>
+                    <a:pt x="612896" y="1740962"/>
+                  </a:lnTo>
+                  <a:lnTo>
+                    <a:pt x="673308" y="1718501"/>
+                  </a:lnTo>
+                  <a:lnTo>
+                    <a:pt x="732900" y="1693945"/>
+                  </a:lnTo>
+                  <a:lnTo>
+                    <a:pt x="791598" y="1667323"/>
+                  </a:lnTo>
+                  <a:lnTo>
+                    <a:pt x="849330" y="1638667"/>
+                  </a:lnTo>
+                  <a:lnTo>
+                    <a:pt x="906027" y="1608013"/>
+                  </a:lnTo>
+                  <a:lnTo>
+                    <a:pt x="961618" y="1575399"/>
+                  </a:lnTo>
+                  <a:lnTo>
+                    <a:pt x="1016038" y="1540863"/>
+                  </a:lnTo>
+                  <a:lnTo>
+                    <a:pt x="1069218" y="1504448"/>
+                  </a:lnTo>
+                  <a:lnTo>
+                    <a:pt x="1121094" y="1466199"/>
+                  </a:lnTo>
+                  <a:lnTo>
+                    <a:pt x="1171603" y="1426162"/>
+                  </a:lnTo>
+                  <a:lnTo>
+                    <a:pt x="1220684" y="1384385"/>
+                  </a:lnTo>
+                  <a:lnTo>
+                    <a:pt x="1268276" y="1340921"/>
+                  </a:lnTo>
+                  <a:lnTo>
+                    <a:pt x="1224542" y="1294682"/>
+                  </a:lnTo>
+                  <a:lnTo>
+                    <a:pt x="1180808" y="1248443"/>
+                  </a:lnTo>
+                  <a:lnTo>
+                    <a:pt x="1137075" y="1202205"/>
+                  </a:lnTo>
+                  <a:lnTo>
+                    <a:pt x="1093341" y="1155966"/>
+                  </a:lnTo>
+                  <a:lnTo>
+                    <a:pt x="1049607" y="1109727"/>
+                  </a:lnTo>
+                  <a:lnTo>
+                    <a:pt x="1005874" y="1063489"/>
+                  </a:lnTo>
+                  <a:lnTo>
+                    <a:pt x="962140" y="1017250"/>
+                  </a:lnTo>
+                  <a:lnTo>
+                    <a:pt x="918406" y="971011"/>
+                  </a:lnTo>
+                  <a:lnTo>
+                    <a:pt x="874673" y="924773"/>
+                  </a:lnTo>
+                  <a:lnTo>
+                    <a:pt x="830939" y="878534"/>
+                  </a:lnTo>
+                  <a:lnTo>
+                    <a:pt x="787205" y="832295"/>
+                  </a:lnTo>
+                  <a:lnTo>
+                    <a:pt x="743472" y="786057"/>
+                  </a:lnTo>
+                  <a:lnTo>
+                    <a:pt x="699738" y="739818"/>
+                  </a:lnTo>
+                  <a:lnTo>
+                    <a:pt x="656004" y="693579"/>
+                  </a:lnTo>
+                  <a:lnTo>
+                    <a:pt x="612271" y="647341"/>
+                  </a:lnTo>
+                  <a:lnTo>
+                    <a:pt x="568537" y="601102"/>
+                  </a:lnTo>
+                  <a:lnTo>
+                    <a:pt x="524803" y="554863"/>
+                  </a:lnTo>
+                  <a:lnTo>
+                    <a:pt x="481070" y="508625"/>
+                  </a:lnTo>
+                  <a:lnTo>
+                    <a:pt x="437336" y="462386"/>
+                  </a:lnTo>
+                  <a:lnTo>
+                    <a:pt x="393602" y="416147"/>
+                  </a:lnTo>
+                  <a:lnTo>
+                    <a:pt x="349869" y="369909"/>
+                  </a:lnTo>
+                  <a:lnTo>
+                    <a:pt x="306135" y="323670"/>
+                  </a:lnTo>
+                  <a:lnTo>
+                    <a:pt x="262401" y="277431"/>
+                  </a:lnTo>
+                  <a:lnTo>
+                    <a:pt x="218668" y="231193"/>
+                  </a:lnTo>
+                  <a:lnTo>
+                    <a:pt x="174934" y="184954"/>
+                  </a:lnTo>
+                  <a:lnTo>
+                    <a:pt x="131200" y="138715"/>
+                  </a:lnTo>
+                  <a:lnTo>
+                    <a:pt x="87467" y="92477"/>
+                  </a:lnTo>
+                  <a:lnTo>
+                    <a:pt x="43733" y="46238"/>
                   </a:lnTo>
                   <a:close/>
                 </a:path>
@@ -6259,255 +6713,255 @@
           </p:nvSpPr>
           <p:spPr>
             <a:xfrm>
-              <a:off x="3344496" y="4060984"/>
-              <a:ext cx="1531880" cy="2078182"/>
+              <a:off x="3485998" y="3770308"/>
+              <a:ext cx="1360473" cy="1845647"/>
             </a:xfrm>
             <a:custGeom>
               <a:avLst/>
               <a:pathLst>
-                <a:path w="1531880" h="2078182">
+                <a:path w="1360473" h="1845647">
                   <a:moveTo>
-                    <a:pt x="1264611" y="0"/>
+                    <a:pt x="1123110" y="0"/>
                   </a:moveTo>
                   <a:lnTo>
-                    <a:pt x="1221004" y="56868"/>
-                  </a:lnTo>
-                  <a:lnTo>
-                    <a:pt x="1177397" y="113737"/>
-                  </a:lnTo>
-                  <a:lnTo>
-                    <a:pt x="1133789" y="170605"/>
-                  </a:lnTo>
-                  <a:lnTo>
-                    <a:pt x="1090182" y="227474"/>
-                  </a:lnTo>
-                  <a:lnTo>
-                    <a:pt x="1046575" y="284343"/>
-                  </a:lnTo>
-                  <a:lnTo>
-                    <a:pt x="1002967" y="341211"/>
-                  </a:lnTo>
-                  <a:lnTo>
-                    <a:pt x="959360" y="398080"/>
-                  </a:lnTo>
-                  <a:lnTo>
-                    <a:pt x="915753" y="454948"/>
-                  </a:lnTo>
-                  <a:lnTo>
-                    <a:pt x="872146" y="511817"/>
-                  </a:lnTo>
-                  <a:lnTo>
-                    <a:pt x="828538" y="568686"/>
-                  </a:lnTo>
-                  <a:lnTo>
-                    <a:pt x="784931" y="625554"/>
-                  </a:lnTo>
-                  <a:lnTo>
-                    <a:pt x="741324" y="682423"/>
-                  </a:lnTo>
-                  <a:lnTo>
-                    <a:pt x="697716" y="739291"/>
-                  </a:lnTo>
-                  <a:lnTo>
-                    <a:pt x="654109" y="796160"/>
-                  </a:lnTo>
-                  <a:lnTo>
-                    <a:pt x="610502" y="853029"/>
-                  </a:lnTo>
-                  <a:lnTo>
-                    <a:pt x="566894" y="909897"/>
-                  </a:lnTo>
-                  <a:lnTo>
-                    <a:pt x="523287" y="966766"/>
-                  </a:lnTo>
-                  <a:lnTo>
-                    <a:pt x="479680" y="1023634"/>
-                  </a:lnTo>
-                  <a:lnTo>
-                    <a:pt x="436073" y="1080503"/>
-                  </a:lnTo>
-                  <a:lnTo>
-                    <a:pt x="392465" y="1137372"/>
-                  </a:lnTo>
-                  <a:lnTo>
-                    <a:pt x="348858" y="1194240"/>
-                  </a:lnTo>
-                  <a:lnTo>
-                    <a:pt x="305251" y="1251109"/>
-                  </a:lnTo>
-                  <a:lnTo>
-                    <a:pt x="261643" y="1307977"/>
-                  </a:lnTo>
-                  <a:lnTo>
-                    <a:pt x="218036" y="1364846"/>
-                  </a:lnTo>
-                  <a:lnTo>
-                    <a:pt x="174429" y="1421715"/>
-                  </a:lnTo>
-                  <a:lnTo>
-                    <a:pt x="130821" y="1478583"/>
-                  </a:lnTo>
-                  <a:lnTo>
-                    <a:pt x="87214" y="1535452"/>
-                  </a:lnTo>
-                  <a:lnTo>
-                    <a:pt x="43607" y="1592320"/>
-                  </a:lnTo>
-                  <a:lnTo>
-                    <a:pt x="0" y="1649189"/>
-                  </a:lnTo>
-                  <a:lnTo>
-                    <a:pt x="56875" y="1691284"/>
-                  </a:lnTo>
-                  <a:lnTo>
-                    <a:pt x="115151" y="1731418"/>
-                  </a:lnTo>
-                  <a:lnTo>
-                    <a:pt x="174759" y="1769545"/>
-                  </a:lnTo>
-                  <a:lnTo>
-                    <a:pt x="235631" y="1805621"/>
-                  </a:lnTo>
-                  <a:lnTo>
-                    <a:pt x="297696" y="1839604"/>
-                  </a:lnTo>
-                  <a:lnTo>
-                    <a:pt x="360881" y="1871454"/>
-                  </a:lnTo>
-                  <a:lnTo>
-                    <a:pt x="425114" y="1901134"/>
-                  </a:lnTo>
-                  <a:lnTo>
-                    <a:pt x="490321" y="1928611"/>
-                  </a:lnTo>
-                  <a:lnTo>
-                    <a:pt x="556425" y="1953852"/>
-                  </a:lnTo>
-                  <a:lnTo>
-                    <a:pt x="623349" y="1976828"/>
-                  </a:lnTo>
-                  <a:lnTo>
-                    <a:pt x="691018" y="1997513"/>
-                  </a:lnTo>
-                  <a:lnTo>
-                    <a:pt x="759351" y="2015882"/>
-                  </a:lnTo>
-                  <a:lnTo>
-                    <a:pt x="828270" y="2031914"/>
-                  </a:lnTo>
-                  <a:lnTo>
-                    <a:pt x="897694" y="2045590"/>
-                  </a:lnTo>
-                  <a:lnTo>
-                    <a:pt x="967544" y="2056895"/>
-                  </a:lnTo>
-                  <a:lnTo>
-                    <a:pt x="1037739" y="2065816"/>
-                  </a:lnTo>
-                  <a:lnTo>
-                    <a:pt x="1108196" y="2072342"/>
-                  </a:lnTo>
-                  <a:lnTo>
-                    <a:pt x="1178835" y="2076466"/>
-                  </a:lnTo>
-                  <a:lnTo>
-                    <a:pt x="1249573" y="2078182"/>
-                  </a:lnTo>
-                  <a:lnTo>
-                    <a:pt x="1320329" y="2077490"/>
-                  </a:lnTo>
-                  <a:lnTo>
-                    <a:pt x="1391020" y="2074389"/>
-                  </a:lnTo>
-                  <a:lnTo>
-                    <a:pt x="1461564" y="2068883"/>
-                  </a:lnTo>
-                  <a:lnTo>
-                    <a:pt x="1531880" y="2060979"/>
-                  </a:lnTo>
-                  <a:lnTo>
-                    <a:pt x="1522664" y="1989911"/>
-                  </a:lnTo>
-                  <a:lnTo>
-                    <a:pt x="1513448" y="1918843"/>
-                  </a:lnTo>
-                  <a:lnTo>
-                    <a:pt x="1504232" y="1847774"/>
-                  </a:lnTo>
-                  <a:lnTo>
-                    <a:pt x="1495015" y="1776706"/>
-                  </a:lnTo>
-                  <a:lnTo>
-                    <a:pt x="1485799" y="1705638"/>
-                  </a:lnTo>
-                  <a:lnTo>
-                    <a:pt x="1476583" y="1634569"/>
-                  </a:lnTo>
-                  <a:lnTo>
-                    <a:pt x="1467367" y="1563501"/>
-                  </a:lnTo>
-                  <a:lnTo>
-                    <a:pt x="1458151" y="1492433"/>
-                  </a:lnTo>
-                  <a:lnTo>
-                    <a:pt x="1448935" y="1421365"/>
-                  </a:lnTo>
-                  <a:lnTo>
-                    <a:pt x="1439718" y="1350296"/>
-                  </a:lnTo>
-                  <a:lnTo>
-                    <a:pt x="1430502" y="1279228"/>
-                  </a:lnTo>
-                  <a:lnTo>
-                    <a:pt x="1421286" y="1208160"/>
-                  </a:lnTo>
-                  <a:lnTo>
-                    <a:pt x="1412070" y="1137092"/>
-                  </a:lnTo>
-                  <a:lnTo>
-                    <a:pt x="1402854" y="1066023"/>
-                  </a:lnTo>
-                  <a:lnTo>
-                    <a:pt x="1393638" y="994955"/>
-                  </a:lnTo>
-                  <a:lnTo>
-                    <a:pt x="1384421" y="923887"/>
-                  </a:lnTo>
-                  <a:lnTo>
-                    <a:pt x="1375205" y="852819"/>
-                  </a:lnTo>
-                  <a:lnTo>
-                    <a:pt x="1365989" y="781750"/>
-                  </a:lnTo>
-                  <a:lnTo>
-                    <a:pt x="1356773" y="710682"/>
-                  </a:lnTo>
-                  <a:lnTo>
-                    <a:pt x="1347557" y="639614"/>
-                  </a:lnTo>
-                  <a:lnTo>
-                    <a:pt x="1338341" y="568546"/>
-                  </a:lnTo>
-                  <a:lnTo>
-                    <a:pt x="1329124" y="497477"/>
-                  </a:lnTo>
-                  <a:lnTo>
-                    <a:pt x="1319908" y="426409"/>
-                  </a:lnTo>
-                  <a:lnTo>
-                    <a:pt x="1310692" y="355341"/>
-                  </a:lnTo>
-                  <a:lnTo>
-                    <a:pt x="1301476" y="284273"/>
-                  </a:lnTo>
-                  <a:lnTo>
-                    <a:pt x="1292260" y="213204"/>
-                  </a:lnTo>
-                  <a:lnTo>
-                    <a:pt x="1283044" y="142136"/>
-                  </a:lnTo>
-                  <a:lnTo>
-                    <a:pt x="1273827" y="71068"/>
+                    <a:pt x="1084382" y="50505"/>
+                  </a:lnTo>
+                  <a:lnTo>
+                    <a:pt x="1045654" y="101010"/>
+                  </a:lnTo>
+                  <a:lnTo>
+                    <a:pt x="1006926" y="151516"/>
+                  </a:lnTo>
+                  <a:lnTo>
+                    <a:pt x="968198" y="202021"/>
+                  </a:lnTo>
+                  <a:lnTo>
+                    <a:pt x="929470" y="252526"/>
+                  </a:lnTo>
+                  <a:lnTo>
+                    <a:pt x="890742" y="303032"/>
+                  </a:lnTo>
+                  <a:lnTo>
+                    <a:pt x="852014" y="353537"/>
+                  </a:lnTo>
+                  <a:lnTo>
+                    <a:pt x="813286" y="404043"/>
+                  </a:lnTo>
+                  <a:lnTo>
+                    <a:pt x="774558" y="454548"/>
+                  </a:lnTo>
+                  <a:lnTo>
+                    <a:pt x="735830" y="505053"/>
+                  </a:lnTo>
+                  <a:lnTo>
+                    <a:pt x="697102" y="555559"/>
+                  </a:lnTo>
+                  <a:lnTo>
+                    <a:pt x="658374" y="606064"/>
+                  </a:lnTo>
+                  <a:lnTo>
+                    <a:pt x="619646" y="656569"/>
+                  </a:lnTo>
+                  <a:lnTo>
+                    <a:pt x="580919" y="707075"/>
+                  </a:lnTo>
+                  <a:lnTo>
+                    <a:pt x="542191" y="757580"/>
+                  </a:lnTo>
+                  <a:lnTo>
+                    <a:pt x="503463" y="808086"/>
+                  </a:lnTo>
+                  <a:lnTo>
+                    <a:pt x="464735" y="858591"/>
+                  </a:lnTo>
+                  <a:lnTo>
+                    <a:pt x="426007" y="909096"/>
+                  </a:lnTo>
+                  <a:lnTo>
+                    <a:pt x="387279" y="959602"/>
+                  </a:lnTo>
+                  <a:lnTo>
+                    <a:pt x="348551" y="1010107"/>
+                  </a:lnTo>
+                  <a:lnTo>
+                    <a:pt x="309823" y="1060613"/>
+                  </a:lnTo>
+                  <a:lnTo>
+                    <a:pt x="271095" y="1111118"/>
+                  </a:lnTo>
+                  <a:lnTo>
+                    <a:pt x="232367" y="1161623"/>
+                  </a:lnTo>
+                  <a:lnTo>
+                    <a:pt x="193639" y="1212129"/>
+                  </a:lnTo>
+                  <a:lnTo>
+                    <a:pt x="154911" y="1262634"/>
+                  </a:lnTo>
+                  <a:lnTo>
+                    <a:pt x="116183" y="1313139"/>
+                  </a:lnTo>
+                  <a:lnTo>
+                    <a:pt x="77455" y="1363645"/>
+                  </a:lnTo>
+                  <a:lnTo>
+                    <a:pt x="38727" y="1414150"/>
+                  </a:lnTo>
+                  <a:lnTo>
+                    <a:pt x="0" y="1464656"/>
+                  </a:lnTo>
+                  <a:lnTo>
+                    <a:pt x="50511" y="1502040"/>
+                  </a:lnTo>
+                  <a:lnTo>
+                    <a:pt x="102266" y="1537684"/>
+                  </a:lnTo>
+                  <a:lnTo>
+                    <a:pt x="155205" y="1571545"/>
+                  </a:lnTo>
+                  <a:lnTo>
+                    <a:pt x="209266" y="1603584"/>
+                  </a:lnTo>
+                  <a:lnTo>
+                    <a:pt x="264386" y="1633764"/>
+                  </a:lnTo>
+                  <a:lnTo>
+                    <a:pt x="320501" y="1662050"/>
+                  </a:lnTo>
+                  <a:lnTo>
+                    <a:pt x="377547" y="1688410"/>
+                  </a:lnTo>
+                  <a:lnTo>
+                    <a:pt x="435457" y="1712812"/>
+                  </a:lnTo>
+                  <a:lnTo>
+                    <a:pt x="494164" y="1735229"/>
+                  </a:lnTo>
+                  <a:lnTo>
+                    <a:pt x="553601" y="1755634"/>
+                  </a:lnTo>
+                  <a:lnTo>
+                    <a:pt x="613697" y="1774004"/>
+                  </a:lnTo>
+                  <a:lnTo>
+                    <a:pt x="674384" y="1790318"/>
+                  </a:lnTo>
+                  <a:lnTo>
+                    <a:pt x="735592" y="1804556"/>
+                  </a:lnTo>
+                  <a:lnTo>
+                    <a:pt x="797248" y="1816702"/>
+                  </a:lnTo>
+                  <a:lnTo>
+                    <a:pt x="859282" y="1826742"/>
+                  </a:lnTo>
+                  <a:lnTo>
+                    <a:pt x="921623" y="1834665"/>
+                  </a:lnTo>
+                  <a:lnTo>
+                    <a:pt x="984196" y="1840461"/>
+                  </a:lnTo>
+                  <a:lnTo>
+                    <a:pt x="1046931" y="1844123"/>
+                  </a:lnTo>
+                  <a:lnTo>
+                    <a:pt x="1109754" y="1845647"/>
+                  </a:lnTo>
+                  <a:lnTo>
+                    <a:pt x="1172592" y="1845032"/>
+                  </a:lnTo>
+                  <a:lnTo>
+                    <a:pt x="1235374" y="1842278"/>
+                  </a:lnTo>
+                  <a:lnTo>
+                    <a:pt x="1298025" y="1837389"/>
+                  </a:lnTo>
+                  <a:lnTo>
+                    <a:pt x="1360473" y="1830369"/>
+                  </a:lnTo>
+                  <a:lnTo>
+                    <a:pt x="1352288" y="1767253"/>
+                  </a:lnTo>
+                  <a:lnTo>
+                    <a:pt x="1344103" y="1704137"/>
+                  </a:lnTo>
+                  <a:lnTo>
+                    <a:pt x="1335918" y="1641020"/>
+                  </a:lnTo>
+                  <a:lnTo>
+                    <a:pt x="1327733" y="1577904"/>
+                  </a:lnTo>
+                  <a:lnTo>
+                    <a:pt x="1319548" y="1514788"/>
+                  </a:lnTo>
+                  <a:lnTo>
+                    <a:pt x="1311363" y="1451672"/>
+                  </a:lnTo>
+                  <a:lnTo>
+                    <a:pt x="1303178" y="1388556"/>
+                  </a:lnTo>
+                  <a:lnTo>
+                    <a:pt x="1294993" y="1325439"/>
+                  </a:lnTo>
+                  <a:lnTo>
+                    <a:pt x="1286808" y="1262323"/>
+                  </a:lnTo>
+                  <a:lnTo>
+                    <a:pt x="1278623" y="1199207"/>
+                  </a:lnTo>
+                  <a:lnTo>
+                    <a:pt x="1270438" y="1136091"/>
+                  </a:lnTo>
+                  <a:lnTo>
+                    <a:pt x="1262254" y="1072975"/>
+                  </a:lnTo>
+                  <a:lnTo>
+                    <a:pt x="1254069" y="1009859"/>
+                  </a:lnTo>
+                  <a:lnTo>
+                    <a:pt x="1245884" y="946742"/>
+                  </a:lnTo>
+                  <a:lnTo>
+                    <a:pt x="1237699" y="883626"/>
+                  </a:lnTo>
+                  <a:lnTo>
+                    <a:pt x="1229514" y="820510"/>
+                  </a:lnTo>
+                  <a:lnTo>
+                    <a:pt x="1221329" y="757394"/>
+                  </a:lnTo>
+                  <a:lnTo>
+                    <a:pt x="1213144" y="694278"/>
+                  </a:lnTo>
+                  <a:lnTo>
+                    <a:pt x="1204959" y="631161"/>
+                  </a:lnTo>
+                  <a:lnTo>
+                    <a:pt x="1196774" y="568045"/>
+                  </a:lnTo>
+                  <a:lnTo>
+                    <a:pt x="1188589" y="504929"/>
+                  </a:lnTo>
+                  <a:lnTo>
+                    <a:pt x="1180404" y="441813"/>
+                  </a:lnTo>
+                  <a:lnTo>
+                    <a:pt x="1172219" y="378697"/>
+                  </a:lnTo>
+                  <a:lnTo>
+                    <a:pt x="1164034" y="315580"/>
+                  </a:lnTo>
+                  <a:lnTo>
+                    <a:pt x="1155849" y="252464"/>
+                  </a:lnTo>
+                  <a:lnTo>
+                    <a:pt x="1147664" y="189348"/>
+                  </a:lnTo>
+                  <a:lnTo>
+                    <a:pt x="1139479" y="126232"/>
+                  </a:lnTo>
+                  <a:lnTo>
+                    <a:pt x="1131295" y="63116"/>
                   </a:lnTo>
                   <a:close/>
                 </a:path>
@@ -6542,252 +6996,252 @@
           </p:nvSpPr>
           <p:spPr>
             <a:xfrm>
-              <a:off x="2560702" y="4060984"/>
-              <a:ext cx="2048405" cy="1649189"/>
+              <a:off x="2789905" y="3770308"/>
+              <a:ext cx="1819202" cy="1464656"/>
             </a:xfrm>
             <a:custGeom>
               <a:avLst/>
               <a:pathLst>
-                <a:path w="2048405" h="1649189">
+                <a:path w="1819202" h="1464656">
                   <a:moveTo>
-                    <a:pt x="2048405" y="0"/>
+                    <a:pt x="1819202" y="0"/>
                   </a:moveTo>
                   <a:lnTo>
-                    <a:pt x="1977771" y="12098"/>
-                  </a:lnTo>
-                  <a:lnTo>
-                    <a:pt x="1907136" y="24197"/>
-                  </a:lnTo>
-                  <a:lnTo>
-                    <a:pt x="1836501" y="36295"/>
-                  </a:lnTo>
-                  <a:lnTo>
-                    <a:pt x="1765867" y="48394"/>
-                  </a:lnTo>
-                  <a:lnTo>
-                    <a:pt x="1695232" y="60493"/>
-                  </a:lnTo>
-                  <a:lnTo>
-                    <a:pt x="1624597" y="72591"/>
-                  </a:lnTo>
-                  <a:lnTo>
-                    <a:pt x="1553963" y="84690"/>
-                  </a:lnTo>
-                  <a:lnTo>
-                    <a:pt x="1483328" y="96788"/>
-                  </a:lnTo>
-                  <a:lnTo>
-                    <a:pt x="1412693" y="108887"/>
-                  </a:lnTo>
-                  <a:lnTo>
-                    <a:pt x="1342059" y="120986"/>
-                  </a:lnTo>
-                  <a:lnTo>
-                    <a:pt x="1271424" y="133084"/>
-                  </a:lnTo>
-                  <a:lnTo>
-                    <a:pt x="1200789" y="145183"/>
-                  </a:lnTo>
-                  <a:lnTo>
-                    <a:pt x="1130154" y="157281"/>
-                  </a:lnTo>
-                  <a:lnTo>
-                    <a:pt x="1059520" y="169380"/>
-                  </a:lnTo>
-                  <a:lnTo>
-                    <a:pt x="988885" y="181479"/>
-                  </a:lnTo>
-                  <a:lnTo>
-                    <a:pt x="918250" y="193577"/>
-                  </a:lnTo>
-                  <a:lnTo>
-                    <a:pt x="847616" y="205676"/>
-                  </a:lnTo>
-                  <a:lnTo>
-                    <a:pt x="776981" y="217774"/>
-                  </a:lnTo>
-                  <a:lnTo>
-                    <a:pt x="706346" y="229873"/>
-                  </a:lnTo>
-                  <a:lnTo>
-                    <a:pt x="635712" y="241972"/>
-                  </a:lnTo>
-                  <a:lnTo>
-                    <a:pt x="565077" y="254070"/>
-                  </a:lnTo>
-                  <a:lnTo>
-                    <a:pt x="494442" y="266169"/>
-                  </a:lnTo>
-                  <a:lnTo>
-                    <a:pt x="423808" y="278267"/>
-                  </a:lnTo>
-                  <a:lnTo>
-                    <a:pt x="353173" y="290366"/>
-                  </a:lnTo>
-                  <a:lnTo>
-                    <a:pt x="282538" y="302465"/>
-                  </a:lnTo>
-                  <a:lnTo>
-                    <a:pt x="211904" y="314563"/>
-                  </a:lnTo>
-                  <a:lnTo>
-                    <a:pt x="141269" y="326662"/>
-                  </a:lnTo>
-                  <a:lnTo>
-                    <a:pt x="70634" y="338760"/>
-                  </a:lnTo>
-                  <a:lnTo>
-                    <a:pt x="0" y="350859"/>
-                  </a:lnTo>
-                  <a:lnTo>
-                    <a:pt x="13091" y="420195"/>
-                  </a:lnTo>
-                  <a:lnTo>
-                    <a:pt x="28529" y="489046"/>
-                  </a:lnTo>
-                  <a:lnTo>
-                    <a:pt x="46295" y="557334"/>
-                  </a:lnTo>
-                  <a:lnTo>
-                    <a:pt x="66369" y="624979"/>
-                  </a:lnTo>
-                  <a:lnTo>
-                    <a:pt x="88728" y="691904"/>
-                  </a:lnTo>
-                  <a:lnTo>
-                    <a:pt x="113345" y="758031"/>
-                  </a:lnTo>
-                  <a:lnTo>
-                    <a:pt x="140194" y="823285"/>
-                  </a:lnTo>
-                  <a:lnTo>
-                    <a:pt x="169242" y="887589"/>
-                  </a:lnTo>
-                  <a:lnTo>
-                    <a:pt x="200457" y="950870"/>
-                  </a:lnTo>
-                  <a:lnTo>
-                    <a:pt x="233801" y="1013055"/>
-                  </a:lnTo>
-                  <a:lnTo>
-                    <a:pt x="269238" y="1074072"/>
-                  </a:lnTo>
-                  <a:lnTo>
-                    <a:pt x="306725" y="1133851"/>
-                  </a:lnTo>
-                  <a:lnTo>
-                    <a:pt x="346221" y="1192323"/>
-                  </a:lnTo>
-                  <a:lnTo>
-                    <a:pt x="387678" y="1249421"/>
-                  </a:lnTo>
-                  <a:lnTo>
-                    <a:pt x="431050" y="1305078"/>
-                  </a:lnTo>
-                  <a:lnTo>
-                    <a:pt x="476286" y="1359231"/>
-                  </a:lnTo>
-                  <a:lnTo>
-                    <a:pt x="523335" y="1411817"/>
-                  </a:lnTo>
-                  <a:lnTo>
-                    <a:pt x="572141" y="1462775"/>
-                  </a:lnTo>
-                  <a:lnTo>
-                    <a:pt x="622650" y="1512048"/>
-                  </a:lnTo>
-                  <a:lnTo>
-                    <a:pt x="674801" y="1559577"/>
-                  </a:lnTo>
-                  <a:lnTo>
-                    <a:pt x="728537" y="1605308"/>
-                  </a:lnTo>
-                  <a:lnTo>
-                    <a:pt x="783794" y="1649189"/>
-                  </a:lnTo>
-                  <a:lnTo>
-                    <a:pt x="827401" y="1592320"/>
-                  </a:lnTo>
-                  <a:lnTo>
-                    <a:pt x="871008" y="1535452"/>
-                  </a:lnTo>
-                  <a:lnTo>
-                    <a:pt x="914616" y="1478583"/>
-                  </a:lnTo>
-                  <a:lnTo>
-                    <a:pt x="958223" y="1421715"/>
-                  </a:lnTo>
-                  <a:lnTo>
-                    <a:pt x="1001830" y="1364846"/>
-                  </a:lnTo>
-                  <a:lnTo>
-                    <a:pt x="1045437" y="1307977"/>
-                  </a:lnTo>
-                  <a:lnTo>
-                    <a:pt x="1089045" y="1251109"/>
-                  </a:lnTo>
-                  <a:lnTo>
-                    <a:pt x="1132652" y="1194240"/>
-                  </a:lnTo>
-                  <a:lnTo>
-                    <a:pt x="1176259" y="1137372"/>
-                  </a:lnTo>
-                  <a:lnTo>
-                    <a:pt x="1219867" y="1080503"/>
-                  </a:lnTo>
-                  <a:lnTo>
-                    <a:pt x="1263474" y="1023634"/>
-                  </a:lnTo>
-                  <a:lnTo>
-                    <a:pt x="1307081" y="966766"/>
-                  </a:lnTo>
-                  <a:lnTo>
-                    <a:pt x="1350689" y="909897"/>
-                  </a:lnTo>
-                  <a:lnTo>
-                    <a:pt x="1394296" y="853029"/>
-                  </a:lnTo>
-                  <a:lnTo>
-                    <a:pt x="1437903" y="796160"/>
-                  </a:lnTo>
-                  <a:lnTo>
-                    <a:pt x="1481510" y="739291"/>
-                  </a:lnTo>
-                  <a:lnTo>
-                    <a:pt x="1525118" y="682423"/>
-                  </a:lnTo>
-                  <a:lnTo>
-                    <a:pt x="1568725" y="625554"/>
-                  </a:lnTo>
-                  <a:lnTo>
-                    <a:pt x="1612332" y="568686"/>
-                  </a:lnTo>
-                  <a:lnTo>
-                    <a:pt x="1655940" y="511817"/>
-                  </a:lnTo>
-                  <a:lnTo>
-                    <a:pt x="1699547" y="454948"/>
-                  </a:lnTo>
-                  <a:lnTo>
-                    <a:pt x="1743154" y="398080"/>
-                  </a:lnTo>
-                  <a:lnTo>
-                    <a:pt x="1786762" y="341211"/>
-                  </a:lnTo>
-                  <a:lnTo>
-                    <a:pt x="1830369" y="284343"/>
-                  </a:lnTo>
-                  <a:lnTo>
-                    <a:pt x="1873976" y="227474"/>
-                  </a:lnTo>
-                  <a:lnTo>
-                    <a:pt x="1917584" y="170605"/>
-                  </a:lnTo>
-                  <a:lnTo>
-                    <a:pt x="1961191" y="113737"/>
-                  </a:lnTo>
-                  <a:lnTo>
-                    <a:pt x="2004798" y="56868"/>
+                    <a:pt x="1756471" y="10744"/>
+                  </a:lnTo>
+                  <a:lnTo>
+                    <a:pt x="1693740" y="21489"/>
+                  </a:lnTo>
+                  <a:lnTo>
+                    <a:pt x="1631009" y="32234"/>
+                  </a:lnTo>
+                  <a:lnTo>
+                    <a:pt x="1568278" y="42979"/>
+                  </a:lnTo>
+                  <a:lnTo>
+                    <a:pt x="1505547" y="53724"/>
+                  </a:lnTo>
+                  <a:lnTo>
+                    <a:pt x="1442816" y="64469"/>
+                  </a:lnTo>
+                  <a:lnTo>
+                    <a:pt x="1380084" y="75213"/>
+                  </a:lnTo>
+                  <a:lnTo>
+                    <a:pt x="1317353" y="85958"/>
+                  </a:lnTo>
+                  <a:lnTo>
+                    <a:pt x="1254622" y="96703"/>
+                  </a:lnTo>
+                  <a:lnTo>
+                    <a:pt x="1191891" y="107448"/>
+                  </a:lnTo>
+                  <a:lnTo>
+                    <a:pt x="1129160" y="118193"/>
+                  </a:lnTo>
+                  <a:lnTo>
+                    <a:pt x="1066429" y="128938"/>
+                  </a:lnTo>
+                  <a:lnTo>
+                    <a:pt x="1003698" y="139683"/>
+                  </a:lnTo>
+                  <a:lnTo>
+                    <a:pt x="940966" y="150427"/>
+                  </a:lnTo>
+                  <a:lnTo>
+                    <a:pt x="878235" y="161172"/>
+                  </a:lnTo>
+                  <a:lnTo>
+                    <a:pt x="815504" y="171917"/>
+                  </a:lnTo>
+                  <a:lnTo>
+                    <a:pt x="752773" y="182662"/>
+                  </a:lnTo>
+                  <a:lnTo>
+                    <a:pt x="690042" y="193407"/>
+                  </a:lnTo>
+                  <a:lnTo>
+                    <a:pt x="627311" y="204152"/>
+                  </a:lnTo>
+                  <a:lnTo>
+                    <a:pt x="564580" y="214897"/>
+                  </a:lnTo>
+                  <a:lnTo>
+                    <a:pt x="501849" y="225641"/>
+                  </a:lnTo>
+                  <a:lnTo>
+                    <a:pt x="439117" y="236386"/>
+                  </a:lnTo>
+                  <a:lnTo>
+                    <a:pt x="376386" y="247131"/>
+                  </a:lnTo>
+                  <a:lnTo>
+                    <a:pt x="313655" y="257876"/>
+                  </a:lnTo>
+                  <a:lnTo>
+                    <a:pt x="250924" y="268621"/>
+                  </a:lnTo>
+                  <a:lnTo>
+                    <a:pt x="188193" y="279366"/>
+                  </a:lnTo>
+                  <a:lnTo>
+                    <a:pt x="125462" y="290111"/>
+                  </a:lnTo>
+                  <a:lnTo>
+                    <a:pt x="62731" y="300855"/>
+                  </a:lnTo>
+                  <a:lnTo>
+                    <a:pt x="0" y="311600"/>
+                  </a:lnTo>
+                  <a:lnTo>
+                    <a:pt x="11626" y="373178"/>
+                  </a:lnTo>
+                  <a:lnTo>
+                    <a:pt x="25336" y="434325"/>
+                  </a:lnTo>
+                  <a:lnTo>
+                    <a:pt x="41115" y="494972"/>
+                  </a:lnTo>
+                  <a:lnTo>
+                    <a:pt x="58942" y="555048"/>
+                  </a:lnTo>
+                  <a:lnTo>
+                    <a:pt x="78799" y="614485"/>
+                  </a:lnTo>
+                  <a:lnTo>
+                    <a:pt x="100663" y="673213"/>
+                  </a:lnTo>
+                  <a:lnTo>
+                    <a:pt x="124507" y="731164"/>
+                  </a:lnTo>
+                  <a:lnTo>
+                    <a:pt x="150305" y="788274"/>
+                  </a:lnTo>
+                  <a:lnTo>
+                    <a:pt x="178027" y="844474"/>
+                  </a:lnTo>
+                  <a:lnTo>
+                    <a:pt x="207641" y="899701"/>
+                  </a:lnTo>
+                  <a:lnTo>
+                    <a:pt x="239112" y="953891"/>
+                  </a:lnTo>
+                  <a:lnTo>
+                    <a:pt x="272405" y="1006981"/>
+                  </a:lnTo>
+                  <a:lnTo>
+                    <a:pt x="307481" y="1058910"/>
+                  </a:lnTo>
+                  <a:lnTo>
+                    <a:pt x="344299" y="1109619"/>
+                  </a:lnTo>
+                  <a:lnTo>
+                    <a:pt x="382818" y="1159048"/>
+                  </a:lnTo>
+                  <a:lnTo>
+                    <a:pt x="422993" y="1207142"/>
+                  </a:lnTo>
+                  <a:lnTo>
+                    <a:pt x="464777" y="1253844"/>
+                  </a:lnTo>
+                  <a:lnTo>
+                    <a:pt x="508122" y="1299100"/>
+                  </a:lnTo>
+                  <a:lnTo>
+                    <a:pt x="552979" y="1342859"/>
+                  </a:lnTo>
+                  <a:lnTo>
+                    <a:pt x="599296" y="1385070"/>
+                  </a:lnTo>
+                  <a:lnTo>
+                    <a:pt x="647018" y="1425685"/>
+                  </a:lnTo>
+                  <a:lnTo>
+                    <a:pt x="696092" y="1464656"/>
+                  </a:lnTo>
+                  <a:lnTo>
+                    <a:pt x="734820" y="1414150"/>
+                  </a:lnTo>
+                  <a:lnTo>
+                    <a:pt x="773548" y="1363645"/>
+                  </a:lnTo>
+                  <a:lnTo>
+                    <a:pt x="812276" y="1313139"/>
+                  </a:lnTo>
+                  <a:lnTo>
+                    <a:pt x="851004" y="1262634"/>
+                  </a:lnTo>
+                  <a:lnTo>
+                    <a:pt x="889732" y="1212129"/>
+                  </a:lnTo>
+                  <a:lnTo>
+                    <a:pt x="928460" y="1161623"/>
+                  </a:lnTo>
+                  <a:lnTo>
+                    <a:pt x="967188" y="1111118"/>
+                  </a:lnTo>
+                  <a:lnTo>
+                    <a:pt x="1005916" y="1060613"/>
+                  </a:lnTo>
+                  <a:lnTo>
+                    <a:pt x="1044644" y="1010107"/>
+                  </a:lnTo>
+                  <a:lnTo>
+                    <a:pt x="1083372" y="959602"/>
+                  </a:lnTo>
+                  <a:lnTo>
+                    <a:pt x="1122099" y="909096"/>
+                  </a:lnTo>
+                  <a:lnTo>
+                    <a:pt x="1160827" y="858591"/>
+                  </a:lnTo>
+                  <a:lnTo>
+                    <a:pt x="1199555" y="808086"/>
+                  </a:lnTo>
+                  <a:lnTo>
+                    <a:pt x="1238283" y="757580"/>
+                  </a:lnTo>
+                  <a:lnTo>
+                    <a:pt x="1277011" y="707075"/>
+                  </a:lnTo>
+                  <a:lnTo>
+                    <a:pt x="1315739" y="656569"/>
+                  </a:lnTo>
+                  <a:lnTo>
+                    <a:pt x="1354467" y="606064"/>
+                  </a:lnTo>
+                  <a:lnTo>
+                    <a:pt x="1393195" y="555559"/>
+                  </a:lnTo>
+                  <a:lnTo>
+                    <a:pt x="1431923" y="505053"/>
+                  </a:lnTo>
+                  <a:lnTo>
+                    <a:pt x="1470651" y="454548"/>
+                  </a:lnTo>
+                  <a:lnTo>
+                    <a:pt x="1509379" y="404043"/>
+                  </a:lnTo>
+                  <a:lnTo>
+                    <a:pt x="1548107" y="353537"/>
+                  </a:lnTo>
+                  <a:lnTo>
+                    <a:pt x="1586835" y="303032"/>
+                  </a:lnTo>
+                  <a:lnTo>
+                    <a:pt x="1625563" y="252526"/>
+                  </a:lnTo>
+                  <a:lnTo>
+                    <a:pt x="1664291" y="202021"/>
+                  </a:lnTo>
+                  <a:lnTo>
+                    <a:pt x="1703018" y="151516"/>
+                  </a:lnTo>
+                  <a:lnTo>
+                    <a:pt x="1741746" y="101010"/>
+                  </a:lnTo>
+                  <a:lnTo>
+                    <a:pt x="1780474" y="50505"/>
                   </a:lnTo>
                   <a:close/>
                 </a:path>
@@ -6822,237 +7276,237 @@
           </p:nvSpPr>
           <p:spPr>
             <a:xfrm>
-              <a:off x="2530873" y="3228593"/>
-              <a:ext cx="2078234" cy="1183250"/>
+              <a:off x="2763414" y="3031056"/>
+              <a:ext cx="1845694" cy="1050852"/>
             </a:xfrm>
             <a:custGeom>
               <a:avLst/>
               <a:pathLst>
-                <a:path w="2078234" h="1183250">
+                <a:path w="1845694" h="1050852">
                   <a:moveTo>
-                    <a:pt x="2078234" y="832390"/>
+                    <a:pt x="1845694" y="739251"/>
                   </a:moveTo>
                   <a:lnTo>
-                    <a:pt x="2012570" y="803687"/>
-                  </a:lnTo>
-                  <a:lnTo>
-                    <a:pt x="1946906" y="774984"/>
-                  </a:lnTo>
-                  <a:lnTo>
-                    <a:pt x="1881242" y="746281"/>
-                  </a:lnTo>
-                  <a:lnTo>
-                    <a:pt x="1815578" y="717578"/>
-                  </a:lnTo>
-                  <a:lnTo>
-                    <a:pt x="1749914" y="688875"/>
-                  </a:lnTo>
-                  <a:lnTo>
-                    <a:pt x="1684250" y="660172"/>
-                  </a:lnTo>
-                  <a:lnTo>
-                    <a:pt x="1618586" y="631468"/>
-                  </a:lnTo>
-                  <a:lnTo>
-                    <a:pt x="1552922" y="602765"/>
-                  </a:lnTo>
-                  <a:lnTo>
-                    <a:pt x="1487258" y="574062"/>
-                  </a:lnTo>
-                  <a:lnTo>
-                    <a:pt x="1421594" y="545359"/>
-                  </a:lnTo>
-                  <a:lnTo>
-                    <a:pt x="1355930" y="516656"/>
-                  </a:lnTo>
-                  <a:lnTo>
-                    <a:pt x="1290266" y="487953"/>
-                  </a:lnTo>
-                  <a:lnTo>
-                    <a:pt x="1224602" y="459250"/>
-                  </a:lnTo>
-                  <a:lnTo>
-                    <a:pt x="1158938" y="430547"/>
-                  </a:lnTo>
-                  <a:lnTo>
-                    <a:pt x="1093274" y="401843"/>
-                  </a:lnTo>
-                  <a:lnTo>
-                    <a:pt x="1027610" y="373140"/>
-                  </a:lnTo>
-                  <a:lnTo>
-                    <a:pt x="961946" y="344437"/>
-                  </a:lnTo>
-                  <a:lnTo>
-                    <a:pt x="896282" y="315734"/>
-                  </a:lnTo>
-                  <a:lnTo>
-                    <a:pt x="830618" y="287031"/>
-                  </a:lnTo>
-                  <a:lnTo>
-                    <a:pt x="764954" y="258328"/>
-                  </a:lnTo>
-                  <a:lnTo>
-                    <a:pt x="699290" y="229625"/>
-                  </a:lnTo>
-                  <a:lnTo>
-                    <a:pt x="633626" y="200921"/>
-                  </a:lnTo>
-                  <a:lnTo>
-                    <a:pt x="567962" y="172218"/>
-                  </a:lnTo>
-                  <a:lnTo>
-                    <a:pt x="502298" y="143515"/>
-                  </a:lnTo>
-                  <a:lnTo>
-                    <a:pt x="436634" y="114812"/>
-                  </a:lnTo>
-                  <a:lnTo>
-                    <a:pt x="370969" y="86109"/>
-                  </a:lnTo>
-                  <a:lnTo>
-                    <a:pt x="305305" y="57406"/>
-                  </a:lnTo>
-                  <a:lnTo>
-                    <a:pt x="239641" y="28703"/>
-                  </a:lnTo>
-                  <a:lnTo>
-                    <a:pt x="173977" y="0"/>
-                  </a:lnTo>
-                  <a:lnTo>
-                    <a:pt x="146614" y="65637"/>
-                  </a:lnTo>
-                  <a:lnTo>
-                    <a:pt x="121512" y="132172"/>
-                  </a:lnTo>
-                  <a:lnTo>
-                    <a:pt x="98701" y="199526"/>
-                  </a:lnTo>
-                  <a:lnTo>
-                    <a:pt x="78208" y="267622"/>
-                  </a:lnTo>
-                  <a:lnTo>
-                    <a:pt x="60056" y="336379"/>
-                  </a:lnTo>
-                  <a:lnTo>
-                    <a:pt x="44268" y="405717"/>
-                  </a:lnTo>
-                  <a:lnTo>
-                    <a:pt x="30861" y="475554"/>
-                  </a:lnTo>
-                  <a:lnTo>
-                    <a:pt x="19851" y="545810"/>
-                  </a:lnTo>
-                  <a:lnTo>
-                    <a:pt x="11252" y="616400"/>
-                  </a:lnTo>
-                  <a:lnTo>
-                    <a:pt x="5072" y="687244"/>
-                  </a:lnTo>
-                  <a:lnTo>
-                    <a:pt x="1320" y="758258"/>
-                  </a:lnTo>
-                  <a:lnTo>
-                    <a:pt x="0" y="829358"/>
-                  </a:lnTo>
-                  <a:lnTo>
-                    <a:pt x="1112" y="900462"/>
-                  </a:lnTo>
-                  <a:lnTo>
-                    <a:pt x="4657" y="971486"/>
-                  </a:lnTo>
-                  <a:lnTo>
-                    <a:pt x="10630" y="1042347"/>
-                  </a:lnTo>
-                  <a:lnTo>
-                    <a:pt x="19024" y="1112963"/>
-                  </a:lnTo>
-                  <a:lnTo>
-                    <a:pt x="29828" y="1183250"/>
-                  </a:lnTo>
-                  <a:lnTo>
-                    <a:pt x="100463" y="1171151"/>
-                  </a:lnTo>
-                  <a:lnTo>
-                    <a:pt x="171098" y="1159053"/>
-                  </a:lnTo>
-                  <a:lnTo>
-                    <a:pt x="241732" y="1146954"/>
-                  </a:lnTo>
-                  <a:lnTo>
-                    <a:pt x="312367" y="1134856"/>
-                  </a:lnTo>
-                  <a:lnTo>
-                    <a:pt x="383002" y="1122757"/>
-                  </a:lnTo>
-                  <a:lnTo>
-                    <a:pt x="453637" y="1110658"/>
-                  </a:lnTo>
-                  <a:lnTo>
-                    <a:pt x="524271" y="1098560"/>
-                  </a:lnTo>
-                  <a:lnTo>
-                    <a:pt x="594906" y="1086461"/>
-                  </a:lnTo>
-                  <a:lnTo>
-                    <a:pt x="665541" y="1074363"/>
-                  </a:lnTo>
-                  <a:lnTo>
-                    <a:pt x="736175" y="1062264"/>
-                  </a:lnTo>
-                  <a:lnTo>
-                    <a:pt x="806810" y="1050165"/>
-                  </a:lnTo>
-                  <a:lnTo>
-                    <a:pt x="877445" y="1038067"/>
-                  </a:lnTo>
-                  <a:lnTo>
-                    <a:pt x="948079" y="1025968"/>
-                  </a:lnTo>
-                  <a:lnTo>
-                    <a:pt x="1018714" y="1013870"/>
-                  </a:lnTo>
-                  <a:lnTo>
-                    <a:pt x="1089349" y="1001771"/>
-                  </a:lnTo>
-                  <a:lnTo>
-                    <a:pt x="1159983" y="989672"/>
-                  </a:lnTo>
-                  <a:lnTo>
-                    <a:pt x="1230618" y="977574"/>
-                  </a:lnTo>
-                  <a:lnTo>
-                    <a:pt x="1301253" y="965475"/>
-                  </a:lnTo>
-                  <a:lnTo>
-                    <a:pt x="1371887" y="953376"/>
-                  </a:lnTo>
-                  <a:lnTo>
-                    <a:pt x="1442522" y="941278"/>
-                  </a:lnTo>
-                  <a:lnTo>
-                    <a:pt x="1513157" y="929179"/>
-                  </a:lnTo>
-                  <a:lnTo>
-                    <a:pt x="1583792" y="917081"/>
-                  </a:lnTo>
-                  <a:lnTo>
-                    <a:pt x="1654426" y="904982"/>
-                  </a:lnTo>
-                  <a:lnTo>
-                    <a:pt x="1725061" y="892883"/>
-                  </a:lnTo>
-                  <a:lnTo>
-                    <a:pt x="1795696" y="880785"/>
-                  </a:lnTo>
-                  <a:lnTo>
-                    <a:pt x="1866330" y="868686"/>
-                  </a:lnTo>
-                  <a:lnTo>
-                    <a:pt x="1936965" y="856588"/>
-                  </a:lnTo>
-                  <a:lnTo>
-                    <a:pt x="2007600" y="844489"/>
+                    <a:pt x="1787377" y="713760"/>
+                  </a:lnTo>
+                  <a:lnTo>
+                    <a:pt x="1729060" y="688268"/>
+                  </a:lnTo>
+                  <a:lnTo>
+                    <a:pt x="1670744" y="662777"/>
+                  </a:lnTo>
+                  <a:lnTo>
+                    <a:pt x="1612427" y="637286"/>
+                  </a:lnTo>
+                  <a:lnTo>
+                    <a:pt x="1554110" y="611794"/>
+                  </a:lnTo>
+                  <a:lnTo>
+                    <a:pt x="1495794" y="586303"/>
+                  </a:lnTo>
+                  <a:lnTo>
+                    <a:pt x="1437477" y="560811"/>
+                  </a:lnTo>
+                  <a:lnTo>
+                    <a:pt x="1379160" y="535320"/>
+                  </a:lnTo>
+                  <a:lnTo>
+                    <a:pt x="1320844" y="509828"/>
+                  </a:lnTo>
+                  <a:lnTo>
+                    <a:pt x="1262527" y="484337"/>
+                  </a:lnTo>
+                  <a:lnTo>
+                    <a:pt x="1204210" y="458845"/>
+                  </a:lnTo>
+                  <a:lnTo>
+                    <a:pt x="1145894" y="433354"/>
+                  </a:lnTo>
+                  <a:lnTo>
+                    <a:pt x="1087577" y="407863"/>
+                  </a:lnTo>
+                  <a:lnTo>
+                    <a:pt x="1029260" y="382371"/>
+                  </a:lnTo>
+                  <a:lnTo>
+                    <a:pt x="970944" y="356880"/>
+                  </a:lnTo>
+                  <a:lnTo>
+                    <a:pt x="912627" y="331388"/>
+                  </a:lnTo>
+                  <a:lnTo>
+                    <a:pt x="854310" y="305897"/>
+                  </a:lnTo>
+                  <a:lnTo>
+                    <a:pt x="795994" y="280405"/>
+                  </a:lnTo>
+                  <a:lnTo>
+                    <a:pt x="737677" y="254914"/>
+                  </a:lnTo>
+                  <a:lnTo>
+                    <a:pt x="679360" y="229422"/>
+                  </a:lnTo>
+                  <a:lnTo>
+                    <a:pt x="621044" y="203931"/>
+                  </a:lnTo>
+                  <a:lnTo>
+                    <a:pt x="562727" y="178440"/>
+                  </a:lnTo>
+                  <a:lnTo>
+                    <a:pt x="504410" y="152948"/>
+                  </a:lnTo>
+                  <a:lnTo>
+                    <a:pt x="446094" y="127457"/>
+                  </a:lnTo>
+                  <a:lnTo>
+                    <a:pt x="387777" y="101965"/>
+                  </a:lnTo>
+                  <a:lnTo>
+                    <a:pt x="329460" y="76474"/>
+                  </a:lnTo>
+                  <a:lnTo>
+                    <a:pt x="271144" y="50982"/>
+                  </a:lnTo>
+                  <a:lnTo>
+                    <a:pt x="212827" y="25491"/>
+                  </a:lnTo>
+                  <a:lnTo>
+                    <a:pt x="154510" y="0"/>
+                  </a:lnTo>
+                  <a:lnTo>
+                    <a:pt x="130209" y="58292"/>
+                  </a:lnTo>
+                  <a:lnTo>
+                    <a:pt x="107915" y="117382"/>
+                  </a:lnTo>
+                  <a:lnTo>
+                    <a:pt x="87657" y="177201"/>
+                  </a:lnTo>
+                  <a:lnTo>
+                    <a:pt x="69457" y="237677"/>
+                  </a:lnTo>
+                  <a:lnTo>
+                    <a:pt x="53336" y="298741"/>
+                  </a:lnTo>
+                  <a:lnTo>
+                    <a:pt x="39315" y="360320"/>
+                  </a:lnTo>
+                  <a:lnTo>
+                    <a:pt x="27408" y="422343"/>
+                  </a:lnTo>
+                  <a:lnTo>
+                    <a:pt x="17630" y="484737"/>
+                  </a:lnTo>
+                  <a:lnTo>
+                    <a:pt x="9993" y="547429"/>
+                  </a:lnTo>
+                  <a:lnTo>
+                    <a:pt x="4504" y="610346"/>
+                  </a:lnTo>
+                  <a:lnTo>
+                    <a:pt x="1172" y="673414"/>
+                  </a:lnTo>
+                  <a:lnTo>
+                    <a:pt x="0" y="736558"/>
+                  </a:lnTo>
+                  <a:lnTo>
+                    <a:pt x="988" y="799706"/>
+                  </a:lnTo>
+                  <a:lnTo>
+                    <a:pt x="4136" y="862783"/>
+                  </a:lnTo>
+                  <a:lnTo>
+                    <a:pt x="9441" y="925716"/>
+                  </a:lnTo>
+                  <a:lnTo>
+                    <a:pt x="16895" y="988430"/>
+                  </a:lnTo>
+                  <a:lnTo>
+                    <a:pt x="26491" y="1050852"/>
+                  </a:lnTo>
+                  <a:lnTo>
+                    <a:pt x="89222" y="1040107"/>
+                  </a:lnTo>
+                  <a:lnTo>
+                    <a:pt x="151953" y="1029362"/>
+                  </a:lnTo>
+                  <a:lnTo>
+                    <a:pt x="214684" y="1018618"/>
+                  </a:lnTo>
+                  <a:lnTo>
+                    <a:pt x="277415" y="1007873"/>
+                  </a:lnTo>
+                  <a:lnTo>
+                    <a:pt x="340146" y="997128"/>
+                  </a:lnTo>
+                  <a:lnTo>
+                    <a:pt x="402878" y="986383"/>
+                  </a:lnTo>
+                  <a:lnTo>
+                    <a:pt x="465609" y="975638"/>
+                  </a:lnTo>
+                  <a:lnTo>
+                    <a:pt x="528340" y="964893"/>
+                  </a:lnTo>
+                  <a:lnTo>
+                    <a:pt x="591071" y="954148"/>
+                  </a:lnTo>
+                  <a:lnTo>
+                    <a:pt x="653802" y="943404"/>
+                  </a:lnTo>
+                  <a:lnTo>
+                    <a:pt x="716533" y="932659"/>
+                  </a:lnTo>
+                  <a:lnTo>
+                    <a:pt x="779264" y="921914"/>
+                  </a:lnTo>
+                  <a:lnTo>
+                    <a:pt x="841995" y="911169"/>
+                  </a:lnTo>
+                  <a:lnTo>
+                    <a:pt x="904727" y="900424"/>
+                  </a:lnTo>
+                  <a:lnTo>
+                    <a:pt x="967458" y="889679"/>
+                  </a:lnTo>
+                  <a:lnTo>
+                    <a:pt x="1030189" y="878934"/>
+                  </a:lnTo>
+                  <a:lnTo>
+                    <a:pt x="1092920" y="868190"/>
+                  </a:lnTo>
+                  <a:lnTo>
+                    <a:pt x="1155651" y="857445"/>
+                  </a:lnTo>
+                  <a:lnTo>
+                    <a:pt x="1218382" y="846700"/>
+                  </a:lnTo>
+                  <a:lnTo>
+                    <a:pt x="1281113" y="835955"/>
+                  </a:lnTo>
+                  <a:lnTo>
+                    <a:pt x="1343845" y="825210"/>
+                  </a:lnTo>
+                  <a:lnTo>
+                    <a:pt x="1406576" y="814465"/>
+                  </a:lnTo>
+                  <a:lnTo>
+                    <a:pt x="1469307" y="803720"/>
+                  </a:lnTo>
+                  <a:lnTo>
+                    <a:pt x="1532038" y="792976"/>
+                  </a:lnTo>
+                  <a:lnTo>
+                    <a:pt x="1594769" y="782231"/>
+                  </a:lnTo>
+                  <a:lnTo>
+                    <a:pt x="1657500" y="771486"/>
+                  </a:lnTo>
+                  <a:lnTo>
+                    <a:pt x="1720231" y="760741"/>
+                  </a:lnTo>
+                  <a:lnTo>
+                    <a:pt x="1782962" y="749996"/>
                   </a:lnTo>
                   <a:close/>
                 </a:path>
@@ -7087,222 +7541,222 @@
           </p:nvSpPr>
           <p:spPr>
             <a:xfrm>
-              <a:off x="2704851" y="2519728"/>
-              <a:ext cx="1904256" cy="1541255"/>
+              <a:off x="2917925" y="2401508"/>
+              <a:ext cx="1691183" cy="1368799"/>
             </a:xfrm>
             <a:custGeom>
               <a:avLst/>
               <a:pathLst>
-                <a:path w="1904256" h="1541255">
+                <a:path w="1691183" h="1368799">
                   <a:moveTo>
-                    <a:pt x="1904256" y="1541255"/>
+                    <a:pt x="1691183" y="1368799"/>
                   </a:moveTo>
                   <a:lnTo>
-                    <a:pt x="1856183" y="1488109"/>
-                  </a:lnTo>
-                  <a:lnTo>
-                    <a:pt x="1808110" y="1434962"/>
-                  </a:lnTo>
-                  <a:lnTo>
-                    <a:pt x="1760036" y="1381815"/>
-                  </a:lnTo>
-                  <a:lnTo>
-                    <a:pt x="1711963" y="1328668"/>
-                  </a:lnTo>
-                  <a:lnTo>
-                    <a:pt x="1663889" y="1275522"/>
-                  </a:lnTo>
-                  <a:lnTo>
-                    <a:pt x="1615816" y="1222375"/>
-                  </a:lnTo>
-                  <a:lnTo>
-                    <a:pt x="1567742" y="1169228"/>
-                  </a:lnTo>
-                  <a:lnTo>
-                    <a:pt x="1519669" y="1116081"/>
-                  </a:lnTo>
-                  <a:lnTo>
-                    <a:pt x="1471595" y="1062935"/>
-                  </a:lnTo>
-                  <a:lnTo>
-                    <a:pt x="1423522" y="1009788"/>
-                  </a:lnTo>
-                  <a:lnTo>
-                    <a:pt x="1375448" y="956641"/>
-                  </a:lnTo>
-                  <a:lnTo>
-                    <a:pt x="1327375" y="903494"/>
-                  </a:lnTo>
-                  <a:lnTo>
-                    <a:pt x="1279302" y="850348"/>
-                  </a:lnTo>
-                  <a:lnTo>
-                    <a:pt x="1231228" y="797201"/>
-                  </a:lnTo>
-                  <a:lnTo>
-                    <a:pt x="1183155" y="744054"/>
-                  </a:lnTo>
-                  <a:lnTo>
-                    <a:pt x="1135081" y="690907"/>
-                  </a:lnTo>
-                  <a:lnTo>
-                    <a:pt x="1087008" y="637761"/>
-                  </a:lnTo>
-                  <a:lnTo>
-                    <a:pt x="1038934" y="584614"/>
-                  </a:lnTo>
-                  <a:lnTo>
-                    <a:pt x="990861" y="531467"/>
-                  </a:lnTo>
-                  <a:lnTo>
-                    <a:pt x="942787" y="478320"/>
-                  </a:lnTo>
-                  <a:lnTo>
-                    <a:pt x="894714" y="425174"/>
-                  </a:lnTo>
-                  <a:lnTo>
-                    <a:pt x="846640" y="372027"/>
-                  </a:lnTo>
-                  <a:lnTo>
-                    <a:pt x="798567" y="318880"/>
-                  </a:lnTo>
-                  <a:lnTo>
-                    <a:pt x="750493" y="265733"/>
-                  </a:lnTo>
-                  <a:lnTo>
-                    <a:pt x="702420" y="212587"/>
-                  </a:lnTo>
-                  <a:lnTo>
-                    <a:pt x="654347" y="159440"/>
-                  </a:lnTo>
-                  <a:lnTo>
-                    <a:pt x="606273" y="106293"/>
-                  </a:lnTo>
-                  <a:lnTo>
-                    <a:pt x="558200" y="53146"/>
-                  </a:lnTo>
-                  <a:lnTo>
-                    <a:pt x="510126" y="0"/>
-                  </a:lnTo>
-                  <a:lnTo>
-                    <a:pt x="456626" y="50136"/>
-                  </a:lnTo>
-                  <a:lnTo>
-                    <a:pt x="404928" y="102129"/>
-                  </a:lnTo>
-                  <a:lnTo>
-                    <a:pt x="355097" y="155913"/>
-                  </a:lnTo>
-                  <a:lnTo>
-                    <a:pt x="307193" y="211422"/>
-                  </a:lnTo>
-                  <a:lnTo>
-                    <a:pt x="261277" y="268585"/>
-                  </a:lnTo>
-                  <a:lnTo>
-                    <a:pt x="217407" y="327333"/>
-                  </a:lnTo>
-                  <a:lnTo>
-                    <a:pt x="175636" y="387592"/>
-                  </a:lnTo>
-                  <a:lnTo>
-                    <a:pt x="136016" y="449287"/>
-                  </a:lnTo>
-                  <a:lnTo>
-                    <a:pt x="98598" y="512341"/>
-                  </a:lnTo>
-                  <a:lnTo>
-                    <a:pt x="63427" y="576675"/>
-                  </a:lnTo>
-                  <a:lnTo>
-                    <a:pt x="30547" y="642210"/>
-                  </a:lnTo>
-                  <a:lnTo>
-                    <a:pt x="0" y="708865"/>
-                  </a:lnTo>
-                  <a:lnTo>
-                    <a:pt x="65664" y="737568"/>
-                  </a:lnTo>
-                  <a:lnTo>
-                    <a:pt x="131328" y="766271"/>
-                  </a:lnTo>
-                  <a:lnTo>
-                    <a:pt x="196992" y="794974"/>
-                  </a:lnTo>
-                  <a:lnTo>
-                    <a:pt x="262656" y="823677"/>
-                  </a:lnTo>
-                  <a:lnTo>
-                    <a:pt x="328320" y="852380"/>
-                  </a:lnTo>
-                  <a:lnTo>
-                    <a:pt x="393984" y="881083"/>
-                  </a:lnTo>
-                  <a:lnTo>
-                    <a:pt x="459648" y="909787"/>
-                  </a:lnTo>
-                  <a:lnTo>
-                    <a:pt x="525312" y="938490"/>
-                  </a:lnTo>
-                  <a:lnTo>
-                    <a:pt x="590976" y="967193"/>
-                  </a:lnTo>
-                  <a:lnTo>
-                    <a:pt x="656640" y="995896"/>
-                  </a:lnTo>
-                  <a:lnTo>
-                    <a:pt x="722304" y="1024599"/>
-                  </a:lnTo>
-                  <a:lnTo>
-                    <a:pt x="787968" y="1053302"/>
-                  </a:lnTo>
-                  <a:lnTo>
-                    <a:pt x="853632" y="1082005"/>
-                  </a:lnTo>
-                  <a:lnTo>
-                    <a:pt x="919296" y="1110708"/>
-                  </a:lnTo>
-                  <a:lnTo>
-                    <a:pt x="984960" y="1139412"/>
-                  </a:lnTo>
-                  <a:lnTo>
-                    <a:pt x="1050624" y="1168115"/>
-                  </a:lnTo>
-                  <a:lnTo>
-                    <a:pt x="1116288" y="1196818"/>
-                  </a:lnTo>
-                  <a:lnTo>
-                    <a:pt x="1181952" y="1225521"/>
-                  </a:lnTo>
-                  <a:lnTo>
-                    <a:pt x="1247616" y="1254224"/>
-                  </a:lnTo>
-                  <a:lnTo>
-                    <a:pt x="1313280" y="1282927"/>
-                  </a:lnTo>
-                  <a:lnTo>
-                    <a:pt x="1378944" y="1311630"/>
-                  </a:lnTo>
-                  <a:lnTo>
-                    <a:pt x="1444608" y="1340334"/>
-                  </a:lnTo>
-                  <a:lnTo>
-                    <a:pt x="1510272" y="1369037"/>
-                  </a:lnTo>
-                  <a:lnTo>
-                    <a:pt x="1575936" y="1397740"/>
-                  </a:lnTo>
-                  <a:lnTo>
-                    <a:pt x="1641600" y="1426443"/>
-                  </a:lnTo>
-                  <a:lnTo>
-                    <a:pt x="1707264" y="1455146"/>
-                  </a:lnTo>
-                  <a:lnTo>
-                    <a:pt x="1772928" y="1483849"/>
-                  </a:lnTo>
-                  <a:lnTo>
-                    <a:pt x="1838592" y="1512552"/>
+                    <a:pt x="1648488" y="1321599"/>
+                  </a:lnTo>
+                  <a:lnTo>
+                    <a:pt x="1605794" y="1274399"/>
+                  </a:lnTo>
+                  <a:lnTo>
+                    <a:pt x="1563100" y="1227199"/>
+                  </a:lnTo>
+                  <a:lnTo>
+                    <a:pt x="1520405" y="1179999"/>
+                  </a:lnTo>
+                  <a:lnTo>
+                    <a:pt x="1477711" y="1132799"/>
+                  </a:lnTo>
+                  <a:lnTo>
+                    <a:pt x="1435017" y="1085599"/>
+                  </a:lnTo>
+                  <a:lnTo>
+                    <a:pt x="1392322" y="1038399"/>
+                  </a:lnTo>
+                  <a:lnTo>
+                    <a:pt x="1349628" y="991199"/>
+                  </a:lnTo>
+                  <a:lnTo>
+                    <a:pt x="1306933" y="943999"/>
+                  </a:lnTo>
+                  <a:lnTo>
+                    <a:pt x="1264239" y="896799"/>
+                  </a:lnTo>
+                  <a:lnTo>
+                    <a:pt x="1221545" y="849599"/>
+                  </a:lnTo>
+                  <a:lnTo>
+                    <a:pt x="1178850" y="802399"/>
+                  </a:lnTo>
+                  <a:lnTo>
+                    <a:pt x="1136156" y="755199"/>
+                  </a:lnTo>
+                  <a:lnTo>
+                    <a:pt x="1093462" y="707999"/>
+                  </a:lnTo>
+                  <a:lnTo>
+                    <a:pt x="1050767" y="660799"/>
+                  </a:lnTo>
+                  <a:lnTo>
+                    <a:pt x="1008073" y="613599"/>
+                  </a:lnTo>
+                  <a:lnTo>
+                    <a:pt x="965379" y="566399"/>
+                  </a:lnTo>
+                  <a:lnTo>
+                    <a:pt x="922684" y="519199"/>
+                  </a:lnTo>
+                  <a:lnTo>
+                    <a:pt x="879990" y="471999"/>
+                  </a:lnTo>
+                  <a:lnTo>
+                    <a:pt x="837296" y="424799"/>
+                  </a:lnTo>
+                  <a:lnTo>
+                    <a:pt x="794601" y="377599"/>
+                  </a:lnTo>
+                  <a:lnTo>
+                    <a:pt x="751907" y="330399"/>
+                  </a:lnTo>
+                  <a:lnTo>
+                    <a:pt x="709212" y="283199"/>
+                  </a:lnTo>
+                  <a:lnTo>
+                    <a:pt x="666518" y="235999"/>
+                  </a:lnTo>
+                  <a:lnTo>
+                    <a:pt x="623824" y="188799"/>
+                  </a:lnTo>
+                  <a:lnTo>
+                    <a:pt x="581129" y="141599"/>
+                  </a:lnTo>
+                  <a:lnTo>
+                    <a:pt x="538435" y="94399"/>
+                  </a:lnTo>
+                  <a:lnTo>
+                    <a:pt x="495741" y="47199"/>
+                  </a:lnTo>
+                  <a:lnTo>
+                    <a:pt x="453046" y="0"/>
+                  </a:lnTo>
+                  <a:lnTo>
+                    <a:pt x="405533" y="44526"/>
+                  </a:lnTo>
+                  <a:lnTo>
+                    <a:pt x="359619" y="90702"/>
+                  </a:lnTo>
+                  <a:lnTo>
+                    <a:pt x="315364" y="138468"/>
+                  </a:lnTo>
+                  <a:lnTo>
+                    <a:pt x="272820" y="187765"/>
+                  </a:lnTo>
+                  <a:lnTo>
+                    <a:pt x="232042" y="238532"/>
+                  </a:lnTo>
+                  <a:lnTo>
+                    <a:pt x="193080" y="290707"/>
+                  </a:lnTo>
+                  <a:lnTo>
+                    <a:pt x="155983" y="344223"/>
+                  </a:lnTo>
+                  <a:lnTo>
+                    <a:pt x="120797" y="399014"/>
+                  </a:lnTo>
+                  <a:lnTo>
+                    <a:pt x="87565" y="455013"/>
+                  </a:lnTo>
+                  <a:lnTo>
+                    <a:pt x="56330" y="512149"/>
+                  </a:lnTo>
+                  <a:lnTo>
+                    <a:pt x="27129" y="570351"/>
+                  </a:lnTo>
+                  <a:lnTo>
+                    <a:pt x="0" y="629547"/>
+                  </a:lnTo>
+                  <a:lnTo>
+                    <a:pt x="58316" y="655039"/>
+                  </a:lnTo>
+                  <a:lnTo>
+                    <a:pt x="116633" y="680530"/>
+                  </a:lnTo>
+                  <a:lnTo>
+                    <a:pt x="174949" y="706022"/>
+                  </a:lnTo>
+                  <a:lnTo>
+                    <a:pt x="233266" y="731513"/>
+                  </a:lnTo>
+                  <a:lnTo>
+                    <a:pt x="291583" y="757004"/>
+                  </a:lnTo>
+                  <a:lnTo>
+                    <a:pt x="349899" y="782496"/>
+                  </a:lnTo>
+                  <a:lnTo>
+                    <a:pt x="408216" y="807987"/>
+                  </a:lnTo>
+                  <a:lnTo>
+                    <a:pt x="466533" y="833479"/>
+                  </a:lnTo>
+                  <a:lnTo>
+                    <a:pt x="524849" y="858970"/>
+                  </a:lnTo>
+                  <a:lnTo>
+                    <a:pt x="583166" y="884462"/>
+                  </a:lnTo>
+                  <a:lnTo>
+                    <a:pt x="641483" y="909953"/>
+                  </a:lnTo>
+                  <a:lnTo>
+                    <a:pt x="699799" y="935445"/>
+                  </a:lnTo>
+                  <a:lnTo>
+                    <a:pt x="758116" y="960936"/>
+                  </a:lnTo>
+                  <a:lnTo>
+                    <a:pt x="816433" y="986427"/>
+                  </a:lnTo>
+                  <a:lnTo>
+                    <a:pt x="874749" y="1011919"/>
+                  </a:lnTo>
+                  <a:lnTo>
+                    <a:pt x="933066" y="1037410"/>
+                  </a:lnTo>
+                  <a:lnTo>
+                    <a:pt x="991383" y="1062902"/>
+                  </a:lnTo>
+                  <a:lnTo>
+                    <a:pt x="1049699" y="1088393"/>
+                  </a:lnTo>
+                  <a:lnTo>
+                    <a:pt x="1108016" y="1113885"/>
+                  </a:lnTo>
+                  <a:lnTo>
+                    <a:pt x="1166333" y="1139376"/>
+                  </a:lnTo>
+                  <a:lnTo>
+                    <a:pt x="1224649" y="1164868"/>
+                  </a:lnTo>
+                  <a:lnTo>
+                    <a:pt x="1282966" y="1190359"/>
+                  </a:lnTo>
+                  <a:lnTo>
+                    <a:pt x="1341283" y="1215850"/>
+                  </a:lnTo>
+                  <a:lnTo>
+                    <a:pt x="1399599" y="1241342"/>
+                  </a:lnTo>
+                  <a:lnTo>
+                    <a:pt x="1457916" y="1266833"/>
+                  </a:lnTo>
+                  <a:lnTo>
+                    <a:pt x="1516233" y="1292325"/>
+                  </a:lnTo>
+                  <a:lnTo>
+                    <a:pt x="1574549" y="1317816"/>
+                  </a:lnTo>
+                  <a:lnTo>
+                    <a:pt x="1632866" y="1343308"/>
                   </a:lnTo>
                   <a:close/>
                 </a:path>
@@ -7337,207 +7791,207 @@
           </p:nvSpPr>
           <p:spPr>
             <a:xfrm>
-              <a:off x="3214978" y="2227844"/>
-              <a:ext cx="1394130" cy="1833139"/>
+              <a:off x="3370972" y="2142284"/>
+              <a:ext cx="1238136" cy="1628023"/>
             </a:xfrm>
             <a:custGeom>
               <a:avLst/>
               <a:pathLst>
-                <a:path w="1394130" h="1833139">
+                <a:path w="1238136" h="1628023">
                   <a:moveTo>
-                    <a:pt x="1394130" y="1833139"/>
+                    <a:pt x="1238136" y="1628023"/>
                   </a:moveTo>
                   <a:lnTo>
-                    <a:pt x="1360367" y="1769927"/>
-                  </a:lnTo>
-                  <a:lnTo>
-                    <a:pt x="1326605" y="1706716"/>
-                  </a:lnTo>
-                  <a:lnTo>
-                    <a:pt x="1292842" y="1643504"/>
-                  </a:lnTo>
-                  <a:lnTo>
-                    <a:pt x="1259079" y="1580292"/>
-                  </a:lnTo>
-                  <a:lnTo>
-                    <a:pt x="1225317" y="1517081"/>
-                  </a:lnTo>
-                  <a:lnTo>
-                    <a:pt x="1191554" y="1453869"/>
-                  </a:lnTo>
-                  <a:lnTo>
-                    <a:pt x="1157791" y="1390657"/>
-                  </a:lnTo>
-                  <a:lnTo>
-                    <a:pt x="1124029" y="1327445"/>
-                  </a:lnTo>
-                  <a:lnTo>
-                    <a:pt x="1090266" y="1264234"/>
-                  </a:lnTo>
-                  <a:lnTo>
-                    <a:pt x="1056504" y="1201022"/>
-                  </a:lnTo>
-                  <a:lnTo>
-                    <a:pt x="1022741" y="1137810"/>
-                  </a:lnTo>
-                  <a:lnTo>
-                    <a:pt x="988978" y="1074599"/>
-                  </a:lnTo>
-                  <a:lnTo>
-                    <a:pt x="955216" y="1011387"/>
-                  </a:lnTo>
-                  <a:lnTo>
-                    <a:pt x="921453" y="948175"/>
-                  </a:lnTo>
-                  <a:lnTo>
-                    <a:pt x="887691" y="884963"/>
-                  </a:lnTo>
-                  <a:lnTo>
-                    <a:pt x="853928" y="821752"/>
-                  </a:lnTo>
-                  <a:lnTo>
-                    <a:pt x="820165" y="758540"/>
-                  </a:lnTo>
-                  <a:lnTo>
-                    <a:pt x="786403" y="695328"/>
-                  </a:lnTo>
-                  <a:lnTo>
-                    <a:pt x="752640" y="632117"/>
-                  </a:lnTo>
-                  <a:lnTo>
-                    <a:pt x="718877" y="568905"/>
-                  </a:lnTo>
-                  <a:lnTo>
-                    <a:pt x="685115" y="505693"/>
-                  </a:lnTo>
-                  <a:lnTo>
-                    <a:pt x="651352" y="442481"/>
-                  </a:lnTo>
-                  <a:lnTo>
-                    <a:pt x="617590" y="379270"/>
-                  </a:lnTo>
-                  <a:lnTo>
-                    <a:pt x="583827" y="316058"/>
-                  </a:lnTo>
-                  <a:lnTo>
-                    <a:pt x="550064" y="252846"/>
-                  </a:lnTo>
-                  <a:lnTo>
-                    <a:pt x="516302" y="189635"/>
-                  </a:lnTo>
-                  <a:lnTo>
-                    <a:pt x="482539" y="126423"/>
-                  </a:lnTo>
-                  <a:lnTo>
-                    <a:pt x="448776" y="63211"/>
-                  </a:lnTo>
-                  <a:lnTo>
-                    <a:pt x="415014" y="0"/>
-                  </a:lnTo>
-                  <a:lnTo>
-                    <a:pt x="351531" y="35347"/>
-                  </a:lnTo>
-                  <a:lnTo>
-                    <a:pt x="289323" y="72892"/>
-                  </a:lnTo>
-                  <a:lnTo>
-                    <a:pt x="228465" y="112589"/>
-                  </a:lnTo>
-                  <a:lnTo>
-                    <a:pt x="169032" y="154388"/>
-                  </a:lnTo>
-                  <a:lnTo>
-                    <a:pt x="111096" y="198240"/>
-                  </a:lnTo>
-                  <a:lnTo>
-                    <a:pt x="54729" y="244091"/>
-                  </a:lnTo>
-                  <a:lnTo>
-                    <a:pt x="0" y="291883"/>
-                  </a:lnTo>
-                  <a:lnTo>
-                    <a:pt x="48073" y="345030"/>
-                  </a:lnTo>
-                  <a:lnTo>
-                    <a:pt x="96146" y="398177"/>
-                  </a:lnTo>
-                  <a:lnTo>
-                    <a:pt x="144220" y="451324"/>
-                  </a:lnTo>
-                  <a:lnTo>
-                    <a:pt x="192293" y="504470"/>
-                  </a:lnTo>
-                  <a:lnTo>
-                    <a:pt x="240367" y="557617"/>
-                  </a:lnTo>
-                  <a:lnTo>
-                    <a:pt x="288440" y="610764"/>
-                  </a:lnTo>
-                  <a:lnTo>
-                    <a:pt x="336514" y="663911"/>
-                  </a:lnTo>
-                  <a:lnTo>
-                    <a:pt x="384587" y="717057"/>
-                  </a:lnTo>
-                  <a:lnTo>
-                    <a:pt x="432661" y="770204"/>
-                  </a:lnTo>
-                  <a:lnTo>
-                    <a:pt x="480734" y="823351"/>
-                  </a:lnTo>
-                  <a:lnTo>
-                    <a:pt x="528808" y="876498"/>
-                  </a:lnTo>
-                  <a:lnTo>
-                    <a:pt x="576881" y="929644"/>
-                  </a:lnTo>
-                  <a:lnTo>
-                    <a:pt x="624954" y="982791"/>
-                  </a:lnTo>
-                  <a:lnTo>
-                    <a:pt x="673028" y="1035938"/>
-                  </a:lnTo>
-                  <a:lnTo>
-                    <a:pt x="721101" y="1089085"/>
-                  </a:lnTo>
-                  <a:lnTo>
-                    <a:pt x="769175" y="1142231"/>
-                  </a:lnTo>
-                  <a:lnTo>
-                    <a:pt x="817248" y="1195378"/>
-                  </a:lnTo>
-                  <a:lnTo>
-                    <a:pt x="865322" y="1248525"/>
-                  </a:lnTo>
-                  <a:lnTo>
-                    <a:pt x="913395" y="1301672"/>
-                  </a:lnTo>
-                  <a:lnTo>
-                    <a:pt x="961469" y="1354818"/>
-                  </a:lnTo>
-                  <a:lnTo>
-                    <a:pt x="1009542" y="1407965"/>
-                  </a:lnTo>
-                  <a:lnTo>
-                    <a:pt x="1057616" y="1461112"/>
-                  </a:lnTo>
-                  <a:lnTo>
-                    <a:pt x="1105689" y="1514259"/>
-                  </a:lnTo>
-                  <a:lnTo>
-                    <a:pt x="1153762" y="1567405"/>
-                  </a:lnTo>
-                  <a:lnTo>
-                    <a:pt x="1201836" y="1620552"/>
-                  </a:lnTo>
-                  <a:lnTo>
-                    <a:pt x="1249909" y="1673699"/>
-                  </a:lnTo>
-                  <a:lnTo>
-                    <a:pt x="1297983" y="1726846"/>
-                  </a:lnTo>
-                  <a:lnTo>
-                    <a:pt x="1346056" y="1779992"/>
+                    <a:pt x="1208151" y="1571884"/>
+                  </a:lnTo>
+                  <a:lnTo>
+                    <a:pt x="1178166" y="1515745"/>
+                  </a:lnTo>
+                  <a:lnTo>
+                    <a:pt x="1148181" y="1459607"/>
+                  </a:lnTo>
+                  <a:lnTo>
+                    <a:pt x="1118197" y="1403468"/>
+                  </a:lnTo>
+                  <a:lnTo>
+                    <a:pt x="1088212" y="1347329"/>
+                  </a:lnTo>
+                  <a:lnTo>
+                    <a:pt x="1058227" y="1291191"/>
+                  </a:lnTo>
+                  <a:lnTo>
+                    <a:pt x="1028242" y="1235052"/>
+                  </a:lnTo>
+                  <a:lnTo>
+                    <a:pt x="998257" y="1178913"/>
+                  </a:lnTo>
+                  <a:lnTo>
+                    <a:pt x="968273" y="1122774"/>
+                  </a:lnTo>
+                  <a:lnTo>
+                    <a:pt x="938288" y="1066636"/>
+                  </a:lnTo>
+                  <a:lnTo>
+                    <a:pt x="908303" y="1010497"/>
+                  </a:lnTo>
+                  <a:lnTo>
+                    <a:pt x="878318" y="954358"/>
+                  </a:lnTo>
+                  <a:lnTo>
+                    <a:pt x="848333" y="898219"/>
+                  </a:lnTo>
+                  <a:lnTo>
+                    <a:pt x="818349" y="842081"/>
+                  </a:lnTo>
+                  <a:lnTo>
+                    <a:pt x="788364" y="785942"/>
+                  </a:lnTo>
+                  <a:lnTo>
+                    <a:pt x="758379" y="729803"/>
+                  </a:lnTo>
+                  <a:lnTo>
+                    <a:pt x="728394" y="673664"/>
+                  </a:lnTo>
+                  <a:lnTo>
+                    <a:pt x="698409" y="617526"/>
+                  </a:lnTo>
+                  <a:lnTo>
+                    <a:pt x="668425" y="561387"/>
+                  </a:lnTo>
+                  <a:lnTo>
+                    <a:pt x="638440" y="505248"/>
+                  </a:lnTo>
+                  <a:lnTo>
+                    <a:pt x="608455" y="449109"/>
+                  </a:lnTo>
+                  <a:lnTo>
+                    <a:pt x="578470" y="392971"/>
+                  </a:lnTo>
+                  <a:lnTo>
+                    <a:pt x="548485" y="336832"/>
+                  </a:lnTo>
+                  <a:lnTo>
+                    <a:pt x="518500" y="280693"/>
+                  </a:lnTo>
+                  <a:lnTo>
+                    <a:pt x="488516" y="224554"/>
+                  </a:lnTo>
+                  <a:lnTo>
+                    <a:pt x="458531" y="168416"/>
+                  </a:lnTo>
+                  <a:lnTo>
+                    <a:pt x="428546" y="112277"/>
+                  </a:lnTo>
+                  <a:lnTo>
+                    <a:pt x="398561" y="56138"/>
+                  </a:lnTo>
+                  <a:lnTo>
+                    <a:pt x="368576" y="0"/>
+                  </a:lnTo>
+                  <a:lnTo>
+                    <a:pt x="312197" y="31392"/>
+                  </a:lnTo>
+                  <a:lnTo>
+                    <a:pt x="256949" y="64736"/>
+                  </a:lnTo>
+                  <a:lnTo>
+                    <a:pt x="202901" y="99991"/>
+                  </a:lnTo>
+                  <a:lnTo>
+                    <a:pt x="150118" y="137113"/>
+                  </a:lnTo>
+                  <a:lnTo>
+                    <a:pt x="98665" y="176058"/>
+                  </a:lnTo>
+                  <a:lnTo>
+                    <a:pt x="48605" y="216778"/>
+                  </a:lnTo>
+                  <a:lnTo>
+                    <a:pt x="0" y="259223"/>
+                  </a:lnTo>
+                  <a:lnTo>
+                    <a:pt x="42694" y="306423"/>
+                  </a:lnTo>
+                  <a:lnTo>
+                    <a:pt x="85388" y="353623"/>
+                  </a:lnTo>
+                  <a:lnTo>
+                    <a:pt x="128083" y="400823"/>
+                  </a:lnTo>
+                  <a:lnTo>
+                    <a:pt x="170777" y="448023"/>
+                  </a:lnTo>
+                  <a:lnTo>
+                    <a:pt x="213471" y="495223"/>
+                  </a:lnTo>
+                  <a:lnTo>
+                    <a:pt x="256166" y="542423"/>
+                  </a:lnTo>
+                  <a:lnTo>
+                    <a:pt x="298860" y="589623"/>
+                  </a:lnTo>
+                  <a:lnTo>
+                    <a:pt x="341554" y="636823"/>
+                  </a:lnTo>
+                  <a:lnTo>
+                    <a:pt x="384249" y="684023"/>
+                  </a:lnTo>
+                  <a:lnTo>
+                    <a:pt x="426943" y="731223"/>
+                  </a:lnTo>
+                  <a:lnTo>
+                    <a:pt x="469637" y="778423"/>
+                  </a:lnTo>
+                  <a:lnTo>
+                    <a:pt x="512332" y="825623"/>
+                  </a:lnTo>
+                  <a:lnTo>
+                    <a:pt x="555026" y="872823"/>
+                  </a:lnTo>
+                  <a:lnTo>
+                    <a:pt x="597720" y="920023"/>
+                  </a:lnTo>
+                  <a:lnTo>
+                    <a:pt x="640415" y="967223"/>
+                  </a:lnTo>
+                  <a:lnTo>
+                    <a:pt x="683109" y="1014423"/>
+                  </a:lnTo>
+                  <a:lnTo>
+                    <a:pt x="725804" y="1061623"/>
+                  </a:lnTo>
+                  <a:lnTo>
+                    <a:pt x="768498" y="1108823"/>
+                  </a:lnTo>
+                  <a:lnTo>
+                    <a:pt x="811192" y="1156023"/>
+                  </a:lnTo>
+                  <a:lnTo>
+                    <a:pt x="853887" y="1203223"/>
+                  </a:lnTo>
+                  <a:lnTo>
+                    <a:pt x="896581" y="1250423"/>
+                  </a:lnTo>
+                  <a:lnTo>
+                    <a:pt x="939275" y="1297623"/>
+                  </a:lnTo>
+                  <a:lnTo>
+                    <a:pt x="981970" y="1344823"/>
+                  </a:lnTo>
+                  <a:lnTo>
+                    <a:pt x="1024664" y="1392023"/>
+                  </a:lnTo>
+                  <a:lnTo>
+                    <a:pt x="1067358" y="1439223"/>
+                  </a:lnTo>
+                  <a:lnTo>
+                    <a:pt x="1110053" y="1486423"/>
+                  </a:lnTo>
+                  <a:lnTo>
+                    <a:pt x="1152747" y="1533623"/>
+                  </a:lnTo>
+                  <a:lnTo>
+                    <a:pt x="1195441" y="1580823"/>
                   </a:lnTo>
                   <a:close/>
                 </a:path>
@@ -7572,201 +8026,201 @@
           </p:nvSpPr>
           <p:spPr>
             <a:xfrm>
-              <a:off x="3629992" y="2081599"/>
-              <a:ext cx="979115" cy="1979384"/>
+              <a:off x="3739549" y="2012403"/>
+              <a:ext cx="869559" cy="1757904"/>
             </a:xfrm>
             <a:custGeom>
               <a:avLst/>
               <a:pathLst>
-                <a:path w="979115" h="1979384">
+                <a:path w="869559" h="1757904">
                   <a:moveTo>
-                    <a:pt x="979115" y="1979384"/>
+                    <a:pt x="869559" y="1757904"/>
                   </a:moveTo>
                   <a:lnTo>
-                    <a:pt x="957276" y="1911129"/>
-                  </a:lnTo>
-                  <a:lnTo>
-                    <a:pt x="935438" y="1842875"/>
-                  </a:lnTo>
-                  <a:lnTo>
-                    <a:pt x="913599" y="1774620"/>
-                  </a:lnTo>
-                  <a:lnTo>
-                    <a:pt x="891760" y="1706365"/>
-                  </a:lnTo>
-                  <a:lnTo>
-                    <a:pt x="869921" y="1638111"/>
-                  </a:lnTo>
-                  <a:lnTo>
-                    <a:pt x="848082" y="1569856"/>
-                  </a:lnTo>
-                  <a:lnTo>
-                    <a:pt x="826243" y="1501601"/>
-                  </a:lnTo>
-                  <a:lnTo>
-                    <a:pt x="804404" y="1433347"/>
-                  </a:lnTo>
-                  <a:lnTo>
-                    <a:pt x="782565" y="1365092"/>
-                  </a:lnTo>
-                  <a:lnTo>
-                    <a:pt x="760726" y="1296838"/>
-                  </a:lnTo>
-                  <a:lnTo>
-                    <a:pt x="738887" y="1228583"/>
-                  </a:lnTo>
-                  <a:lnTo>
-                    <a:pt x="717048" y="1160328"/>
-                  </a:lnTo>
-                  <a:lnTo>
-                    <a:pt x="695209" y="1092074"/>
-                  </a:lnTo>
-                  <a:lnTo>
-                    <a:pt x="673370" y="1023819"/>
-                  </a:lnTo>
-                  <a:lnTo>
-                    <a:pt x="651531" y="955564"/>
-                  </a:lnTo>
-                  <a:lnTo>
-                    <a:pt x="629692" y="887310"/>
-                  </a:lnTo>
-                  <a:lnTo>
-                    <a:pt x="607853" y="819055"/>
-                  </a:lnTo>
-                  <a:lnTo>
-                    <a:pt x="586014" y="750800"/>
-                  </a:lnTo>
-                  <a:lnTo>
-                    <a:pt x="564175" y="682546"/>
-                  </a:lnTo>
-                  <a:lnTo>
-                    <a:pt x="542336" y="614291"/>
-                  </a:lnTo>
-                  <a:lnTo>
-                    <a:pt x="520497" y="546037"/>
-                  </a:lnTo>
-                  <a:lnTo>
-                    <a:pt x="498658" y="477782"/>
-                  </a:lnTo>
-                  <a:lnTo>
-                    <a:pt x="476819" y="409527"/>
-                  </a:lnTo>
-                  <a:lnTo>
-                    <a:pt x="454980" y="341273"/>
-                  </a:lnTo>
-                  <a:lnTo>
-                    <a:pt x="433141" y="273018"/>
-                  </a:lnTo>
-                  <a:lnTo>
-                    <a:pt x="411302" y="204763"/>
-                  </a:lnTo>
-                  <a:lnTo>
-                    <a:pt x="389464" y="136509"/>
-                  </a:lnTo>
-                  <a:lnTo>
-                    <a:pt x="367625" y="68254"/>
-                  </a:lnTo>
-                  <a:lnTo>
-                    <a:pt x="345786" y="0"/>
-                  </a:lnTo>
-                  <a:lnTo>
-                    <a:pt x="274602" y="24204"/>
-                  </a:lnTo>
-                  <a:lnTo>
-                    <a:pt x="204340" y="50967"/>
-                  </a:lnTo>
-                  <a:lnTo>
-                    <a:pt x="135092" y="80254"/>
-                  </a:lnTo>
-                  <a:lnTo>
-                    <a:pt x="66949" y="112027"/>
-                  </a:lnTo>
-                  <a:lnTo>
-                    <a:pt x="0" y="146244"/>
-                  </a:lnTo>
-                  <a:lnTo>
-                    <a:pt x="33762" y="209456"/>
-                  </a:lnTo>
-                  <a:lnTo>
-                    <a:pt x="67525" y="272668"/>
-                  </a:lnTo>
-                  <a:lnTo>
-                    <a:pt x="101287" y="335879"/>
-                  </a:lnTo>
-                  <a:lnTo>
-                    <a:pt x="135050" y="399091"/>
-                  </a:lnTo>
-                  <a:lnTo>
-                    <a:pt x="168813" y="462303"/>
-                  </a:lnTo>
-                  <a:lnTo>
-                    <a:pt x="202575" y="525514"/>
-                  </a:lnTo>
-                  <a:lnTo>
-                    <a:pt x="236338" y="588726"/>
-                  </a:lnTo>
-                  <a:lnTo>
-                    <a:pt x="270100" y="651938"/>
-                  </a:lnTo>
-                  <a:lnTo>
-                    <a:pt x="303863" y="715150"/>
-                  </a:lnTo>
-                  <a:lnTo>
-                    <a:pt x="337626" y="778361"/>
-                  </a:lnTo>
-                  <a:lnTo>
-                    <a:pt x="371388" y="841573"/>
-                  </a:lnTo>
-                  <a:lnTo>
-                    <a:pt x="405151" y="904785"/>
-                  </a:lnTo>
-                  <a:lnTo>
-                    <a:pt x="438914" y="967996"/>
-                  </a:lnTo>
-                  <a:lnTo>
-                    <a:pt x="472676" y="1031208"/>
-                  </a:lnTo>
-                  <a:lnTo>
-                    <a:pt x="506439" y="1094420"/>
-                  </a:lnTo>
-                  <a:lnTo>
-                    <a:pt x="540201" y="1157632"/>
-                  </a:lnTo>
-                  <a:lnTo>
-                    <a:pt x="573964" y="1220843"/>
-                  </a:lnTo>
-                  <a:lnTo>
-                    <a:pt x="607727" y="1284055"/>
-                  </a:lnTo>
-                  <a:lnTo>
-                    <a:pt x="641489" y="1347267"/>
-                  </a:lnTo>
-                  <a:lnTo>
-                    <a:pt x="675252" y="1410478"/>
-                  </a:lnTo>
-                  <a:lnTo>
-                    <a:pt x="709015" y="1473690"/>
-                  </a:lnTo>
-                  <a:lnTo>
-                    <a:pt x="742777" y="1536902"/>
-                  </a:lnTo>
-                  <a:lnTo>
-                    <a:pt x="776540" y="1600114"/>
-                  </a:lnTo>
-                  <a:lnTo>
-                    <a:pt x="810302" y="1663325"/>
-                  </a:lnTo>
-                  <a:lnTo>
-                    <a:pt x="844065" y="1726537"/>
-                  </a:lnTo>
-                  <a:lnTo>
-                    <a:pt x="877828" y="1789749"/>
-                  </a:lnTo>
-                  <a:lnTo>
-                    <a:pt x="911590" y="1852960"/>
-                  </a:lnTo>
-                  <a:lnTo>
-                    <a:pt x="945353" y="1916172"/>
+                    <a:pt x="850164" y="1697286"/>
+                  </a:lnTo>
+                  <a:lnTo>
+                    <a:pt x="830768" y="1636669"/>
+                  </a:lnTo>
+                  <a:lnTo>
+                    <a:pt x="811373" y="1576052"/>
+                  </a:lnTo>
+                  <a:lnTo>
+                    <a:pt x="791978" y="1515434"/>
+                  </a:lnTo>
+                  <a:lnTo>
+                    <a:pt x="772582" y="1454817"/>
+                  </a:lnTo>
+                  <a:lnTo>
+                    <a:pt x="753187" y="1394199"/>
+                  </a:lnTo>
+                  <a:lnTo>
+                    <a:pt x="733792" y="1333582"/>
+                  </a:lnTo>
+                  <a:lnTo>
+                    <a:pt x="714396" y="1272965"/>
+                  </a:lnTo>
+                  <a:lnTo>
+                    <a:pt x="695001" y="1212347"/>
+                  </a:lnTo>
+                  <a:lnTo>
+                    <a:pt x="675606" y="1151730"/>
+                  </a:lnTo>
+                  <a:lnTo>
+                    <a:pt x="656210" y="1091113"/>
+                  </a:lnTo>
+                  <a:lnTo>
+                    <a:pt x="636815" y="1030495"/>
+                  </a:lnTo>
+                  <a:lnTo>
+                    <a:pt x="617420" y="969878"/>
+                  </a:lnTo>
+                  <a:lnTo>
+                    <a:pt x="598024" y="909260"/>
+                  </a:lnTo>
+                  <a:lnTo>
+                    <a:pt x="578629" y="848643"/>
+                  </a:lnTo>
+                  <a:lnTo>
+                    <a:pt x="559234" y="788026"/>
+                  </a:lnTo>
+                  <a:lnTo>
+                    <a:pt x="539838" y="727408"/>
+                  </a:lnTo>
+                  <a:lnTo>
+                    <a:pt x="520443" y="666791"/>
+                  </a:lnTo>
+                  <a:lnTo>
+                    <a:pt x="501048" y="606173"/>
+                  </a:lnTo>
+                  <a:lnTo>
+                    <a:pt x="481652" y="545556"/>
+                  </a:lnTo>
+                  <a:lnTo>
+                    <a:pt x="462257" y="484939"/>
+                  </a:lnTo>
+                  <a:lnTo>
+                    <a:pt x="442862" y="424321"/>
+                  </a:lnTo>
+                  <a:lnTo>
+                    <a:pt x="423466" y="363704"/>
+                  </a:lnTo>
+                  <a:lnTo>
+                    <a:pt x="404071" y="303086"/>
+                  </a:lnTo>
+                  <a:lnTo>
+                    <a:pt x="384676" y="242469"/>
+                  </a:lnTo>
+                  <a:lnTo>
+                    <a:pt x="365280" y="181852"/>
+                  </a:lnTo>
+                  <a:lnTo>
+                    <a:pt x="345885" y="121234"/>
+                  </a:lnTo>
+                  <a:lnTo>
+                    <a:pt x="326490" y="60617"/>
+                  </a:lnTo>
+                  <a:lnTo>
+                    <a:pt x="307094" y="0"/>
+                  </a:lnTo>
+                  <a:lnTo>
+                    <a:pt x="243875" y="21495"/>
+                  </a:lnTo>
+                  <a:lnTo>
+                    <a:pt x="181475" y="45264"/>
+                  </a:lnTo>
+                  <a:lnTo>
+                    <a:pt x="119976" y="71274"/>
+                  </a:lnTo>
+                  <a:lnTo>
+                    <a:pt x="59458" y="99492"/>
+                  </a:lnTo>
+                  <a:lnTo>
+                    <a:pt x="0" y="129880"/>
+                  </a:lnTo>
+                  <a:lnTo>
+                    <a:pt x="29984" y="186019"/>
+                  </a:lnTo>
+                  <a:lnTo>
+                    <a:pt x="59969" y="242158"/>
+                  </a:lnTo>
+                  <a:lnTo>
+                    <a:pt x="89954" y="298297"/>
+                  </a:lnTo>
+                  <a:lnTo>
+                    <a:pt x="119939" y="354435"/>
+                  </a:lnTo>
+                  <a:lnTo>
+                    <a:pt x="149924" y="410574"/>
+                  </a:lnTo>
+                  <a:lnTo>
+                    <a:pt x="179908" y="466713"/>
+                  </a:lnTo>
+                  <a:lnTo>
+                    <a:pt x="209893" y="522852"/>
+                  </a:lnTo>
+                  <a:lnTo>
+                    <a:pt x="239878" y="578990"/>
+                  </a:lnTo>
+                  <a:lnTo>
+                    <a:pt x="269863" y="635129"/>
+                  </a:lnTo>
+                  <a:lnTo>
+                    <a:pt x="299848" y="691268"/>
+                  </a:lnTo>
+                  <a:lnTo>
+                    <a:pt x="329832" y="747407"/>
+                  </a:lnTo>
+                  <a:lnTo>
+                    <a:pt x="359817" y="803545"/>
+                  </a:lnTo>
+                  <a:lnTo>
+                    <a:pt x="389802" y="859684"/>
+                  </a:lnTo>
+                  <a:lnTo>
+                    <a:pt x="419787" y="915823"/>
+                  </a:lnTo>
+                  <a:lnTo>
+                    <a:pt x="449772" y="971961"/>
+                  </a:lnTo>
+                  <a:lnTo>
+                    <a:pt x="479756" y="1028100"/>
+                  </a:lnTo>
+                  <a:lnTo>
+                    <a:pt x="509741" y="1084239"/>
+                  </a:lnTo>
+                  <a:lnTo>
+                    <a:pt x="539726" y="1140378"/>
+                  </a:lnTo>
+                  <a:lnTo>
+                    <a:pt x="569711" y="1196516"/>
+                  </a:lnTo>
+                  <a:lnTo>
+                    <a:pt x="599696" y="1252655"/>
+                  </a:lnTo>
+                  <a:lnTo>
+                    <a:pt x="629680" y="1308794"/>
+                  </a:lnTo>
+                  <a:lnTo>
+                    <a:pt x="659665" y="1364933"/>
+                  </a:lnTo>
+                  <a:lnTo>
+                    <a:pt x="689650" y="1421071"/>
+                  </a:lnTo>
+                  <a:lnTo>
+                    <a:pt x="719635" y="1477210"/>
+                  </a:lnTo>
+                  <a:lnTo>
+                    <a:pt x="749620" y="1533349"/>
+                  </a:lnTo>
+                  <a:lnTo>
+                    <a:pt x="779604" y="1589488"/>
+                  </a:lnTo>
+                  <a:lnTo>
+                    <a:pt x="809589" y="1645626"/>
+                  </a:lnTo>
+                  <a:lnTo>
+                    <a:pt x="839574" y="1701765"/>
                   </a:lnTo>
                   <a:close/>
                 </a:path>
@@ -7801,195 +8255,195 @@
           </p:nvSpPr>
           <p:spPr>
             <a:xfrm>
-              <a:off x="3975778" y="2019579"/>
-              <a:ext cx="633329" cy="2041405"/>
+              <a:off x="4046644" y="1957322"/>
+              <a:ext cx="562464" cy="1812985"/>
             </a:xfrm>
             <a:custGeom>
               <a:avLst/>
               <a:pathLst>
-                <a:path w="633329" h="2041405">
+                <a:path w="562464" h="1812985">
                   <a:moveTo>
-                    <a:pt x="633329" y="2041405"/>
+                    <a:pt x="562464" y="1812985"/>
                   </a:moveTo>
                   <a:lnTo>
-                    <a:pt x="619897" y="1971011"/>
-                  </a:lnTo>
-                  <a:lnTo>
-                    <a:pt x="606465" y="1900618"/>
-                  </a:lnTo>
-                  <a:lnTo>
-                    <a:pt x="593033" y="1830225"/>
-                  </a:lnTo>
-                  <a:lnTo>
-                    <a:pt x="579601" y="1759831"/>
-                  </a:lnTo>
-                  <a:lnTo>
-                    <a:pt x="566169" y="1689438"/>
-                  </a:lnTo>
-                  <a:lnTo>
-                    <a:pt x="552737" y="1619045"/>
-                  </a:lnTo>
-                  <a:lnTo>
-                    <a:pt x="539305" y="1548652"/>
-                  </a:lnTo>
-                  <a:lnTo>
-                    <a:pt x="525872" y="1478258"/>
-                  </a:lnTo>
-                  <a:lnTo>
-                    <a:pt x="512440" y="1407865"/>
-                  </a:lnTo>
-                  <a:lnTo>
-                    <a:pt x="499008" y="1337472"/>
-                  </a:lnTo>
-                  <a:lnTo>
-                    <a:pt x="485576" y="1267078"/>
-                  </a:lnTo>
-                  <a:lnTo>
-                    <a:pt x="472144" y="1196685"/>
-                  </a:lnTo>
-                  <a:lnTo>
-                    <a:pt x="458712" y="1126292"/>
-                  </a:lnTo>
-                  <a:lnTo>
-                    <a:pt x="445280" y="1055899"/>
-                  </a:lnTo>
-                  <a:lnTo>
-                    <a:pt x="431848" y="985505"/>
-                  </a:lnTo>
-                  <a:lnTo>
-                    <a:pt x="418415" y="915112"/>
-                  </a:lnTo>
-                  <a:lnTo>
-                    <a:pt x="404983" y="844719"/>
-                  </a:lnTo>
-                  <a:lnTo>
-                    <a:pt x="391551" y="774326"/>
-                  </a:lnTo>
-                  <a:lnTo>
-                    <a:pt x="378119" y="703932"/>
-                  </a:lnTo>
-                  <a:lnTo>
-                    <a:pt x="364687" y="633539"/>
-                  </a:lnTo>
-                  <a:lnTo>
-                    <a:pt x="351255" y="563146"/>
-                  </a:lnTo>
-                  <a:lnTo>
-                    <a:pt x="337823" y="492752"/>
-                  </a:lnTo>
-                  <a:lnTo>
-                    <a:pt x="324391" y="422359"/>
-                  </a:lnTo>
-                  <a:lnTo>
-                    <a:pt x="310959" y="351966"/>
-                  </a:lnTo>
-                  <a:lnTo>
-                    <a:pt x="297526" y="281573"/>
-                  </a:lnTo>
-                  <a:lnTo>
-                    <a:pt x="284094" y="211179"/>
-                  </a:lnTo>
-                  <a:lnTo>
-                    <a:pt x="270662" y="140786"/>
-                  </a:lnTo>
-                  <a:lnTo>
-                    <a:pt x="257230" y="70393"/>
-                  </a:lnTo>
-                  <a:lnTo>
-                    <a:pt x="243798" y="0"/>
-                  </a:lnTo>
-                  <a:lnTo>
-                    <a:pt x="161719" y="17386"/>
-                  </a:lnTo>
-                  <a:lnTo>
-                    <a:pt x="80409" y="38070"/>
-                  </a:lnTo>
-                  <a:lnTo>
-                    <a:pt x="0" y="62020"/>
-                  </a:lnTo>
-                  <a:lnTo>
-                    <a:pt x="21838" y="130275"/>
-                  </a:lnTo>
-                  <a:lnTo>
-                    <a:pt x="43677" y="198529"/>
-                  </a:lnTo>
-                  <a:lnTo>
-                    <a:pt x="65516" y="266784"/>
-                  </a:lnTo>
-                  <a:lnTo>
-                    <a:pt x="87355" y="335039"/>
-                  </a:lnTo>
-                  <a:lnTo>
-                    <a:pt x="109194" y="403293"/>
-                  </a:lnTo>
-                  <a:lnTo>
-                    <a:pt x="131033" y="471548"/>
-                  </a:lnTo>
-                  <a:lnTo>
-                    <a:pt x="152872" y="539803"/>
-                  </a:lnTo>
-                  <a:lnTo>
-                    <a:pt x="174711" y="608057"/>
-                  </a:lnTo>
-                  <a:lnTo>
-                    <a:pt x="196550" y="676312"/>
-                  </a:lnTo>
-                  <a:lnTo>
-                    <a:pt x="218389" y="744566"/>
-                  </a:lnTo>
-                  <a:lnTo>
-                    <a:pt x="240228" y="812821"/>
-                  </a:lnTo>
-                  <a:lnTo>
-                    <a:pt x="262067" y="881076"/>
-                  </a:lnTo>
-                  <a:lnTo>
-                    <a:pt x="283906" y="949330"/>
-                  </a:lnTo>
-                  <a:lnTo>
-                    <a:pt x="305745" y="1017585"/>
-                  </a:lnTo>
-                  <a:lnTo>
-                    <a:pt x="327584" y="1085840"/>
-                  </a:lnTo>
-                  <a:lnTo>
-                    <a:pt x="349423" y="1154094"/>
-                  </a:lnTo>
-                  <a:lnTo>
-                    <a:pt x="371262" y="1222349"/>
-                  </a:lnTo>
-                  <a:lnTo>
-                    <a:pt x="393101" y="1290604"/>
-                  </a:lnTo>
-                  <a:lnTo>
-                    <a:pt x="414940" y="1358858"/>
-                  </a:lnTo>
-                  <a:lnTo>
-                    <a:pt x="436779" y="1427113"/>
-                  </a:lnTo>
-                  <a:lnTo>
-                    <a:pt x="458618" y="1495367"/>
-                  </a:lnTo>
-                  <a:lnTo>
-                    <a:pt x="480457" y="1563622"/>
-                  </a:lnTo>
-                  <a:lnTo>
-                    <a:pt x="502296" y="1631877"/>
-                  </a:lnTo>
-                  <a:lnTo>
-                    <a:pt x="524135" y="1700131"/>
-                  </a:lnTo>
-                  <a:lnTo>
-                    <a:pt x="545974" y="1768386"/>
-                  </a:lnTo>
-                  <a:lnTo>
-                    <a:pt x="567812" y="1836641"/>
-                  </a:lnTo>
-                  <a:lnTo>
-                    <a:pt x="589651" y="1904895"/>
-                  </a:lnTo>
-                  <a:lnTo>
-                    <a:pt x="611490" y="1973150"/>
+                    <a:pt x="550535" y="1750468"/>
+                  </a:lnTo>
+                  <a:lnTo>
+                    <a:pt x="538606" y="1687951"/>
+                  </a:lnTo>
+                  <a:lnTo>
+                    <a:pt x="526676" y="1625435"/>
+                  </a:lnTo>
+                  <a:lnTo>
+                    <a:pt x="514747" y="1562918"/>
+                  </a:lnTo>
+                  <a:lnTo>
+                    <a:pt x="502818" y="1500401"/>
+                  </a:lnTo>
+                  <a:lnTo>
+                    <a:pt x="490889" y="1437884"/>
+                  </a:lnTo>
+                  <a:lnTo>
+                    <a:pt x="478960" y="1375368"/>
+                  </a:lnTo>
+                  <a:lnTo>
+                    <a:pt x="467031" y="1312851"/>
+                  </a:lnTo>
+                  <a:lnTo>
+                    <a:pt x="455102" y="1250334"/>
+                  </a:lnTo>
+                  <a:lnTo>
+                    <a:pt x="443172" y="1187817"/>
+                  </a:lnTo>
+                  <a:lnTo>
+                    <a:pt x="431243" y="1125301"/>
+                  </a:lnTo>
+                  <a:lnTo>
+                    <a:pt x="419314" y="1062784"/>
+                  </a:lnTo>
+                  <a:lnTo>
+                    <a:pt x="407385" y="1000267"/>
+                  </a:lnTo>
+                  <a:lnTo>
+                    <a:pt x="395456" y="937751"/>
+                  </a:lnTo>
+                  <a:lnTo>
+                    <a:pt x="383527" y="875234"/>
+                  </a:lnTo>
+                  <a:lnTo>
+                    <a:pt x="371597" y="812717"/>
+                  </a:lnTo>
+                  <a:lnTo>
+                    <a:pt x="359668" y="750200"/>
+                  </a:lnTo>
+                  <a:lnTo>
+                    <a:pt x="347739" y="687684"/>
+                  </a:lnTo>
+                  <a:lnTo>
+                    <a:pt x="335810" y="625167"/>
+                  </a:lnTo>
+                  <a:lnTo>
+                    <a:pt x="323881" y="562650"/>
+                  </a:lnTo>
+                  <a:lnTo>
+                    <a:pt x="311952" y="500133"/>
+                  </a:lnTo>
+                  <a:lnTo>
+                    <a:pt x="300023" y="437617"/>
+                  </a:lnTo>
+                  <a:lnTo>
+                    <a:pt x="288093" y="375100"/>
+                  </a:lnTo>
+                  <a:lnTo>
+                    <a:pt x="276164" y="312583"/>
+                  </a:lnTo>
+                  <a:lnTo>
+                    <a:pt x="264235" y="250066"/>
+                  </a:lnTo>
+                  <a:lnTo>
+                    <a:pt x="252306" y="187550"/>
+                  </a:lnTo>
+                  <a:lnTo>
+                    <a:pt x="240377" y="125033"/>
+                  </a:lnTo>
+                  <a:lnTo>
+                    <a:pt x="228448" y="62516"/>
+                  </a:lnTo>
+                  <a:lnTo>
+                    <a:pt x="216519" y="0"/>
+                  </a:lnTo>
+                  <a:lnTo>
+                    <a:pt x="143624" y="15440"/>
+                  </a:lnTo>
+                  <a:lnTo>
+                    <a:pt x="71411" y="33810"/>
+                  </a:lnTo>
+                  <a:lnTo>
+                    <a:pt x="0" y="55080"/>
+                  </a:lnTo>
+                  <a:lnTo>
+                    <a:pt x="19395" y="115698"/>
+                  </a:lnTo>
+                  <a:lnTo>
+                    <a:pt x="38790" y="176315"/>
+                  </a:lnTo>
+                  <a:lnTo>
+                    <a:pt x="58185" y="236933"/>
+                  </a:lnTo>
+                  <a:lnTo>
+                    <a:pt x="77581" y="297550"/>
+                  </a:lnTo>
+                  <a:lnTo>
+                    <a:pt x="96976" y="358167"/>
+                  </a:lnTo>
+                  <a:lnTo>
+                    <a:pt x="116371" y="418785"/>
+                  </a:lnTo>
+                  <a:lnTo>
+                    <a:pt x="135767" y="479402"/>
+                  </a:lnTo>
+                  <a:lnTo>
+                    <a:pt x="155162" y="540020"/>
+                  </a:lnTo>
+                  <a:lnTo>
+                    <a:pt x="174557" y="600637"/>
+                  </a:lnTo>
+                  <a:lnTo>
+                    <a:pt x="193953" y="661254"/>
+                  </a:lnTo>
+                  <a:lnTo>
+                    <a:pt x="213348" y="721872"/>
+                  </a:lnTo>
+                  <a:lnTo>
+                    <a:pt x="232743" y="782489"/>
+                  </a:lnTo>
+                  <a:lnTo>
+                    <a:pt x="252139" y="843107"/>
+                  </a:lnTo>
+                  <a:lnTo>
+                    <a:pt x="271534" y="903724"/>
+                  </a:lnTo>
+                  <a:lnTo>
+                    <a:pt x="290929" y="964341"/>
+                  </a:lnTo>
+                  <a:lnTo>
+                    <a:pt x="310325" y="1024959"/>
+                  </a:lnTo>
+                  <a:lnTo>
+                    <a:pt x="329720" y="1085576"/>
+                  </a:lnTo>
+                  <a:lnTo>
+                    <a:pt x="349115" y="1146193"/>
+                  </a:lnTo>
+                  <a:lnTo>
+                    <a:pt x="368511" y="1206811"/>
+                  </a:lnTo>
+                  <a:lnTo>
+                    <a:pt x="387906" y="1267428"/>
+                  </a:lnTo>
+                  <a:lnTo>
+                    <a:pt x="407301" y="1328046"/>
+                  </a:lnTo>
+                  <a:lnTo>
+                    <a:pt x="426697" y="1388663"/>
+                  </a:lnTo>
+                  <a:lnTo>
+                    <a:pt x="446092" y="1449280"/>
+                  </a:lnTo>
+                  <a:lnTo>
+                    <a:pt x="465487" y="1509898"/>
+                  </a:lnTo>
+                  <a:lnTo>
+                    <a:pt x="484883" y="1570515"/>
+                  </a:lnTo>
+                  <a:lnTo>
+                    <a:pt x="504278" y="1631133"/>
+                  </a:lnTo>
+                  <a:lnTo>
+                    <a:pt x="523673" y="1691750"/>
+                  </a:lnTo>
+                  <a:lnTo>
+                    <a:pt x="543069" y="1752367"/>
                   </a:lnTo>
                   <a:close/>
                 </a:path>
@@ -8024,192 +8478,192 @@
           </p:nvSpPr>
           <p:spPr>
             <a:xfrm>
-              <a:off x="4219577" y="1993629"/>
-              <a:ext cx="389531" cy="2067354"/>
+              <a:off x="4263163" y="1934276"/>
+              <a:ext cx="345945" cy="1836031"/>
             </a:xfrm>
             <a:custGeom>
               <a:avLst/>
               <a:pathLst>
-                <a:path w="389531" h="2067354">
+                <a:path w="345945" h="1836031">
                   <a:moveTo>
-                    <a:pt x="389531" y="2067354"/>
+                    <a:pt x="345945" y="1836031"/>
                   </a:moveTo>
                   <a:lnTo>
-                    <a:pt x="382207" y="1996066"/>
-                  </a:lnTo>
-                  <a:lnTo>
-                    <a:pt x="374882" y="1924778"/>
-                  </a:lnTo>
-                  <a:lnTo>
-                    <a:pt x="367558" y="1853490"/>
-                  </a:lnTo>
-                  <a:lnTo>
-                    <a:pt x="360234" y="1782202"/>
-                  </a:lnTo>
-                  <a:lnTo>
-                    <a:pt x="352910" y="1710914"/>
-                  </a:lnTo>
-                  <a:lnTo>
-                    <a:pt x="345586" y="1639625"/>
-                  </a:lnTo>
-                  <a:lnTo>
-                    <a:pt x="338261" y="1568337"/>
-                  </a:lnTo>
-                  <a:lnTo>
-                    <a:pt x="330937" y="1497049"/>
-                  </a:lnTo>
-                  <a:lnTo>
-                    <a:pt x="323613" y="1425761"/>
-                  </a:lnTo>
-                  <a:lnTo>
-                    <a:pt x="316289" y="1354473"/>
-                  </a:lnTo>
-                  <a:lnTo>
-                    <a:pt x="308965" y="1283185"/>
-                  </a:lnTo>
-                  <a:lnTo>
-                    <a:pt x="301640" y="1211897"/>
-                  </a:lnTo>
-                  <a:lnTo>
-                    <a:pt x="294316" y="1140609"/>
-                  </a:lnTo>
-                  <a:lnTo>
-                    <a:pt x="286992" y="1069321"/>
-                  </a:lnTo>
-                  <a:lnTo>
-                    <a:pt x="279668" y="998033"/>
-                  </a:lnTo>
-                  <a:lnTo>
-                    <a:pt x="272344" y="926745"/>
-                  </a:lnTo>
-                  <a:lnTo>
-                    <a:pt x="265019" y="855457"/>
-                  </a:lnTo>
-                  <a:lnTo>
-                    <a:pt x="257695" y="784168"/>
-                  </a:lnTo>
-                  <a:lnTo>
-                    <a:pt x="250371" y="712880"/>
-                  </a:lnTo>
-                  <a:lnTo>
-                    <a:pt x="243047" y="641592"/>
-                  </a:lnTo>
-                  <a:lnTo>
-                    <a:pt x="235722" y="570304"/>
-                  </a:lnTo>
-                  <a:lnTo>
-                    <a:pt x="228398" y="499016"/>
-                  </a:lnTo>
-                  <a:lnTo>
-                    <a:pt x="221074" y="427728"/>
-                  </a:lnTo>
-                  <a:lnTo>
-                    <a:pt x="213750" y="356440"/>
-                  </a:lnTo>
-                  <a:lnTo>
-                    <a:pt x="206426" y="285152"/>
-                  </a:lnTo>
-                  <a:lnTo>
-                    <a:pt x="199101" y="213864"/>
-                  </a:lnTo>
-                  <a:lnTo>
-                    <a:pt x="191777" y="142576"/>
-                  </a:lnTo>
-                  <a:lnTo>
-                    <a:pt x="184453" y="71288"/>
-                  </a:lnTo>
-                  <a:lnTo>
-                    <a:pt x="177129" y="0"/>
-                  </a:lnTo>
-                  <a:lnTo>
-                    <a:pt x="88285" y="11066"/>
-                  </a:lnTo>
-                  <a:lnTo>
-                    <a:pt x="0" y="25949"/>
-                  </a:lnTo>
-                  <a:lnTo>
-                    <a:pt x="13432" y="96342"/>
-                  </a:lnTo>
-                  <a:lnTo>
-                    <a:pt x="26864" y="166736"/>
-                  </a:lnTo>
-                  <a:lnTo>
-                    <a:pt x="40296" y="237129"/>
-                  </a:lnTo>
-                  <a:lnTo>
-                    <a:pt x="53728" y="307522"/>
-                  </a:lnTo>
-                  <a:lnTo>
-                    <a:pt x="67160" y="377915"/>
-                  </a:lnTo>
-                  <a:lnTo>
-                    <a:pt x="80592" y="448309"/>
-                  </a:lnTo>
-                  <a:lnTo>
-                    <a:pt x="94024" y="518702"/>
-                  </a:lnTo>
-                  <a:lnTo>
-                    <a:pt x="107456" y="589095"/>
-                  </a:lnTo>
-                  <a:lnTo>
-                    <a:pt x="120889" y="659488"/>
-                  </a:lnTo>
-                  <a:lnTo>
-                    <a:pt x="134321" y="729882"/>
-                  </a:lnTo>
-                  <a:lnTo>
-                    <a:pt x="147753" y="800275"/>
-                  </a:lnTo>
-                  <a:lnTo>
-                    <a:pt x="161185" y="870668"/>
-                  </a:lnTo>
-                  <a:lnTo>
-                    <a:pt x="174617" y="941062"/>
-                  </a:lnTo>
-                  <a:lnTo>
-                    <a:pt x="188049" y="1011455"/>
-                  </a:lnTo>
-                  <a:lnTo>
-                    <a:pt x="201481" y="1081848"/>
-                  </a:lnTo>
-                  <a:lnTo>
-                    <a:pt x="214913" y="1152241"/>
-                  </a:lnTo>
-                  <a:lnTo>
-                    <a:pt x="228345" y="1222635"/>
-                  </a:lnTo>
-                  <a:lnTo>
-                    <a:pt x="241778" y="1293028"/>
-                  </a:lnTo>
-                  <a:lnTo>
-                    <a:pt x="255210" y="1363421"/>
-                  </a:lnTo>
-                  <a:lnTo>
-                    <a:pt x="268642" y="1433814"/>
-                  </a:lnTo>
-                  <a:lnTo>
-                    <a:pt x="282074" y="1504208"/>
-                  </a:lnTo>
-                  <a:lnTo>
-                    <a:pt x="295506" y="1574601"/>
-                  </a:lnTo>
-                  <a:lnTo>
-                    <a:pt x="308938" y="1644994"/>
-                  </a:lnTo>
-                  <a:lnTo>
-                    <a:pt x="322370" y="1715388"/>
-                  </a:lnTo>
-                  <a:lnTo>
-                    <a:pt x="335802" y="1785781"/>
-                  </a:lnTo>
-                  <a:lnTo>
-                    <a:pt x="349235" y="1856174"/>
-                  </a:lnTo>
-                  <a:lnTo>
-                    <a:pt x="362667" y="1926567"/>
-                  </a:lnTo>
-                  <a:lnTo>
-                    <a:pt x="376099" y="1996961"/>
+                    <a:pt x="339440" y="1772719"/>
+                  </a:lnTo>
+                  <a:lnTo>
+                    <a:pt x="332936" y="1709408"/>
+                  </a:lnTo>
+                  <a:lnTo>
+                    <a:pt x="326431" y="1646096"/>
+                  </a:lnTo>
+                  <a:lnTo>
+                    <a:pt x="319926" y="1582785"/>
+                  </a:lnTo>
+                  <a:lnTo>
+                    <a:pt x="313421" y="1519474"/>
+                  </a:lnTo>
+                  <a:lnTo>
+                    <a:pt x="306917" y="1456162"/>
+                  </a:lnTo>
+                  <a:lnTo>
+                    <a:pt x="300412" y="1392851"/>
+                  </a:lnTo>
+                  <a:lnTo>
+                    <a:pt x="293907" y="1329539"/>
+                  </a:lnTo>
+                  <a:lnTo>
+                    <a:pt x="287403" y="1266228"/>
+                  </a:lnTo>
+                  <a:lnTo>
+                    <a:pt x="280898" y="1202916"/>
+                  </a:lnTo>
+                  <a:lnTo>
+                    <a:pt x="274393" y="1139605"/>
+                  </a:lnTo>
+                  <a:lnTo>
+                    <a:pt x="267889" y="1076294"/>
+                  </a:lnTo>
+                  <a:lnTo>
+                    <a:pt x="261384" y="1012982"/>
+                  </a:lnTo>
+                  <a:lnTo>
+                    <a:pt x="254879" y="949671"/>
+                  </a:lnTo>
+                  <a:lnTo>
+                    <a:pt x="248375" y="886359"/>
+                  </a:lnTo>
+                  <a:lnTo>
+                    <a:pt x="241870" y="823048"/>
+                  </a:lnTo>
+                  <a:lnTo>
+                    <a:pt x="235365" y="759737"/>
+                  </a:lnTo>
+                  <a:lnTo>
+                    <a:pt x="228861" y="696425"/>
+                  </a:lnTo>
+                  <a:lnTo>
+                    <a:pt x="222356" y="633114"/>
+                  </a:lnTo>
+                  <a:lnTo>
+                    <a:pt x="215851" y="569802"/>
+                  </a:lnTo>
+                  <a:lnTo>
+                    <a:pt x="209347" y="506491"/>
+                  </a:lnTo>
+                  <a:lnTo>
+                    <a:pt x="202842" y="443179"/>
+                  </a:lnTo>
+                  <a:lnTo>
+                    <a:pt x="196337" y="379868"/>
+                  </a:lnTo>
+                  <a:lnTo>
+                    <a:pt x="189833" y="316557"/>
+                  </a:lnTo>
+                  <a:lnTo>
+                    <a:pt x="183328" y="253245"/>
+                  </a:lnTo>
+                  <a:lnTo>
+                    <a:pt x="176823" y="189934"/>
+                  </a:lnTo>
+                  <a:lnTo>
+                    <a:pt x="170319" y="126622"/>
+                  </a:lnTo>
+                  <a:lnTo>
+                    <a:pt x="163814" y="63311"/>
+                  </a:lnTo>
+                  <a:lnTo>
+                    <a:pt x="157309" y="0"/>
+                  </a:lnTo>
+                  <a:lnTo>
+                    <a:pt x="78406" y="9828"/>
+                  </a:lnTo>
+                  <a:lnTo>
+                    <a:pt x="0" y="23045"/>
+                  </a:lnTo>
+                  <a:lnTo>
+                    <a:pt x="11929" y="85562"/>
+                  </a:lnTo>
+                  <a:lnTo>
+                    <a:pt x="23858" y="148079"/>
+                  </a:lnTo>
+                  <a:lnTo>
+                    <a:pt x="35787" y="210596"/>
+                  </a:lnTo>
+                  <a:lnTo>
+                    <a:pt x="47716" y="273112"/>
+                  </a:lnTo>
+                  <a:lnTo>
+                    <a:pt x="59645" y="335629"/>
+                  </a:lnTo>
+                  <a:lnTo>
+                    <a:pt x="71574" y="398146"/>
+                  </a:lnTo>
+                  <a:lnTo>
+                    <a:pt x="83504" y="460663"/>
+                  </a:lnTo>
+                  <a:lnTo>
+                    <a:pt x="95433" y="523179"/>
+                  </a:lnTo>
+                  <a:lnTo>
+                    <a:pt x="107362" y="585696"/>
+                  </a:lnTo>
+                  <a:lnTo>
+                    <a:pt x="119291" y="648213"/>
+                  </a:lnTo>
+                  <a:lnTo>
+                    <a:pt x="131220" y="710729"/>
+                  </a:lnTo>
+                  <a:lnTo>
+                    <a:pt x="143149" y="773246"/>
+                  </a:lnTo>
+                  <a:lnTo>
+                    <a:pt x="155078" y="835763"/>
+                  </a:lnTo>
+                  <a:lnTo>
+                    <a:pt x="167008" y="898280"/>
+                  </a:lnTo>
+                  <a:lnTo>
+                    <a:pt x="178937" y="960796"/>
+                  </a:lnTo>
+                  <a:lnTo>
+                    <a:pt x="190866" y="1023313"/>
+                  </a:lnTo>
+                  <a:lnTo>
+                    <a:pt x="202795" y="1085830"/>
+                  </a:lnTo>
+                  <a:lnTo>
+                    <a:pt x="214724" y="1148347"/>
+                  </a:lnTo>
+                  <a:lnTo>
+                    <a:pt x="226653" y="1210863"/>
+                  </a:lnTo>
+                  <a:lnTo>
+                    <a:pt x="238583" y="1273380"/>
+                  </a:lnTo>
+                  <a:lnTo>
+                    <a:pt x="250512" y="1335897"/>
+                  </a:lnTo>
+                  <a:lnTo>
+                    <a:pt x="262441" y="1398414"/>
+                  </a:lnTo>
+                  <a:lnTo>
+                    <a:pt x="274370" y="1460930"/>
+                  </a:lnTo>
+                  <a:lnTo>
+                    <a:pt x="286299" y="1523447"/>
+                  </a:lnTo>
+                  <a:lnTo>
+                    <a:pt x="298228" y="1585964"/>
+                  </a:lnTo>
+                  <a:lnTo>
+                    <a:pt x="310157" y="1648480"/>
+                  </a:lnTo>
+                  <a:lnTo>
+                    <a:pt x="322087" y="1710997"/>
+                  </a:lnTo>
+                  <a:lnTo>
+                    <a:pt x="334016" y="1773514"/>
                   </a:lnTo>
                   <a:close/>
                 </a:path>
@@ -8244,189 +8698,189 @@
           </p:nvSpPr>
           <p:spPr>
             <a:xfrm>
-              <a:off x="4396706" y="1985048"/>
-              <a:ext cx="212402" cy="2075936"/>
+              <a:off x="4420472" y="1926655"/>
+              <a:ext cx="188635" cy="1843652"/>
             </a:xfrm>
             <a:custGeom>
               <a:avLst/>
               <a:pathLst>
-                <a:path w="212402" h="2075936">
+                <a:path w="188635" h="1843652">
                   <a:moveTo>
-                    <a:pt x="212402" y="2075936"/>
+                    <a:pt x="188635" y="1843652"/>
                   </a:moveTo>
                   <a:lnTo>
-                    <a:pt x="209030" y="2004352"/>
-                  </a:lnTo>
-                  <a:lnTo>
-                    <a:pt x="205659" y="1932768"/>
-                  </a:lnTo>
-                  <a:lnTo>
-                    <a:pt x="202287" y="1861184"/>
-                  </a:lnTo>
-                  <a:lnTo>
-                    <a:pt x="198916" y="1789600"/>
-                  </a:lnTo>
-                  <a:lnTo>
-                    <a:pt x="195545" y="1718016"/>
-                  </a:lnTo>
-                  <a:lnTo>
-                    <a:pt x="192173" y="1646432"/>
-                  </a:lnTo>
-                  <a:lnTo>
-                    <a:pt x="188802" y="1574848"/>
-                  </a:lnTo>
-                  <a:lnTo>
-                    <a:pt x="185431" y="1503264"/>
-                  </a:lnTo>
-                  <a:lnTo>
-                    <a:pt x="182059" y="1431680"/>
-                  </a:lnTo>
-                  <a:lnTo>
-                    <a:pt x="178688" y="1360096"/>
-                  </a:lnTo>
-                  <a:lnTo>
-                    <a:pt x="175317" y="1288512"/>
-                  </a:lnTo>
-                  <a:lnTo>
-                    <a:pt x="171945" y="1216928"/>
-                  </a:lnTo>
-                  <a:lnTo>
-                    <a:pt x="168574" y="1145344"/>
-                  </a:lnTo>
-                  <a:lnTo>
-                    <a:pt x="165202" y="1073760"/>
-                  </a:lnTo>
-                  <a:lnTo>
-                    <a:pt x="161831" y="1002176"/>
-                  </a:lnTo>
-                  <a:lnTo>
-                    <a:pt x="158460" y="930592"/>
-                  </a:lnTo>
-                  <a:lnTo>
-                    <a:pt x="155088" y="859008"/>
-                  </a:lnTo>
-                  <a:lnTo>
-                    <a:pt x="151717" y="787424"/>
-                  </a:lnTo>
-                  <a:lnTo>
-                    <a:pt x="148346" y="715840"/>
-                  </a:lnTo>
-                  <a:lnTo>
-                    <a:pt x="144974" y="644256"/>
-                  </a:lnTo>
-                  <a:lnTo>
-                    <a:pt x="141603" y="572672"/>
-                  </a:lnTo>
-                  <a:lnTo>
-                    <a:pt x="138231" y="501088"/>
-                  </a:lnTo>
-                  <a:lnTo>
-                    <a:pt x="134860" y="429504"/>
-                  </a:lnTo>
-                  <a:lnTo>
-                    <a:pt x="131489" y="357920"/>
-                  </a:lnTo>
-                  <a:lnTo>
-                    <a:pt x="128117" y="286336"/>
-                  </a:lnTo>
-                  <a:lnTo>
-                    <a:pt x="124746" y="214752"/>
-                  </a:lnTo>
-                  <a:lnTo>
-                    <a:pt x="121375" y="143168"/>
-                  </a:lnTo>
-                  <a:lnTo>
-                    <a:pt x="118003" y="71584"/>
-                  </a:lnTo>
-                  <a:lnTo>
-                    <a:pt x="114632" y="0"/>
-                  </a:lnTo>
-                  <a:lnTo>
-                    <a:pt x="0" y="8581"/>
-                  </a:lnTo>
-                  <a:lnTo>
-                    <a:pt x="7324" y="79869"/>
-                  </a:lnTo>
-                  <a:lnTo>
-                    <a:pt x="14648" y="151157"/>
-                  </a:lnTo>
-                  <a:lnTo>
-                    <a:pt x="21972" y="222445"/>
-                  </a:lnTo>
-                  <a:lnTo>
-                    <a:pt x="29296" y="293733"/>
-                  </a:lnTo>
-                  <a:lnTo>
-                    <a:pt x="36621" y="365021"/>
-                  </a:lnTo>
-                  <a:lnTo>
-                    <a:pt x="43945" y="436310"/>
-                  </a:lnTo>
-                  <a:lnTo>
-                    <a:pt x="51269" y="507598"/>
-                  </a:lnTo>
-                  <a:lnTo>
-                    <a:pt x="58593" y="578886"/>
-                  </a:lnTo>
-                  <a:lnTo>
-                    <a:pt x="65917" y="650174"/>
-                  </a:lnTo>
-                  <a:lnTo>
-                    <a:pt x="73242" y="721462"/>
-                  </a:lnTo>
-                  <a:lnTo>
-                    <a:pt x="80566" y="792750"/>
-                  </a:lnTo>
-                  <a:lnTo>
-                    <a:pt x="87890" y="864038"/>
-                  </a:lnTo>
-                  <a:lnTo>
-                    <a:pt x="95214" y="935326"/>
-                  </a:lnTo>
-                  <a:lnTo>
-                    <a:pt x="102538" y="1006614"/>
-                  </a:lnTo>
-                  <a:lnTo>
-                    <a:pt x="109863" y="1077902"/>
-                  </a:lnTo>
-                  <a:lnTo>
-                    <a:pt x="117187" y="1149190"/>
-                  </a:lnTo>
-                  <a:lnTo>
-                    <a:pt x="124511" y="1220478"/>
-                  </a:lnTo>
-                  <a:lnTo>
-                    <a:pt x="131835" y="1291767"/>
-                  </a:lnTo>
-                  <a:lnTo>
-                    <a:pt x="139159" y="1363055"/>
-                  </a:lnTo>
-                  <a:lnTo>
-                    <a:pt x="146484" y="1434343"/>
-                  </a:lnTo>
-                  <a:lnTo>
-                    <a:pt x="153808" y="1505631"/>
-                  </a:lnTo>
-                  <a:lnTo>
-                    <a:pt x="161132" y="1576919"/>
-                  </a:lnTo>
-                  <a:lnTo>
-                    <a:pt x="168456" y="1648207"/>
-                  </a:lnTo>
-                  <a:lnTo>
-                    <a:pt x="175781" y="1719495"/>
-                  </a:lnTo>
-                  <a:lnTo>
-                    <a:pt x="183105" y="1790783"/>
-                  </a:lnTo>
-                  <a:lnTo>
-                    <a:pt x="190429" y="1862071"/>
-                  </a:lnTo>
-                  <a:lnTo>
-                    <a:pt x="197753" y="1933359"/>
-                  </a:lnTo>
-                  <a:lnTo>
-                    <a:pt x="205077" y="2004647"/>
+                    <a:pt x="185641" y="1780078"/>
+                  </a:lnTo>
+                  <a:lnTo>
+                    <a:pt x="182647" y="1716504"/>
+                  </a:lnTo>
+                  <a:lnTo>
+                    <a:pt x="179653" y="1652929"/>
+                  </a:lnTo>
+                  <a:lnTo>
+                    <a:pt x="176659" y="1589355"/>
+                  </a:lnTo>
+                  <a:lnTo>
+                    <a:pt x="173665" y="1525781"/>
+                  </a:lnTo>
+                  <a:lnTo>
+                    <a:pt x="170670" y="1462207"/>
+                  </a:lnTo>
+                  <a:lnTo>
+                    <a:pt x="167676" y="1398632"/>
+                  </a:lnTo>
+                  <a:lnTo>
+                    <a:pt x="164682" y="1335058"/>
+                  </a:lnTo>
+                  <a:lnTo>
+                    <a:pt x="161688" y="1271484"/>
+                  </a:lnTo>
+                  <a:lnTo>
+                    <a:pt x="158694" y="1207910"/>
+                  </a:lnTo>
+                  <a:lnTo>
+                    <a:pt x="155700" y="1144336"/>
+                  </a:lnTo>
+                  <a:lnTo>
+                    <a:pt x="152706" y="1080761"/>
+                  </a:lnTo>
+                  <a:lnTo>
+                    <a:pt x="149711" y="1017187"/>
+                  </a:lnTo>
+                  <a:lnTo>
+                    <a:pt x="146717" y="953613"/>
+                  </a:lnTo>
+                  <a:lnTo>
+                    <a:pt x="143723" y="890039"/>
+                  </a:lnTo>
+                  <a:lnTo>
+                    <a:pt x="140729" y="826464"/>
+                  </a:lnTo>
+                  <a:lnTo>
+                    <a:pt x="137735" y="762890"/>
+                  </a:lnTo>
+                  <a:lnTo>
+                    <a:pt x="134741" y="699316"/>
+                  </a:lnTo>
+                  <a:lnTo>
+                    <a:pt x="131747" y="635742"/>
+                  </a:lnTo>
+                  <a:lnTo>
+                    <a:pt x="128752" y="572168"/>
+                  </a:lnTo>
+                  <a:lnTo>
+                    <a:pt x="125758" y="508593"/>
+                  </a:lnTo>
+                  <a:lnTo>
+                    <a:pt x="122764" y="445019"/>
+                  </a:lnTo>
+                  <a:lnTo>
+                    <a:pt x="119770" y="381445"/>
+                  </a:lnTo>
+                  <a:lnTo>
+                    <a:pt x="116776" y="317871"/>
+                  </a:lnTo>
+                  <a:lnTo>
+                    <a:pt x="113782" y="254296"/>
+                  </a:lnTo>
+                  <a:lnTo>
+                    <a:pt x="110788" y="190722"/>
+                  </a:lnTo>
+                  <a:lnTo>
+                    <a:pt x="107794" y="127148"/>
+                  </a:lnTo>
+                  <a:lnTo>
+                    <a:pt x="104799" y="63574"/>
+                  </a:lnTo>
+                  <a:lnTo>
+                    <a:pt x="101805" y="0"/>
+                  </a:lnTo>
+                  <a:lnTo>
+                    <a:pt x="0" y="7621"/>
+                  </a:lnTo>
+                  <a:lnTo>
+                    <a:pt x="6504" y="70932"/>
+                  </a:lnTo>
+                  <a:lnTo>
+                    <a:pt x="13009" y="134244"/>
+                  </a:lnTo>
+                  <a:lnTo>
+                    <a:pt x="19514" y="197555"/>
+                  </a:lnTo>
+                  <a:lnTo>
+                    <a:pt x="26018" y="260866"/>
+                  </a:lnTo>
+                  <a:lnTo>
+                    <a:pt x="32523" y="324178"/>
+                  </a:lnTo>
+                  <a:lnTo>
+                    <a:pt x="39028" y="387489"/>
+                  </a:lnTo>
+                  <a:lnTo>
+                    <a:pt x="45532" y="450801"/>
+                  </a:lnTo>
+                  <a:lnTo>
+                    <a:pt x="52037" y="514112"/>
+                  </a:lnTo>
+                  <a:lnTo>
+                    <a:pt x="58542" y="577424"/>
+                  </a:lnTo>
+                  <a:lnTo>
+                    <a:pt x="65046" y="640735"/>
+                  </a:lnTo>
+                  <a:lnTo>
+                    <a:pt x="71551" y="704046"/>
+                  </a:lnTo>
+                  <a:lnTo>
+                    <a:pt x="78056" y="767358"/>
+                  </a:lnTo>
+                  <a:lnTo>
+                    <a:pt x="84560" y="830669"/>
+                  </a:lnTo>
+                  <a:lnTo>
+                    <a:pt x="91065" y="893981"/>
+                  </a:lnTo>
+                  <a:lnTo>
+                    <a:pt x="97570" y="957292"/>
+                  </a:lnTo>
+                  <a:lnTo>
+                    <a:pt x="104074" y="1020604"/>
+                  </a:lnTo>
+                  <a:lnTo>
+                    <a:pt x="110579" y="1083915"/>
+                  </a:lnTo>
+                  <a:lnTo>
+                    <a:pt x="117084" y="1147226"/>
+                  </a:lnTo>
+                  <a:lnTo>
+                    <a:pt x="123588" y="1210538"/>
+                  </a:lnTo>
+                  <a:lnTo>
+                    <a:pt x="130093" y="1273849"/>
+                  </a:lnTo>
+                  <a:lnTo>
+                    <a:pt x="136598" y="1337161"/>
+                  </a:lnTo>
+                  <a:lnTo>
+                    <a:pt x="143102" y="1400472"/>
+                  </a:lnTo>
+                  <a:lnTo>
+                    <a:pt x="149607" y="1463783"/>
+                  </a:lnTo>
+                  <a:lnTo>
+                    <a:pt x="156112" y="1527095"/>
+                  </a:lnTo>
+                  <a:lnTo>
+                    <a:pt x="162616" y="1590406"/>
+                  </a:lnTo>
+                  <a:lnTo>
+                    <a:pt x="169121" y="1653718"/>
+                  </a:lnTo>
+                  <a:lnTo>
+                    <a:pt x="175626" y="1717029"/>
+                  </a:lnTo>
+                  <a:lnTo>
+                    <a:pt x="182131" y="1780341"/>
                   </a:lnTo>
                   <a:close/>
                 </a:path>
@@ -8461,189 +8915,189 @@
           </p:nvSpPr>
           <p:spPr>
             <a:xfrm>
-              <a:off x="4511338" y="1983074"/>
-              <a:ext cx="97769" cy="2077910"/>
+              <a:off x="4522278" y="1924902"/>
+              <a:ext cx="86829" cy="1845405"/>
             </a:xfrm>
             <a:custGeom>
               <a:avLst/>
               <a:pathLst>
-                <a:path w="97769" h="2077910">
+                <a:path w="86829" h="1845405">
                   <a:moveTo>
-                    <a:pt x="97769" y="2077910"/>
+                    <a:pt x="86829" y="1845405"/>
                   </a:moveTo>
                   <a:lnTo>
-                    <a:pt x="96498" y="2006258"/>
-                  </a:lnTo>
-                  <a:lnTo>
-                    <a:pt x="95227" y="1934606"/>
-                  </a:lnTo>
-                  <a:lnTo>
-                    <a:pt x="93956" y="1862953"/>
-                  </a:lnTo>
-                  <a:lnTo>
-                    <a:pt x="92685" y="1791301"/>
-                  </a:lnTo>
-                  <a:lnTo>
-                    <a:pt x="91414" y="1719649"/>
-                  </a:lnTo>
-                  <a:lnTo>
-                    <a:pt x="90143" y="1647997"/>
-                  </a:lnTo>
-                  <a:lnTo>
-                    <a:pt x="88872" y="1576345"/>
-                  </a:lnTo>
-                  <a:lnTo>
-                    <a:pt x="87601" y="1504693"/>
-                  </a:lnTo>
-                  <a:lnTo>
-                    <a:pt x="86330" y="1433041"/>
-                  </a:lnTo>
-                  <a:lnTo>
-                    <a:pt x="85059" y="1361389"/>
-                  </a:lnTo>
-                  <a:lnTo>
-                    <a:pt x="83788" y="1289737"/>
-                  </a:lnTo>
-                  <a:lnTo>
-                    <a:pt x="82517" y="1218085"/>
-                  </a:lnTo>
-                  <a:lnTo>
-                    <a:pt x="81246" y="1146433"/>
-                  </a:lnTo>
-                  <a:lnTo>
-                    <a:pt x="79975" y="1074781"/>
-                  </a:lnTo>
-                  <a:lnTo>
-                    <a:pt x="78704" y="1003129"/>
-                  </a:lnTo>
-                  <a:lnTo>
-                    <a:pt x="77433" y="931476"/>
-                  </a:lnTo>
-                  <a:lnTo>
-                    <a:pt x="76162" y="859824"/>
-                  </a:lnTo>
-                  <a:lnTo>
-                    <a:pt x="74891" y="788172"/>
-                  </a:lnTo>
-                  <a:lnTo>
-                    <a:pt x="73620" y="716520"/>
-                  </a:lnTo>
-                  <a:lnTo>
-                    <a:pt x="72349" y="644868"/>
-                  </a:lnTo>
-                  <a:lnTo>
-                    <a:pt x="71078" y="573216"/>
-                  </a:lnTo>
-                  <a:lnTo>
-                    <a:pt x="69807" y="501564"/>
-                  </a:lnTo>
-                  <a:lnTo>
-                    <a:pt x="68536" y="429912"/>
-                  </a:lnTo>
-                  <a:lnTo>
-                    <a:pt x="67265" y="358260"/>
-                  </a:lnTo>
-                  <a:lnTo>
-                    <a:pt x="65994" y="286608"/>
-                  </a:lnTo>
-                  <a:lnTo>
-                    <a:pt x="64723" y="214956"/>
-                  </a:lnTo>
-                  <a:lnTo>
-                    <a:pt x="63452" y="143304"/>
-                  </a:lnTo>
-                  <a:lnTo>
-                    <a:pt x="62181" y="71652"/>
-                  </a:lnTo>
-                  <a:lnTo>
-                    <a:pt x="60910" y="0"/>
-                  </a:lnTo>
-                  <a:lnTo>
-                    <a:pt x="0" y="1974"/>
-                  </a:lnTo>
-                  <a:lnTo>
-                    <a:pt x="3371" y="73558"/>
-                  </a:lnTo>
-                  <a:lnTo>
-                    <a:pt x="6742" y="145142"/>
-                  </a:lnTo>
-                  <a:lnTo>
-                    <a:pt x="10114" y="216726"/>
-                  </a:lnTo>
-                  <a:lnTo>
-                    <a:pt x="13485" y="288310"/>
-                  </a:lnTo>
-                  <a:lnTo>
-                    <a:pt x="16856" y="359894"/>
-                  </a:lnTo>
-                  <a:lnTo>
-                    <a:pt x="20228" y="431478"/>
-                  </a:lnTo>
-                  <a:lnTo>
-                    <a:pt x="23599" y="503062"/>
-                  </a:lnTo>
-                  <a:lnTo>
-                    <a:pt x="26970" y="574646"/>
-                  </a:lnTo>
-                  <a:lnTo>
-                    <a:pt x="30342" y="646230"/>
-                  </a:lnTo>
-                  <a:lnTo>
-                    <a:pt x="33713" y="717814"/>
-                  </a:lnTo>
-                  <a:lnTo>
-                    <a:pt x="37085" y="789398"/>
-                  </a:lnTo>
-                  <a:lnTo>
-                    <a:pt x="40456" y="860982"/>
-                  </a:lnTo>
-                  <a:lnTo>
-                    <a:pt x="43827" y="932566"/>
-                  </a:lnTo>
-                  <a:lnTo>
-                    <a:pt x="47199" y="1004150"/>
-                  </a:lnTo>
-                  <a:lnTo>
-                    <a:pt x="50570" y="1075734"/>
-                  </a:lnTo>
-                  <a:lnTo>
-                    <a:pt x="53941" y="1147318"/>
-                  </a:lnTo>
-                  <a:lnTo>
-                    <a:pt x="57313" y="1218902"/>
-                  </a:lnTo>
-                  <a:lnTo>
-                    <a:pt x="60684" y="1290486"/>
-                  </a:lnTo>
-                  <a:lnTo>
-                    <a:pt x="64056" y="1362070"/>
-                  </a:lnTo>
-                  <a:lnTo>
-                    <a:pt x="67427" y="1433654"/>
-                  </a:lnTo>
-                  <a:lnTo>
-                    <a:pt x="70798" y="1505238"/>
-                  </a:lnTo>
-                  <a:lnTo>
-                    <a:pt x="74170" y="1576822"/>
-                  </a:lnTo>
-                  <a:lnTo>
-                    <a:pt x="77541" y="1648406"/>
-                  </a:lnTo>
-                  <a:lnTo>
-                    <a:pt x="80912" y="1719990"/>
-                  </a:lnTo>
-                  <a:lnTo>
-                    <a:pt x="84284" y="1791574"/>
-                  </a:lnTo>
-                  <a:lnTo>
-                    <a:pt x="87655" y="1863158"/>
-                  </a:lnTo>
-                  <a:lnTo>
-                    <a:pt x="91027" y="1934742"/>
-                  </a:lnTo>
-                  <a:lnTo>
-                    <a:pt x="94398" y="2006326"/>
+                    <a:pt x="85701" y="1781771"/>
+                  </a:lnTo>
+                  <a:lnTo>
+                    <a:pt x="84572" y="1718136"/>
+                  </a:lnTo>
+                  <a:lnTo>
+                    <a:pt x="83443" y="1654501"/>
+                  </a:lnTo>
+                  <a:lnTo>
+                    <a:pt x="82314" y="1590866"/>
+                  </a:lnTo>
+                  <a:lnTo>
+                    <a:pt x="81185" y="1527232"/>
+                  </a:lnTo>
+                  <a:lnTo>
+                    <a:pt x="80057" y="1463597"/>
+                  </a:lnTo>
+                  <a:lnTo>
+                    <a:pt x="78928" y="1399962"/>
+                  </a:lnTo>
+                  <a:lnTo>
+                    <a:pt x="77799" y="1336328"/>
+                  </a:lnTo>
+                  <a:lnTo>
+                    <a:pt x="76670" y="1272693"/>
+                  </a:lnTo>
+                  <a:lnTo>
+                    <a:pt x="75542" y="1209058"/>
+                  </a:lnTo>
+                  <a:lnTo>
+                    <a:pt x="74413" y="1145424"/>
+                  </a:lnTo>
+                  <a:lnTo>
+                    <a:pt x="73284" y="1081789"/>
+                  </a:lnTo>
+                  <a:lnTo>
+                    <a:pt x="72155" y="1018154"/>
+                  </a:lnTo>
+                  <a:lnTo>
+                    <a:pt x="71026" y="954520"/>
+                  </a:lnTo>
+                  <a:lnTo>
+                    <a:pt x="69898" y="890885"/>
+                  </a:lnTo>
+                  <a:lnTo>
+                    <a:pt x="68769" y="827250"/>
+                  </a:lnTo>
+                  <a:lnTo>
+                    <a:pt x="67640" y="763616"/>
+                  </a:lnTo>
+                  <a:lnTo>
+                    <a:pt x="66511" y="699981"/>
+                  </a:lnTo>
+                  <a:lnTo>
+                    <a:pt x="65382" y="636346"/>
+                  </a:lnTo>
+                  <a:lnTo>
+                    <a:pt x="64254" y="572712"/>
+                  </a:lnTo>
+                  <a:lnTo>
+                    <a:pt x="63125" y="509077"/>
+                  </a:lnTo>
+                  <a:lnTo>
+                    <a:pt x="61996" y="445442"/>
+                  </a:lnTo>
+                  <a:lnTo>
+                    <a:pt x="60867" y="381808"/>
+                  </a:lnTo>
+                  <a:lnTo>
+                    <a:pt x="59738" y="318173"/>
+                  </a:lnTo>
+                  <a:lnTo>
+                    <a:pt x="58610" y="254538"/>
+                  </a:lnTo>
+                  <a:lnTo>
+                    <a:pt x="57481" y="190904"/>
+                  </a:lnTo>
+                  <a:lnTo>
+                    <a:pt x="56352" y="127269"/>
+                  </a:lnTo>
+                  <a:lnTo>
+                    <a:pt x="55223" y="63634"/>
+                  </a:lnTo>
+                  <a:lnTo>
+                    <a:pt x="54094" y="0"/>
+                  </a:lnTo>
+                  <a:lnTo>
+                    <a:pt x="0" y="1753"/>
+                  </a:lnTo>
+                  <a:lnTo>
+                    <a:pt x="2994" y="65327"/>
+                  </a:lnTo>
+                  <a:lnTo>
+                    <a:pt x="5988" y="128901"/>
+                  </a:lnTo>
+                  <a:lnTo>
+                    <a:pt x="8982" y="192475"/>
+                  </a:lnTo>
+                  <a:lnTo>
+                    <a:pt x="11976" y="256050"/>
+                  </a:lnTo>
+                  <a:lnTo>
+                    <a:pt x="14970" y="319624"/>
+                  </a:lnTo>
+                  <a:lnTo>
+                    <a:pt x="17964" y="383198"/>
+                  </a:lnTo>
+                  <a:lnTo>
+                    <a:pt x="20958" y="446772"/>
+                  </a:lnTo>
+                  <a:lnTo>
+                    <a:pt x="23953" y="510347"/>
+                  </a:lnTo>
+                  <a:lnTo>
+                    <a:pt x="26947" y="573921"/>
+                  </a:lnTo>
+                  <a:lnTo>
+                    <a:pt x="29941" y="637495"/>
+                  </a:lnTo>
+                  <a:lnTo>
+                    <a:pt x="32935" y="701069"/>
+                  </a:lnTo>
+                  <a:lnTo>
+                    <a:pt x="35929" y="764643"/>
+                  </a:lnTo>
+                  <a:lnTo>
+                    <a:pt x="38923" y="828218"/>
+                  </a:lnTo>
+                  <a:lnTo>
+                    <a:pt x="41917" y="891792"/>
+                  </a:lnTo>
+                  <a:lnTo>
+                    <a:pt x="44912" y="955366"/>
+                  </a:lnTo>
+                  <a:lnTo>
+                    <a:pt x="47906" y="1018940"/>
+                  </a:lnTo>
+                  <a:lnTo>
+                    <a:pt x="50900" y="1082515"/>
+                  </a:lnTo>
+                  <a:lnTo>
+                    <a:pt x="53894" y="1146089"/>
+                  </a:lnTo>
+                  <a:lnTo>
+                    <a:pt x="56888" y="1209663"/>
+                  </a:lnTo>
+                  <a:lnTo>
+                    <a:pt x="59882" y="1273237"/>
+                  </a:lnTo>
+                  <a:lnTo>
+                    <a:pt x="62876" y="1336811"/>
+                  </a:lnTo>
+                  <a:lnTo>
+                    <a:pt x="65871" y="1400386"/>
+                  </a:lnTo>
+                  <a:lnTo>
+                    <a:pt x="68865" y="1463960"/>
+                  </a:lnTo>
+                  <a:lnTo>
+                    <a:pt x="71859" y="1527534"/>
+                  </a:lnTo>
+                  <a:lnTo>
+                    <a:pt x="74853" y="1591108"/>
+                  </a:lnTo>
+                  <a:lnTo>
+                    <a:pt x="77847" y="1654683"/>
+                  </a:lnTo>
+                  <a:lnTo>
+                    <a:pt x="80841" y="1718257"/>
+                  </a:lnTo>
+                  <a:lnTo>
+                    <a:pt x="83835" y="1781831"/>
                   </a:lnTo>
                   <a:close/>
                 </a:path>
@@ -8678,189 +9132,189 @@
           </p:nvSpPr>
           <p:spPr>
             <a:xfrm>
-              <a:off x="4572249" y="1982747"/>
-              <a:ext cx="36859" cy="2078237"/>
+              <a:off x="4576373" y="1924612"/>
+              <a:ext cx="32735" cy="1845696"/>
             </a:xfrm>
             <a:custGeom>
               <a:avLst/>
               <a:pathLst>
-                <a:path w="36859" h="2078237">
+                <a:path w="32735" h="1845696">
                   <a:moveTo>
-                    <a:pt x="36859" y="2078237"/>
+                    <a:pt x="32735" y="1845696"/>
                   </a:moveTo>
                   <a:lnTo>
-                    <a:pt x="36859" y="2006573"/>
-                  </a:lnTo>
-                  <a:lnTo>
-                    <a:pt x="36859" y="1934910"/>
-                  </a:lnTo>
-                  <a:lnTo>
-                    <a:pt x="36859" y="1863247"/>
-                  </a:lnTo>
-                  <a:lnTo>
-                    <a:pt x="36859" y="1791583"/>
-                  </a:lnTo>
-                  <a:lnTo>
-                    <a:pt x="36859" y="1719920"/>
-                  </a:lnTo>
-                  <a:lnTo>
-                    <a:pt x="36859" y="1648256"/>
-                  </a:lnTo>
-                  <a:lnTo>
-                    <a:pt x="36859" y="1576593"/>
-                  </a:lnTo>
-                  <a:lnTo>
-                    <a:pt x="36859" y="1504930"/>
-                  </a:lnTo>
-                  <a:lnTo>
-                    <a:pt x="36859" y="1433266"/>
-                  </a:lnTo>
-                  <a:lnTo>
-                    <a:pt x="36859" y="1361603"/>
-                  </a:lnTo>
-                  <a:lnTo>
-                    <a:pt x="36859" y="1289940"/>
-                  </a:lnTo>
-                  <a:lnTo>
-                    <a:pt x="36859" y="1218276"/>
-                  </a:lnTo>
-                  <a:lnTo>
-                    <a:pt x="36859" y="1146613"/>
-                  </a:lnTo>
-                  <a:lnTo>
-                    <a:pt x="36859" y="1074950"/>
-                  </a:lnTo>
-                  <a:lnTo>
-                    <a:pt x="36859" y="1003286"/>
-                  </a:lnTo>
-                  <a:lnTo>
-                    <a:pt x="36859" y="931623"/>
-                  </a:lnTo>
-                  <a:lnTo>
-                    <a:pt x="36859" y="859960"/>
-                  </a:lnTo>
-                  <a:lnTo>
-                    <a:pt x="36859" y="788296"/>
-                  </a:lnTo>
-                  <a:lnTo>
-                    <a:pt x="36859" y="716633"/>
-                  </a:lnTo>
-                  <a:lnTo>
-                    <a:pt x="36859" y="644970"/>
-                  </a:lnTo>
-                  <a:lnTo>
-                    <a:pt x="36859" y="573306"/>
-                  </a:lnTo>
-                  <a:lnTo>
-                    <a:pt x="36859" y="501643"/>
-                  </a:lnTo>
-                  <a:lnTo>
-                    <a:pt x="36859" y="429980"/>
-                  </a:lnTo>
-                  <a:lnTo>
-                    <a:pt x="36859" y="358316"/>
-                  </a:lnTo>
-                  <a:lnTo>
-                    <a:pt x="36859" y="286653"/>
-                  </a:lnTo>
-                  <a:lnTo>
-                    <a:pt x="36859" y="214990"/>
-                  </a:lnTo>
-                  <a:lnTo>
-                    <a:pt x="36859" y="143326"/>
-                  </a:lnTo>
-                  <a:lnTo>
-                    <a:pt x="36859" y="71663"/>
-                  </a:lnTo>
-                  <a:lnTo>
-                    <a:pt x="36859" y="0"/>
-                  </a:lnTo>
-                  <a:lnTo>
-                    <a:pt x="0" y="326"/>
-                  </a:lnTo>
-                  <a:lnTo>
-                    <a:pt x="1271" y="71978"/>
-                  </a:lnTo>
-                  <a:lnTo>
-                    <a:pt x="2542" y="143631"/>
-                  </a:lnTo>
-                  <a:lnTo>
-                    <a:pt x="3813" y="215283"/>
-                  </a:lnTo>
-                  <a:lnTo>
-                    <a:pt x="5084" y="286935"/>
-                  </a:lnTo>
-                  <a:lnTo>
-                    <a:pt x="6355" y="358587"/>
-                  </a:lnTo>
-                  <a:lnTo>
-                    <a:pt x="7626" y="430239"/>
-                  </a:lnTo>
-                  <a:lnTo>
-                    <a:pt x="8897" y="501891"/>
-                  </a:lnTo>
-                  <a:lnTo>
-                    <a:pt x="10168" y="573543"/>
-                  </a:lnTo>
-                  <a:lnTo>
-                    <a:pt x="11439" y="645195"/>
-                  </a:lnTo>
-                  <a:lnTo>
-                    <a:pt x="12710" y="716847"/>
-                  </a:lnTo>
-                  <a:lnTo>
-                    <a:pt x="13981" y="788499"/>
-                  </a:lnTo>
-                  <a:lnTo>
-                    <a:pt x="15252" y="860151"/>
-                  </a:lnTo>
-                  <a:lnTo>
-                    <a:pt x="16523" y="931803"/>
-                  </a:lnTo>
-                  <a:lnTo>
-                    <a:pt x="17794" y="1003455"/>
-                  </a:lnTo>
-                  <a:lnTo>
-                    <a:pt x="19065" y="1075108"/>
-                  </a:lnTo>
-                  <a:lnTo>
-                    <a:pt x="20336" y="1146760"/>
-                  </a:lnTo>
-                  <a:lnTo>
-                    <a:pt x="21607" y="1218412"/>
-                  </a:lnTo>
-                  <a:lnTo>
-                    <a:pt x="22878" y="1290064"/>
-                  </a:lnTo>
-                  <a:lnTo>
-                    <a:pt x="24149" y="1361716"/>
-                  </a:lnTo>
-                  <a:lnTo>
-                    <a:pt x="25420" y="1433368"/>
-                  </a:lnTo>
-                  <a:lnTo>
-                    <a:pt x="26691" y="1505020"/>
-                  </a:lnTo>
-                  <a:lnTo>
-                    <a:pt x="27962" y="1576672"/>
-                  </a:lnTo>
-                  <a:lnTo>
-                    <a:pt x="29233" y="1648324"/>
-                  </a:lnTo>
-                  <a:lnTo>
-                    <a:pt x="30504" y="1719976"/>
-                  </a:lnTo>
-                  <a:lnTo>
-                    <a:pt x="31775" y="1791628"/>
-                  </a:lnTo>
-                  <a:lnTo>
-                    <a:pt x="33046" y="1863280"/>
-                  </a:lnTo>
-                  <a:lnTo>
-                    <a:pt x="34317" y="1934932"/>
-                  </a:lnTo>
-                  <a:lnTo>
-                    <a:pt x="35588" y="2006584"/>
+                    <a:pt x="32735" y="1782051"/>
+                  </a:lnTo>
+                  <a:lnTo>
+                    <a:pt x="32735" y="1718406"/>
+                  </a:lnTo>
+                  <a:lnTo>
+                    <a:pt x="32735" y="1654761"/>
+                  </a:lnTo>
+                  <a:lnTo>
+                    <a:pt x="32735" y="1591117"/>
+                  </a:lnTo>
+                  <a:lnTo>
+                    <a:pt x="32735" y="1527472"/>
+                  </a:lnTo>
+                  <a:lnTo>
+                    <a:pt x="32735" y="1463827"/>
+                  </a:lnTo>
+                  <a:lnTo>
+                    <a:pt x="32735" y="1400183"/>
+                  </a:lnTo>
+                  <a:lnTo>
+                    <a:pt x="32735" y="1336538"/>
+                  </a:lnTo>
+                  <a:lnTo>
+                    <a:pt x="32735" y="1272893"/>
+                  </a:lnTo>
+                  <a:lnTo>
+                    <a:pt x="32735" y="1209249"/>
+                  </a:lnTo>
+                  <a:lnTo>
+                    <a:pt x="32735" y="1145604"/>
+                  </a:lnTo>
+                  <a:lnTo>
+                    <a:pt x="32735" y="1081959"/>
+                  </a:lnTo>
+                  <a:lnTo>
+                    <a:pt x="32735" y="1018315"/>
+                  </a:lnTo>
+                  <a:lnTo>
+                    <a:pt x="32735" y="954670"/>
+                  </a:lnTo>
+                  <a:lnTo>
+                    <a:pt x="32735" y="891025"/>
+                  </a:lnTo>
+                  <a:lnTo>
+                    <a:pt x="32735" y="827380"/>
+                  </a:lnTo>
+                  <a:lnTo>
+                    <a:pt x="32735" y="763736"/>
+                  </a:lnTo>
+                  <a:lnTo>
+                    <a:pt x="32735" y="700091"/>
+                  </a:lnTo>
+                  <a:lnTo>
+                    <a:pt x="32735" y="636446"/>
+                  </a:lnTo>
+                  <a:lnTo>
+                    <a:pt x="32735" y="572802"/>
+                  </a:lnTo>
+                  <a:lnTo>
+                    <a:pt x="32735" y="509157"/>
+                  </a:lnTo>
+                  <a:lnTo>
+                    <a:pt x="32735" y="445512"/>
+                  </a:lnTo>
+                  <a:lnTo>
+                    <a:pt x="32735" y="381868"/>
+                  </a:lnTo>
+                  <a:lnTo>
+                    <a:pt x="32735" y="318223"/>
+                  </a:lnTo>
+                  <a:lnTo>
+                    <a:pt x="32735" y="254578"/>
+                  </a:lnTo>
+                  <a:lnTo>
+                    <a:pt x="32735" y="190934"/>
+                  </a:lnTo>
+                  <a:lnTo>
+                    <a:pt x="32735" y="127289"/>
+                  </a:lnTo>
+                  <a:lnTo>
+                    <a:pt x="32735" y="63644"/>
+                  </a:lnTo>
+                  <a:lnTo>
+                    <a:pt x="32735" y="0"/>
+                  </a:lnTo>
+                  <a:lnTo>
+                    <a:pt x="0" y="290"/>
+                  </a:lnTo>
+                  <a:lnTo>
+                    <a:pt x="1128" y="63924"/>
+                  </a:lnTo>
+                  <a:lnTo>
+                    <a:pt x="2257" y="127559"/>
+                  </a:lnTo>
+                  <a:lnTo>
+                    <a:pt x="3386" y="191194"/>
+                  </a:lnTo>
+                  <a:lnTo>
+                    <a:pt x="4515" y="254829"/>
+                  </a:lnTo>
+                  <a:lnTo>
+                    <a:pt x="5643" y="318463"/>
+                  </a:lnTo>
+                  <a:lnTo>
+                    <a:pt x="6772" y="382098"/>
+                  </a:lnTo>
+                  <a:lnTo>
+                    <a:pt x="7901" y="445733"/>
+                  </a:lnTo>
+                  <a:lnTo>
+                    <a:pt x="9030" y="509367"/>
+                  </a:lnTo>
+                  <a:lnTo>
+                    <a:pt x="10159" y="573002"/>
+                  </a:lnTo>
+                  <a:lnTo>
+                    <a:pt x="11287" y="636637"/>
+                  </a:lnTo>
+                  <a:lnTo>
+                    <a:pt x="12416" y="700271"/>
+                  </a:lnTo>
+                  <a:lnTo>
+                    <a:pt x="13545" y="763906"/>
+                  </a:lnTo>
+                  <a:lnTo>
+                    <a:pt x="14674" y="827541"/>
+                  </a:lnTo>
+                  <a:lnTo>
+                    <a:pt x="15803" y="891175"/>
+                  </a:lnTo>
+                  <a:lnTo>
+                    <a:pt x="16931" y="954810"/>
+                  </a:lnTo>
+                  <a:lnTo>
+                    <a:pt x="18060" y="1018445"/>
+                  </a:lnTo>
+                  <a:lnTo>
+                    <a:pt x="19189" y="1082079"/>
+                  </a:lnTo>
+                  <a:lnTo>
+                    <a:pt x="20318" y="1145714"/>
+                  </a:lnTo>
+                  <a:lnTo>
+                    <a:pt x="21447" y="1209349"/>
+                  </a:lnTo>
+                  <a:lnTo>
+                    <a:pt x="22575" y="1272983"/>
+                  </a:lnTo>
+                  <a:lnTo>
+                    <a:pt x="23704" y="1336618"/>
+                  </a:lnTo>
+                  <a:lnTo>
+                    <a:pt x="24833" y="1400253"/>
+                  </a:lnTo>
+                  <a:lnTo>
+                    <a:pt x="25962" y="1463887"/>
+                  </a:lnTo>
+                  <a:lnTo>
+                    <a:pt x="27091" y="1527522"/>
+                  </a:lnTo>
+                  <a:lnTo>
+                    <a:pt x="28219" y="1591157"/>
+                  </a:lnTo>
+                  <a:lnTo>
+                    <a:pt x="29348" y="1654791"/>
+                  </a:lnTo>
+                  <a:lnTo>
+                    <a:pt x="30477" y="1718426"/>
+                  </a:lnTo>
+                  <a:lnTo>
+                    <a:pt x="31606" y="1782061"/>
                   </a:lnTo>
                   <a:close/>
                 </a:path>
@@ -8895,7 +9349,7 @@
           </p:nvSpPr>
           <p:spPr>
             <a:xfrm>
-              <a:off x="5513027" y="3596580"/>
+              <a:off x="5404772" y="3348325"/>
               <a:ext cx="127136" cy="167096"/>
             </a:xfrm>
             <a:prstGeom prst="rect">
@@ -8941,7 +9395,7 @@
           </p:nvSpPr>
           <p:spPr>
             <a:xfrm>
-              <a:off x="5584242" y="4010696"/>
+              <a:off x="5468018" y="3716729"/>
               <a:ext cx="127136" cy="161515"/>
             </a:xfrm>
             <a:prstGeom prst="rect">
@@ -8987,7 +9441,7 @@
           </p:nvSpPr>
           <p:spPr>
             <a:xfrm>
-              <a:off x="5440443" y="4503831"/>
+              <a:off x="5340309" y="4154061"/>
               <a:ext cx="127136" cy="167096"/>
             </a:xfrm>
             <a:prstGeom prst="rect">
@@ -9033,7 +9487,7 @@
           </p:nvSpPr>
           <p:spPr>
             <a:xfrm>
-              <a:off x="4991206" y="4914401"/>
+              <a:off x="4941339" y="4518691"/>
               <a:ext cx="127136" cy="167096"/>
             </a:xfrm>
             <a:prstGeom prst="rect">
@@ -9079,7 +9533,7 @@
           </p:nvSpPr>
           <p:spPr>
             <a:xfrm>
-              <a:off x="4212219" y="4979200"/>
+              <a:off x="4242403" y="4576239"/>
               <a:ext cx="254272" cy="167096"/>
             </a:xfrm>
             <a:prstGeom prst="rect">
@@ -9125,7 +9579,7 @@
           </p:nvSpPr>
           <p:spPr>
             <a:xfrm>
-              <a:off x="3592388" y="4512742"/>
+              <a:off x="3691927" y="4161975"/>
               <a:ext cx="254272" cy="167096"/>
             </a:xfrm>
             <a:prstGeom prst="rect">
@@ -9171,7 +9625,7 @@
           </p:nvSpPr>
           <p:spPr>
             <a:xfrm>
-              <a:off x="3514048" y="3850044"/>
+              <a:off x="3629465" y="3573429"/>
               <a:ext cx="127136" cy="167096"/>
             </a:xfrm>
             <a:prstGeom prst="rect">
@@ -9217,7 +9671,7 @@
           </p:nvSpPr>
           <p:spPr>
             <a:xfrm>
-              <a:off x="3702115" y="3368744"/>
+              <a:off x="3796489" y="3145983"/>
               <a:ext cx="127136" cy="167096"/>
             </a:xfrm>
             <a:prstGeom prst="rect">
@@ -9263,7 +9717,7 @@
           </p:nvSpPr>
           <p:spPr>
             <a:xfrm>
-              <a:off x="3947758" y="3131331"/>
+              <a:off x="4014646" y="2935759"/>
               <a:ext cx="127136" cy="161515"/>
             </a:xfrm>
             <a:prstGeom prst="rect">
@@ -9309,7 +9763,7 @@
           </p:nvSpPr>
           <p:spPr>
             <a:xfrm>
-              <a:off x="4140774" y="3018662"/>
+              <a:off x="4186065" y="2835073"/>
               <a:ext cx="127136" cy="167096"/>
             </a:xfrm>
             <a:prstGeom prst="rect">
@@ -9355,7 +9809,7 @@
           </p:nvSpPr>
           <p:spPr>
             <a:xfrm>
-              <a:off x="4443909" y="1632331"/>
+              <a:off x="4443909" y="1603263"/>
               <a:ext cx="330398" cy="172454"/>
             </a:xfrm>
             <a:prstGeom prst="rect">
@@ -9401,7 +9855,7 @@
           </p:nvSpPr>
           <p:spPr>
             <a:xfrm>
-              <a:off x="5754592" y="2078852"/>
+              <a:off x="5600823" y="1999822"/>
               <a:ext cx="457534" cy="172454"/>
             </a:xfrm>
             <a:prstGeom prst="rect">
@@ -9447,7 +9901,7 @@
           </p:nvSpPr>
           <p:spPr>
             <a:xfrm>
-              <a:off x="6354393" y="2717576"/>
+              <a:off x="6133510" y="2567076"/>
               <a:ext cx="457534" cy="172454"/>
             </a:xfrm>
             <a:prstGeom prst="rect">
@@ -9493,7 +9947,7 @@
           </p:nvSpPr>
           <p:spPr>
             <a:xfrm>
-              <a:off x="6676945" y="3532247"/>
+              <a:off x="6419970" y="3290591"/>
               <a:ext cx="457534" cy="172454"/>
             </a:xfrm>
             <a:prstGeom prst="rect">
@@ -9539,7 +9993,7 @@
           </p:nvSpPr>
           <p:spPr>
             <a:xfrm>
-              <a:off x="6644904" y="4551789"/>
+              <a:off x="6391515" y="4196053"/>
               <a:ext cx="457534" cy="172454"/>
             </a:xfrm>
             <a:prstGeom prst="rect">
@@ -9585,7 +10039,7 @@
           </p:nvSpPr>
           <p:spPr>
             <a:xfrm>
-              <a:off x="5980823" y="5674688"/>
+              <a:off x="5801740" y="5193308"/>
               <a:ext cx="457534" cy="172454"/>
             </a:xfrm>
             <a:prstGeom prst="rect">
@@ -9631,7 +10085,7 @@
           </p:nvSpPr>
           <p:spPr>
             <a:xfrm>
-              <a:off x="4673372" y="6289928"/>
+              <a:off x="4640584" y="5739706"/>
               <a:ext cx="457534" cy="172454"/>
             </a:xfrm>
             <a:prstGeom prst="rect">
@@ -9677,7 +10131,7 @@
           </p:nvSpPr>
           <p:spPr>
             <a:xfrm>
-              <a:off x="3006089" y="5861843"/>
+              <a:off x="3159859" y="5359521"/>
               <a:ext cx="457534" cy="172454"/>
             </a:xfrm>
             <a:prstGeom prst="rect">
@@ -9723,7 +10177,7 @@
           </p:nvSpPr>
           <p:spPr>
             <a:xfrm>
-              <a:off x="2083737" y="4408448"/>
+              <a:off x="2340712" y="4068751"/>
               <a:ext cx="457534" cy="172454"/>
             </a:xfrm>
             <a:prstGeom prst="rect">
@@ -9769,7 +10223,7 @@
           </p:nvSpPr>
           <p:spPr>
             <a:xfrm>
-              <a:off x="2264840" y="2974868"/>
+              <a:off x="2501551" y="2795580"/>
               <a:ext cx="457534" cy="172454"/>
             </a:xfrm>
             <a:prstGeom prst="rect">
@@ -9815,7 +10269,7 @@
           </p:nvSpPr>
           <p:spPr>
             <a:xfrm>
-              <a:off x="2779858" y="2266007"/>
+              <a:off x="2958942" y="2166035"/>
               <a:ext cx="457534" cy="172454"/>
             </a:xfrm>
             <a:prstGeom prst="rect">
@@ -9849,6 +10303,144 @@
                   <a:cs typeface="Arial"/>
                 </a:rPr>
                 <a:t>88%</a:t>
+              </a:r>
+            </a:p>
+          </p:txBody>
+        </p:sp>
+        <p:sp>
+          <p:nvSpPr>
+            <p:cNvPr id="49" name="tx47"/>
+            <p:cNvSpPr/>
+            <p:nvPr/>
+          </p:nvSpPr>
+          <p:spPr>
+            <a:xfrm>
+              <a:off x="2245052" y="6389561"/>
+              <a:ext cx="7898649" cy="119067"/>
+            </a:xfrm>
+            <a:prstGeom prst="rect">
+              <a:avLst/>
+            </a:prstGeom>
+            <a:noFill/>
+          </p:spPr>
+          <p:txBody>
+            <a:bodyPr lIns="0" rIns="0" tIns="0" bIns="0" anchorCtr="1" anchor="ctr" wrap="none"/>
+            <a:lstStyle/>
+            <a:p>
+              <a:pPr algn="l" marL="0" marR="0" indent="0">
+                <a:lnSpc>
+                  <a:spcPts val="999"/>
+                </a:lnSpc>
+                <a:spcBef>
+                  <a:spcPts val="0"/>
+                </a:spcBef>
+                <a:spcAft>
+                  <a:spcPts val="0"/>
+                </a:spcAft>
+              </a:pPr>
+              <a:r>
+                <a:rPr sz="999" i="1">
+                  <a:solidFill>
+                    <a:srgbClr val="000000">
+                      <a:alpha val="100000"/>
+                    </a:srgbClr>
+                  </a:solidFill>
+                  <a:latin typeface="Arial"/>
+                  <a:cs typeface="Arial"/>
+                </a:rPr>
+                <a:t>Notes: Projections to 2020-21 assume 2% wage growth and 0% growth in the number of taxfilers from 2019-20 to 2020-21. Voluntary pre-tax</a:t>
+              </a:r>
+            </a:p>
+          </p:txBody>
+        </p:sp>
+        <p:sp>
+          <p:nvSpPr>
+            <p:cNvPr id="50" name="tx48"/>
+            <p:cNvSpPr/>
+            <p:nvPr/>
+          </p:nvSpPr>
+          <p:spPr>
+            <a:xfrm>
+              <a:off x="2245052" y="6551736"/>
+              <a:ext cx="3928045" cy="93915"/>
+            </a:xfrm>
+            <a:prstGeom prst="rect">
+              <a:avLst/>
+            </a:prstGeom>
+            <a:noFill/>
+          </p:spPr>
+          <p:txBody>
+            <a:bodyPr lIns="0" rIns="0" tIns="0" bIns="0" anchorCtr="1" anchor="ctr" wrap="none"/>
+            <a:lstStyle/>
+            <a:p>
+              <a:pPr algn="l" marL="0" marR="0" indent="0">
+                <a:lnSpc>
+                  <a:spcPts val="999"/>
+                </a:lnSpc>
+                <a:spcBef>
+                  <a:spcPts val="0"/>
+                </a:spcBef>
+                <a:spcAft>
+                  <a:spcPts val="0"/>
+                </a:spcAft>
+              </a:pPr>
+              <a:r>
+                <a:rPr sz="999" i="1">
+                  <a:solidFill>
+                    <a:srgbClr val="000000">
+                      <a:alpha val="100000"/>
+                    </a:srgbClr>
+                  </a:solidFill>
+                  <a:latin typeface="Arial"/>
+                  <a:cs typeface="Arial"/>
+                </a:rPr>
+                <a:t>contributions means concessional contributions less SG contributions.</a:t>
+              </a:r>
+            </a:p>
+          </p:txBody>
+        </p:sp>
+        <p:sp>
+          <p:nvSpPr>
+            <p:cNvPr id="51" name="tx49"/>
+            <p:cNvSpPr/>
+            <p:nvPr/>
+          </p:nvSpPr>
+          <p:spPr>
+            <a:xfrm>
+              <a:off x="2245052" y="6665094"/>
+              <a:ext cx="2094457" cy="117580"/>
+            </a:xfrm>
+            <a:prstGeom prst="rect">
+              <a:avLst/>
+            </a:prstGeom>
+            <a:noFill/>
+          </p:spPr>
+          <p:txBody>
+            <a:bodyPr lIns="0" rIns="0" tIns="0" bIns="0" anchorCtr="1" anchor="ctr" wrap="none"/>
+            <a:lstStyle/>
+            <a:p>
+              <a:pPr algn="l" marL="0" marR="0" indent="0">
+                <a:lnSpc>
+                  <a:spcPts val="999"/>
+                </a:lnSpc>
+                <a:spcBef>
+                  <a:spcPts val="0"/>
+                </a:spcBef>
+                <a:spcAft>
+                  <a:spcPts val="0"/>
+                </a:spcAft>
+              </a:pPr>
+              <a:r>
+                <a:rPr sz="999" i="1">
+                  <a:solidFill>
+                    <a:srgbClr val="000000">
+                      <a:alpha val="100000"/>
+                    </a:srgbClr>
+                  </a:solidFill>
+                  <a:latin typeface="Arial"/>
+                  <a:cs typeface="Arial"/>
+                </a:rPr>
+                <a:t>Source: ATO 2017-18 2% sample file</a:t>
               </a:r>
             </a:p>
           </p:txBody>
